--- a/miniPCB/ENGDOC/About the Project/2023/AI CAD Tool.pptx
+++ b/miniPCB/ENGDOC/About the Project/2023/AI CAD Tool.pptx
@@ -2,19 +2,19 @@
 <file path=ppt/presentation.xml><?xml version="1.0" encoding="utf-8"?>
 <p:presentation xmlns:a="http://schemas.openxmlformats.org/drawingml/2006/main" xmlns:r="http://schemas.openxmlformats.org/officeDocument/2006/relationships" xmlns:p="http://schemas.openxmlformats.org/presentationml/2006/main" saveSubsetFonts="1">
   <p:sldMasterIdLst>
-    <p:sldMasterId id="2147483648" r:id="rId1"/>
+    <p:sldMasterId id="2147483660" r:id="rId1"/>
   </p:sldMasterIdLst>
   <p:sldIdLst>
     <p:sldId id="256" r:id="rId2"/>
-    <p:sldId id="257" r:id="rId3"/>
+    <p:sldId id="258" r:id="rId3"/>
   </p:sldIdLst>
-  <p:sldSz cx="12192000" cy="6858000"/>
+  <p:sldSz cx="15544800" cy="10058400"/>
   <p:notesSz cx="6858000" cy="9144000"/>
   <p:defaultTextStyle>
     <a:defPPr>
       <a:defRPr lang="en-US"/>
     </a:defPPr>
-    <a:lvl1pPr marL="0" algn="l" defTabSz="914400" rtl="0" eaLnBrk="1" latinLnBrk="0" hangingPunct="1">
+    <a:lvl1pPr marL="0" algn="l" defTabSz="457200" rtl="0" eaLnBrk="1" latinLnBrk="0" hangingPunct="1">
       <a:defRPr sz="1800" kern="1200">
         <a:solidFill>
           <a:schemeClr val="tx1"/>
@@ -24,7 +24,7 @@
         <a:cs typeface="+mn-cs"/>
       </a:defRPr>
     </a:lvl1pPr>
-    <a:lvl2pPr marL="457200" algn="l" defTabSz="914400" rtl="0" eaLnBrk="1" latinLnBrk="0" hangingPunct="1">
+    <a:lvl2pPr marL="457200" algn="l" defTabSz="457200" rtl="0" eaLnBrk="1" latinLnBrk="0" hangingPunct="1">
       <a:defRPr sz="1800" kern="1200">
         <a:solidFill>
           <a:schemeClr val="tx1"/>
@@ -34,7 +34,7 @@
         <a:cs typeface="+mn-cs"/>
       </a:defRPr>
     </a:lvl2pPr>
-    <a:lvl3pPr marL="914400" algn="l" defTabSz="914400" rtl="0" eaLnBrk="1" latinLnBrk="0" hangingPunct="1">
+    <a:lvl3pPr marL="914400" algn="l" defTabSz="457200" rtl="0" eaLnBrk="1" latinLnBrk="0" hangingPunct="1">
       <a:defRPr sz="1800" kern="1200">
         <a:solidFill>
           <a:schemeClr val="tx1"/>
@@ -44,7 +44,7 @@
         <a:cs typeface="+mn-cs"/>
       </a:defRPr>
     </a:lvl3pPr>
-    <a:lvl4pPr marL="1371600" algn="l" defTabSz="914400" rtl="0" eaLnBrk="1" latinLnBrk="0" hangingPunct="1">
+    <a:lvl4pPr marL="1371600" algn="l" defTabSz="457200" rtl="0" eaLnBrk="1" latinLnBrk="0" hangingPunct="1">
       <a:defRPr sz="1800" kern="1200">
         <a:solidFill>
           <a:schemeClr val="tx1"/>
@@ -54,7 +54,7 @@
         <a:cs typeface="+mn-cs"/>
       </a:defRPr>
     </a:lvl4pPr>
-    <a:lvl5pPr marL="1828800" algn="l" defTabSz="914400" rtl="0" eaLnBrk="1" latinLnBrk="0" hangingPunct="1">
+    <a:lvl5pPr marL="1828800" algn="l" defTabSz="457200" rtl="0" eaLnBrk="1" latinLnBrk="0" hangingPunct="1">
       <a:defRPr sz="1800" kern="1200">
         <a:solidFill>
           <a:schemeClr val="tx1"/>
@@ -64,7 +64,7 @@
         <a:cs typeface="+mn-cs"/>
       </a:defRPr>
     </a:lvl5pPr>
-    <a:lvl6pPr marL="2286000" algn="l" defTabSz="914400" rtl="0" eaLnBrk="1" latinLnBrk="0" hangingPunct="1">
+    <a:lvl6pPr marL="2286000" algn="l" defTabSz="457200" rtl="0" eaLnBrk="1" latinLnBrk="0" hangingPunct="1">
       <a:defRPr sz="1800" kern="1200">
         <a:solidFill>
           <a:schemeClr val="tx1"/>
@@ -74,7 +74,7 @@
         <a:cs typeface="+mn-cs"/>
       </a:defRPr>
     </a:lvl6pPr>
-    <a:lvl7pPr marL="2743200" algn="l" defTabSz="914400" rtl="0" eaLnBrk="1" latinLnBrk="0" hangingPunct="1">
+    <a:lvl7pPr marL="2743200" algn="l" defTabSz="457200" rtl="0" eaLnBrk="1" latinLnBrk="0" hangingPunct="1">
       <a:defRPr sz="1800" kern="1200">
         <a:solidFill>
           <a:schemeClr val="tx1"/>
@@ -84,7 +84,7 @@
         <a:cs typeface="+mn-cs"/>
       </a:defRPr>
     </a:lvl7pPr>
-    <a:lvl8pPr marL="3200400" algn="l" defTabSz="914400" rtl="0" eaLnBrk="1" latinLnBrk="0" hangingPunct="1">
+    <a:lvl8pPr marL="3200400" algn="l" defTabSz="457200" rtl="0" eaLnBrk="1" latinLnBrk="0" hangingPunct="1">
       <a:defRPr sz="1800" kern="1200">
         <a:solidFill>
           <a:schemeClr val="tx1"/>
@@ -94,7 +94,7 @@
         <a:cs typeface="+mn-cs"/>
       </a:defRPr>
     </a:lvl8pPr>
-    <a:lvl9pPr marL="3657600" algn="l" defTabSz="914400" rtl="0" eaLnBrk="1" latinLnBrk="0" hangingPunct="1">
+    <a:lvl9pPr marL="3657600" algn="l" defTabSz="457200" rtl="0" eaLnBrk="1" latinLnBrk="0" hangingPunct="1">
       <a:defRPr sz="1800" kern="1200">
         <a:solidFill>
           <a:schemeClr val="tx1"/>
@@ -105,6 +105,11 @@
       </a:defRPr>
     </a:lvl9pPr>
   </p:defaultTextStyle>
+  <p:extLst>
+    <p:ext uri="{EFAFB233-063F-42B5-8137-9DF3F51BA10A}">
+      <p15:sldGuideLst xmlns:p15="http://schemas.microsoft.com/office/powerpoint/2012/main"/>
+    </p:ext>
+  </p:extLst>
 </p:presentation>
 </file>
 
@@ -127,13 +132,7 @@
       </p:grpSpPr>
       <p:sp>
         <p:nvSpPr>
-          <p:cNvPr id="2" name="Title 1">
-            <a:extLst>
-              <a:ext uri="{FF2B5EF4-FFF2-40B4-BE49-F238E27FC236}">
-                <a16:creationId xmlns:a16="http://schemas.microsoft.com/office/drawing/2014/main" id="{AF0C3FFB-998C-7F2B-E664-F2423C421DDC}"/>
-              </a:ext>
-            </a:extLst>
-          </p:cNvPr>
+          <p:cNvPr id="2" name="Title 1"/>
           <p:cNvSpPr>
             <a:spLocks noGrp="1"/>
           </p:cNvSpPr>
@@ -143,15 +142,15 @@
         </p:nvSpPr>
         <p:spPr>
           <a:xfrm>
-            <a:off x="1524000" y="1122363"/>
-            <a:ext cx="9144000" cy="2387600"/>
+            <a:off x="1165860" y="1646133"/>
+            <a:ext cx="13213080" cy="3501813"/>
           </a:xfrm>
         </p:spPr>
         <p:txBody>
           <a:bodyPr anchor="b"/>
           <a:lstStyle>
             <a:lvl1pPr algn="ctr">
-              <a:defRPr sz="6000"/>
+              <a:defRPr sz="8800"/>
             </a:lvl1pPr>
           </a:lstStyle>
           <a:p>
@@ -159,18 +158,13 @@
               <a:rPr lang="en-US"/>
               <a:t>Click to edit Master title style</a:t>
             </a:r>
-          </a:p>
-        </p:txBody>
-      </p:sp>
-      <p:sp>
-        <p:nvSpPr>
-          <p:cNvPr id="3" name="Subtitle 2">
-            <a:extLst>
-              <a:ext uri="{FF2B5EF4-FFF2-40B4-BE49-F238E27FC236}">
-                <a16:creationId xmlns:a16="http://schemas.microsoft.com/office/drawing/2014/main" id="{22AE8E19-DFF6-A22F-70EE-223BA5847816}"/>
-              </a:ext>
-            </a:extLst>
-          </p:cNvPr>
+            <a:endParaRPr lang="en-US" dirty="0"/>
+          </a:p>
+        </p:txBody>
+      </p:sp>
+      <p:sp>
+        <p:nvSpPr>
+          <p:cNvPr id="3" name="Subtitle 2"/>
           <p:cNvSpPr>
             <a:spLocks noGrp="1"/>
           </p:cNvSpPr>
@@ -180,8 +174,8 @@
         </p:nvSpPr>
         <p:spPr>
           <a:xfrm>
-            <a:off x="1524000" y="3602038"/>
-            <a:ext cx="9144000" cy="1655762"/>
+            <a:off x="1943100" y="5282989"/>
+            <a:ext cx="11658600" cy="2428451"/>
           </a:xfrm>
         </p:spPr>
         <p:txBody>
@@ -189,39 +183,39 @@
           <a:lstStyle>
             <a:lvl1pPr marL="0" indent="0" algn="ctr">
               <a:buNone/>
-              <a:defRPr sz="2400"/>
+              <a:defRPr sz="3520"/>
             </a:lvl1pPr>
-            <a:lvl2pPr marL="457200" indent="0" algn="ctr">
-              <a:buNone/>
-              <a:defRPr sz="2000"/>
+            <a:lvl2pPr marL="670575" indent="0" algn="ctr">
+              <a:buNone/>
+              <a:defRPr sz="2933"/>
             </a:lvl2pPr>
-            <a:lvl3pPr marL="914400" indent="0" algn="ctr">
-              <a:buNone/>
-              <a:defRPr sz="1800"/>
+            <a:lvl3pPr marL="1341150" indent="0" algn="ctr">
+              <a:buNone/>
+              <a:defRPr sz="2640"/>
             </a:lvl3pPr>
-            <a:lvl4pPr marL="1371600" indent="0" algn="ctr">
-              <a:buNone/>
-              <a:defRPr sz="1600"/>
+            <a:lvl4pPr marL="2011726" indent="0" algn="ctr">
+              <a:buNone/>
+              <a:defRPr sz="2347"/>
             </a:lvl4pPr>
-            <a:lvl5pPr marL="1828800" indent="0" algn="ctr">
-              <a:buNone/>
-              <a:defRPr sz="1600"/>
+            <a:lvl5pPr marL="2682301" indent="0" algn="ctr">
+              <a:buNone/>
+              <a:defRPr sz="2347"/>
             </a:lvl5pPr>
-            <a:lvl6pPr marL="2286000" indent="0" algn="ctr">
-              <a:buNone/>
-              <a:defRPr sz="1600"/>
+            <a:lvl6pPr marL="3352876" indent="0" algn="ctr">
+              <a:buNone/>
+              <a:defRPr sz="2347"/>
             </a:lvl6pPr>
-            <a:lvl7pPr marL="2743200" indent="0" algn="ctr">
-              <a:buNone/>
-              <a:defRPr sz="1600"/>
+            <a:lvl7pPr marL="4023451" indent="0" algn="ctr">
+              <a:buNone/>
+              <a:defRPr sz="2347"/>
             </a:lvl7pPr>
-            <a:lvl8pPr marL="3200400" indent="0" algn="ctr">
-              <a:buNone/>
-              <a:defRPr sz="1600"/>
+            <a:lvl8pPr marL="4694027" indent="0" algn="ctr">
+              <a:buNone/>
+              <a:defRPr sz="2347"/>
             </a:lvl8pPr>
-            <a:lvl9pPr marL="3657600" indent="0" algn="ctr">
-              <a:buNone/>
-              <a:defRPr sz="1600"/>
+            <a:lvl9pPr marL="5364602" indent="0" algn="ctr">
+              <a:buNone/>
+              <a:defRPr sz="2347"/>
             </a:lvl9pPr>
           </a:lstStyle>
           <a:p>
@@ -229,18 +223,13 @@
               <a:rPr lang="en-US"/>
               <a:t>Click to edit Master subtitle style</a:t>
             </a:r>
-          </a:p>
-        </p:txBody>
-      </p:sp>
-      <p:sp>
-        <p:nvSpPr>
-          <p:cNvPr id="4" name="Date Placeholder 3">
-            <a:extLst>
-              <a:ext uri="{FF2B5EF4-FFF2-40B4-BE49-F238E27FC236}">
-                <a16:creationId xmlns:a16="http://schemas.microsoft.com/office/drawing/2014/main" id="{F82FCE4E-CA4C-5199-5E50-0B3A04DED779}"/>
-              </a:ext>
-            </a:extLst>
-          </p:cNvPr>
+            <a:endParaRPr lang="en-US" dirty="0"/>
+          </a:p>
+        </p:txBody>
+      </p:sp>
+      <p:sp>
+        <p:nvSpPr>
+          <p:cNvPr id="4" name="Date Placeholder 3"/>
           <p:cNvSpPr>
             <a:spLocks noGrp="1"/>
           </p:cNvSpPr>
@@ -255,7 +244,7 @@
           <a:p>
             <a:fld id="{5F058B35-4A60-4D1F-A3FD-4F9C39F1EB3B}" type="datetimeFigureOut">
               <a:rPr lang="en-US" smtClean="0"/>
-              <a:t>3/5/2023</a:t>
+              <a:t>7/17/2023</a:t>
             </a:fld>
             <a:endParaRPr lang="en-US"/>
           </a:p>
@@ -263,13 +252,7 @@
       </p:sp>
       <p:sp>
         <p:nvSpPr>
-          <p:cNvPr id="5" name="Footer Placeholder 4">
-            <a:extLst>
-              <a:ext uri="{FF2B5EF4-FFF2-40B4-BE49-F238E27FC236}">
-                <a16:creationId xmlns:a16="http://schemas.microsoft.com/office/drawing/2014/main" id="{1ACB3DE3-01DC-1112-9FED-FB0FAC2B31FB}"/>
-              </a:ext>
-            </a:extLst>
-          </p:cNvPr>
+          <p:cNvPr id="5" name="Footer Placeholder 4"/>
           <p:cNvSpPr>
             <a:spLocks noGrp="1"/>
           </p:cNvSpPr>
@@ -288,13 +271,7 @@
       </p:sp>
       <p:sp>
         <p:nvSpPr>
-          <p:cNvPr id="6" name="Slide Number Placeholder 5">
-            <a:extLst>
-              <a:ext uri="{FF2B5EF4-FFF2-40B4-BE49-F238E27FC236}">
-                <a16:creationId xmlns:a16="http://schemas.microsoft.com/office/drawing/2014/main" id="{56DF9A4C-39D0-CE33-7422-B8C8297E618E}"/>
-              </a:ext>
-            </a:extLst>
-          </p:cNvPr>
+          <p:cNvPr id="6" name="Slide Number Placeholder 5"/>
           <p:cNvSpPr>
             <a:spLocks noGrp="1"/>
           </p:cNvSpPr>
@@ -318,7 +295,7 @@
     </p:spTree>
     <p:extLst>
       <p:ext uri="{BB962C8B-B14F-4D97-AF65-F5344CB8AC3E}">
-        <p14:creationId xmlns:p14="http://schemas.microsoft.com/office/powerpoint/2010/main" val="3955921765"/>
+        <p14:creationId xmlns:p14="http://schemas.microsoft.com/office/powerpoint/2010/main" val="1050035905"/>
       </p:ext>
     </p:extLst>
   </p:cSld>
@@ -347,13 +324,7 @@
       </p:grpSpPr>
       <p:sp>
         <p:nvSpPr>
-          <p:cNvPr id="2" name="Title 1">
-            <a:extLst>
-              <a:ext uri="{FF2B5EF4-FFF2-40B4-BE49-F238E27FC236}">
-                <a16:creationId xmlns:a16="http://schemas.microsoft.com/office/drawing/2014/main" id="{147844F3-7132-6A5A-DE9F-BE63B4160715}"/>
-              </a:ext>
-            </a:extLst>
-          </p:cNvPr>
+          <p:cNvPr id="2" name="Title 1"/>
           <p:cNvSpPr>
             <a:spLocks noGrp="1"/>
           </p:cNvSpPr>
@@ -370,18 +341,13 @@
               <a:rPr lang="en-US"/>
               <a:t>Click to edit Master title style</a:t>
             </a:r>
-          </a:p>
-        </p:txBody>
-      </p:sp>
-      <p:sp>
-        <p:nvSpPr>
-          <p:cNvPr id="3" name="Vertical Text Placeholder 2">
-            <a:extLst>
-              <a:ext uri="{FF2B5EF4-FFF2-40B4-BE49-F238E27FC236}">
-                <a16:creationId xmlns:a16="http://schemas.microsoft.com/office/drawing/2014/main" id="{0F181E31-38F8-F9CE-7E53-D2C2EE5B0CA7}"/>
-              </a:ext>
-            </a:extLst>
-          </p:cNvPr>
+            <a:endParaRPr lang="en-US" dirty="0"/>
+          </a:p>
+        </p:txBody>
+      </p:sp>
+      <p:sp>
+        <p:nvSpPr>
+          <p:cNvPr id="3" name="Vertical Text Placeholder 2"/>
           <p:cNvSpPr>
             <a:spLocks noGrp="1"/>
           </p:cNvSpPr>
@@ -427,18 +393,13 @@
               <a:rPr lang="en-US"/>
               <a:t>Fifth level</a:t>
             </a:r>
-          </a:p>
-        </p:txBody>
-      </p:sp>
-      <p:sp>
-        <p:nvSpPr>
-          <p:cNvPr id="4" name="Date Placeholder 3">
-            <a:extLst>
-              <a:ext uri="{FF2B5EF4-FFF2-40B4-BE49-F238E27FC236}">
-                <a16:creationId xmlns:a16="http://schemas.microsoft.com/office/drawing/2014/main" id="{A63A948B-A436-BAD1-AC5F-9527ED8CA7BF}"/>
-              </a:ext>
-            </a:extLst>
-          </p:cNvPr>
+            <a:endParaRPr lang="en-US" dirty="0"/>
+          </a:p>
+        </p:txBody>
+      </p:sp>
+      <p:sp>
+        <p:nvSpPr>
+          <p:cNvPr id="4" name="Date Placeholder 3"/>
           <p:cNvSpPr>
             <a:spLocks noGrp="1"/>
           </p:cNvSpPr>
@@ -453,7 +414,7 @@
           <a:p>
             <a:fld id="{5F058B35-4A60-4D1F-A3FD-4F9C39F1EB3B}" type="datetimeFigureOut">
               <a:rPr lang="en-US" smtClean="0"/>
-              <a:t>3/5/2023</a:t>
+              <a:t>7/17/2023</a:t>
             </a:fld>
             <a:endParaRPr lang="en-US"/>
           </a:p>
@@ -461,13 +422,7 @@
       </p:sp>
       <p:sp>
         <p:nvSpPr>
-          <p:cNvPr id="5" name="Footer Placeholder 4">
-            <a:extLst>
-              <a:ext uri="{FF2B5EF4-FFF2-40B4-BE49-F238E27FC236}">
-                <a16:creationId xmlns:a16="http://schemas.microsoft.com/office/drawing/2014/main" id="{59795416-6883-6DA1-A751-65EDF32C75CE}"/>
-              </a:ext>
-            </a:extLst>
-          </p:cNvPr>
+          <p:cNvPr id="5" name="Footer Placeholder 4"/>
           <p:cNvSpPr>
             <a:spLocks noGrp="1"/>
           </p:cNvSpPr>
@@ -486,13 +441,7 @@
       </p:sp>
       <p:sp>
         <p:nvSpPr>
-          <p:cNvPr id="6" name="Slide Number Placeholder 5">
-            <a:extLst>
-              <a:ext uri="{FF2B5EF4-FFF2-40B4-BE49-F238E27FC236}">
-                <a16:creationId xmlns:a16="http://schemas.microsoft.com/office/drawing/2014/main" id="{E985352F-799E-B89C-1830-252479984189}"/>
-              </a:ext>
-            </a:extLst>
-          </p:cNvPr>
+          <p:cNvPr id="6" name="Slide Number Placeholder 5"/>
           <p:cNvSpPr>
             <a:spLocks noGrp="1"/>
           </p:cNvSpPr>
@@ -516,7 +465,7 @@
     </p:spTree>
     <p:extLst>
       <p:ext uri="{BB962C8B-B14F-4D97-AF65-F5344CB8AC3E}">
-        <p14:creationId xmlns:p14="http://schemas.microsoft.com/office/powerpoint/2010/main" val="2405555282"/>
+        <p14:creationId xmlns:p14="http://schemas.microsoft.com/office/powerpoint/2010/main" val="3764967377"/>
       </p:ext>
     </p:extLst>
   </p:cSld>
@@ -545,13 +494,7 @@
       </p:grpSpPr>
       <p:sp>
         <p:nvSpPr>
-          <p:cNvPr id="2" name="Vertical Title 1">
-            <a:extLst>
-              <a:ext uri="{FF2B5EF4-FFF2-40B4-BE49-F238E27FC236}">
-                <a16:creationId xmlns:a16="http://schemas.microsoft.com/office/drawing/2014/main" id="{F6701891-854E-4B37-D74B-E45C8D98A76C}"/>
-              </a:ext>
-            </a:extLst>
-          </p:cNvPr>
+          <p:cNvPr id="2" name="Vertical Title 1"/>
           <p:cNvSpPr>
             <a:spLocks noGrp="1"/>
           </p:cNvSpPr>
@@ -561,8 +504,8 @@
         </p:nvSpPr>
         <p:spPr>
           <a:xfrm>
-            <a:off x="8724900" y="365125"/>
-            <a:ext cx="2628900" cy="5811838"/>
+            <a:off x="11124248" y="535517"/>
+            <a:ext cx="3351848" cy="8524029"/>
           </a:xfrm>
         </p:spPr>
         <p:txBody>
@@ -573,18 +516,13 @@
               <a:rPr lang="en-US"/>
               <a:t>Click to edit Master title style</a:t>
             </a:r>
-          </a:p>
-        </p:txBody>
-      </p:sp>
-      <p:sp>
-        <p:nvSpPr>
-          <p:cNvPr id="3" name="Vertical Text Placeholder 2">
-            <a:extLst>
-              <a:ext uri="{FF2B5EF4-FFF2-40B4-BE49-F238E27FC236}">
-                <a16:creationId xmlns:a16="http://schemas.microsoft.com/office/drawing/2014/main" id="{D7927483-466F-A89E-A8A6-C66E2E4F5F9E}"/>
-              </a:ext>
-            </a:extLst>
-          </p:cNvPr>
+            <a:endParaRPr lang="en-US" dirty="0"/>
+          </a:p>
+        </p:txBody>
+      </p:sp>
+      <p:sp>
+        <p:nvSpPr>
+          <p:cNvPr id="3" name="Vertical Text Placeholder 2"/>
           <p:cNvSpPr>
             <a:spLocks noGrp="1"/>
           </p:cNvSpPr>
@@ -594,8 +532,8 @@
         </p:nvSpPr>
         <p:spPr>
           <a:xfrm>
-            <a:off x="838200" y="365125"/>
-            <a:ext cx="7734300" cy="5811838"/>
+            <a:off x="1068706" y="535517"/>
+            <a:ext cx="9861233" cy="8524029"/>
           </a:xfrm>
         </p:spPr>
         <p:txBody>
@@ -635,18 +573,13 @@
               <a:rPr lang="en-US"/>
               <a:t>Fifth level</a:t>
             </a:r>
-          </a:p>
-        </p:txBody>
-      </p:sp>
-      <p:sp>
-        <p:nvSpPr>
-          <p:cNvPr id="4" name="Date Placeholder 3">
-            <a:extLst>
-              <a:ext uri="{FF2B5EF4-FFF2-40B4-BE49-F238E27FC236}">
-                <a16:creationId xmlns:a16="http://schemas.microsoft.com/office/drawing/2014/main" id="{ABC096CC-2D1E-FCE6-A97E-60756094A850}"/>
-              </a:ext>
-            </a:extLst>
-          </p:cNvPr>
+            <a:endParaRPr lang="en-US" dirty="0"/>
+          </a:p>
+        </p:txBody>
+      </p:sp>
+      <p:sp>
+        <p:nvSpPr>
+          <p:cNvPr id="4" name="Date Placeholder 3"/>
           <p:cNvSpPr>
             <a:spLocks noGrp="1"/>
           </p:cNvSpPr>
@@ -661,7 +594,7 @@
           <a:p>
             <a:fld id="{5F058B35-4A60-4D1F-A3FD-4F9C39F1EB3B}" type="datetimeFigureOut">
               <a:rPr lang="en-US" smtClean="0"/>
-              <a:t>3/5/2023</a:t>
+              <a:t>7/17/2023</a:t>
             </a:fld>
             <a:endParaRPr lang="en-US"/>
           </a:p>
@@ -669,13 +602,7 @@
       </p:sp>
       <p:sp>
         <p:nvSpPr>
-          <p:cNvPr id="5" name="Footer Placeholder 4">
-            <a:extLst>
-              <a:ext uri="{FF2B5EF4-FFF2-40B4-BE49-F238E27FC236}">
-                <a16:creationId xmlns:a16="http://schemas.microsoft.com/office/drawing/2014/main" id="{B61A5A65-30ED-FB4D-F1F9-74406CA2788F}"/>
-              </a:ext>
-            </a:extLst>
-          </p:cNvPr>
+          <p:cNvPr id="5" name="Footer Placeholder 4"/>
           <p:cNvSpPr>
             <a:spLocks noGrp="1"/>
           </p:cNvSpPr>
@@ -694,13 +621,7 @@
       </p:sp>
       <p:sp>
         <p:nvSpPr>
-          <p:cNvPr id="6" name="Slide Number Placeholder 5">
-            <a:extLst>
-              <a:ext uri="{FF2B5EF4-FFF2-40B4-BE49-F238E27FC236}">
-                <a16:creationId xmlns:a16="http://schemas.microsoft.com/office/drawing/2014/main" id="{B549A66A-F302-BC19-F6E9-7A4FF5FC44E8}"/>
-              </a:ext>
-            </a:extLst>
-          </p:cNvPr>
+          <p:cNvPr id="6" name="Slide Number Placeholder 5"/>
           <p:cNvSpPr>
             <a:spLocks noGrp="1"/>
           </p:cNvSpPr>
@@ -724,7 +645,7 @@
     </p:spTree>
     <p:extLst>
       <p:ext uri="{BB962C8B-B14F-4D97-AF65-F5344CB8AC3E}">
-        <p14:creationId xmlns:p14="http://schemas.microsoft.com/office/powerpoint/2010/main" val="961394973"/>
+        <p14:creationId xmlns:p14="http://schemas.microsoft.com/office/powerpoint/2010/main" val="643498496"/>
       </p:ext>
     </p:extLst>
   </p:cSld>
@@ -753,13 +674,7 @@
       </p:grpSpPr>
       <p:sp>
         <p:nvSpPr>
-          <p:cNvPr id="2" name="Title 1">
-            <a:extLst>
-              <a:ext uri="{FF2B5EF4-FFF2-40B4-BE49-F238E27FC236}">
-                <a16:creationId xmlns:a16="http://schemas.microsoft.com/office/drawing/2014/main" id="{08EF0E22-D2D3-0932-6A0C-36D08068BEA6}"/>
-              </a:ext>
-            </a:extLst>
-          </p:cNvPr>
+          <p:cNvPr id="2" name="Title 1"/>
           <p:cNvSpPr>
             <a:spLocks noGrp="1"/>
           </p:cNvSpPr>
@@ -776,18 +691,13 @@
               <a:rPr lang="en-US"/>
               <a:t>Click to edit Master title style</a:t>
             </a:r>
-          </a:p>
-        </p:txBody>
-      </p:sp>
-      <p:sp>
-        <p:nvSpPr>
-          <p:cNvPr id="3" name="Content Placeholder 2">
-            <a:extLst>
-              <a:ext uri="{FF2B5EF4-FFF2-40B4-BE49-F238E27FC236}">
-                <a16:creationId xmlns:a16="http://schemas.microsoft.com/office/drawing/2014/main" id="{AD1CFB7C-AB03-5158-7628-B69C509F35B3}"/>
-              </a:ext>
-            </a:extLst>
-          </p:cNvPr>
+            <a:endParaRPr lang="en-US" dirty="0"/>
+          </a:p>
+        </p:txBody>
+      </p:sp>
+      <p:sp>
+        <p:nvSpPr>
+          <p:cNvPr id="3" name="Content Placeholder 2"/>
           <p:cNvSpPr>
             <a:spLocks noGrp="1"/>
           </p:cNvSpPr>
@@ -833,18 +743,13 @@
               <a:rPr lang="en-US"/>
               <a:t>Fifth level</a:t>
             </a:r>
-          </a:p>
-        </p:txBody>
-      </p:sp>
-      <p:sp>
-        <p:nvSpPr>
-          <p:cNvPr id="4" name="Date Placeholder 3">
-            <a:extLst>
-              <a:ext uri="{FF2B5EF4-FFF2-40B4-BE49-F238E27FC236}">
-                <a16:creationId xmlns:a16="http://schemas.microsoft.com/office/drawing/2014/main" id="{75F37FD8-14ED-7863-7DD2-35ED1A349BBC}"/>
-              </a:ext>
-            </a:extLst>
-          </p:cNvPr>
+            <a:endParaRPr lang="en-US" dirty="0"/>
+          </a:p>
+        </p:txBody>
+      </p:sp>
+      <p:sp>
+        <p:nvSpPr>
+          <p:cNvPr id="4" name="Date Placeholder 3"/>
           <p:cNvSpPr>
             <a:spLocks noGrp="1"/>
           </p:cNvSpPr>
@@ -859,7 +764,7 @@
           <a:p>
             <a:fld id="{5F058B35-4A60-4D1F-A3FD-4F9C39F1EB3B}" type="datetimeFigureOut">
               <a:rPr lang="en-US" smtClean="0"/>
-              <a:t>3/5/2023</a:t>
+              <a:t>7/17/2023</a:t>
             </a:fld>
             <a:endParaRPr lang="en-US"/>
           </a:p>
@@ -867,13 +772,7 @@
       </p:sp>
       <p:sp>
         <p:nvSpPr>
-          <p:cNvPr id="5" name="Footer Placeholder 4">
-            <a:extLst>
-              <a:ext uri="{FF2B5EF4-FFF2-40B4-BE49-F238E27FC236}">
-                <a16:creationId xmlns:a16="http://schemas.microsoft.com/office/drawing/2014/main" id="{8A775CF9-F0CD-D609-97C6-8A640A4128BD}"/>
-              </a:ext>
-            </a:extLst>
-          </p:cNvPr>
+          <p:cNvPr id="5" name="Footer Placeholder 4"/>
           <p:cNvSpPr>
             <a:spLocks noGrp="1"/>
           </p:cNvSpPr>
@@ -892,13 +791,7 @@
       </p:sp>
       <p:sp>
         <p:nvSpPr>
-          <p:cNvPr id="6" name="Slide Number Placeholder 5">
-            <a:extLst>
-              <a:ext uri="{FF2B5EF4-FFF2-40B4-BE49-F238E27FC236}">
-                <a16:creationId xmlns:a16="http://schemas.microsoft.com/office/drawing/2014/main" id="{D4CBD102-AFA7-7DD7-4206-EC951739C46E}"/>
-              </a:ext>
-            </a:extLst>
-          </p:cNvPr>
+          <p:cNvPr id="6" name="Slide Number Placeholder 5"/>
           <p:cNvSpPr>
             <a:spLocks noGrp="1"/>
           </p:cNvSpPr>
@@ -922,7 +815,7 @@
     </p:spTree>
     <p:extLst>
       <p:ext uri="{BB962C8B-B14F-4D97-AF65-F5344CB8AC3E}">
-        <p14:creationId xmlns:p14="http://schemas.microsoft.com/office/powerpoint/2010/main" val="59525500"/>
+        <p14:creationId xmlns:p14="http://schemas.microsoft.com/office/powerpoint/2010/main" val="4174569482"/>
       </p:ext>
     </p:extLst>
   </p:cSld>
@@ -951,13 +844,7 @@
       </p:grpSpPr>
       <p:sp>
         <p:nvSpPr>
-          <p:cNvPr id="2" name="Title 1">
-            <a:extLst>
-              <a:ext uri="{FF2B5EF4-FFF2-40B4-BE49-F238E27FC236}">
-                <a16:creationId xmlns:a16="http://schemas.microsoft.com/office/drawing/2014/main" id="{2BFD9409-8076-36CE-9299-E8C79A2E3715}"/>
-              </a:ext>
-            </a:extLst>
-          </p:cNvPr>
+          <p:cNvPr id="2" name="Title 1"/>
           <p:cNvSpPr>
             <a:spLocks noGrp="1"/>
           </p:cNvSpPr>
@@ -967,15 +854,15 @@
         </p:nvSpPr>
         <p:spPr>
           <a:xfrm>
-            <a:off x="831850" y="1709738"/>
-            <a:ext cx="10515600" cy="2852737"/>
+            <a:off x="1060610" y="2507618"/>
+            <a:ext cx="13407390" cy="4184014"/>
           </a:xfrm>
         </p:spPr>
         <p:txBody>
           <a:bodyPr anchor="b"/>
           <a:lstStyle>
             <a:lvl1pPr>
-              <a:defRPr sz="6000"/>
+              <a:defRPr sz="8800"/>
             </a:lvl1pPr>
           </a:lstStyle>
           <a:p>
@@ -983,18 +870,13 @@
               <a:rPr lang="en-US"/>
               <a:t>Click to edit Master title style</a:t>
             </a:r>
-          </a:p>
-        </p:txBody>
-      </p:sp>
-      <p:sp>
-        <p:nvSpPr>
-          <p:cNvPr id="3" name="Text Placeholder 2">
-            <a:extLst>
-              <a:ext uri="{FF2B5EF4-FFF2-40B4-BE49-F238E27FC236}">
-                <a16:creationId xmlns:a16="http://schemas.microsoft.com/office/drawing/2014/main" id="{4B2A0FB2-FB30-0ED8-3603-4FF119BE18A8}"/>
-              </a:ext>
-            </a:extLst>
-          </p:cNvPr>
+            <a:endParaRPr lang="en-US" dirty="0"/>
+          </a:p>
+        </p:txBody>
+      </p:sp>
+      <p:sp>
+        <p:nvSpPr>
+          <p:cNvPr id="3" name="Text Placeholder 2"/>
           <p:cNvSpPr>
             <a:spLocks noGrp="1"/>
           </p:cNvSpPr>
@@ -1004,8 +886,8 @@
         </p:nvSpPr>
         <p:spPr>
           <a:xfrm>
-            <a:off x="831850" y="4589463"/>
-            <a:ext cx="10515600" cy="1500187"/>
+            <a:off x="1060610" y="6731215"/>
+            <a:ext cx="13407390" cy="2200274"/>
           </a:xfrm>
         </p:spPr>
         <p:txBody>
@@ -1013,17 +895,15 @@
           <a:lstStyle>
             <a:lvl1pPr marL="0" indent="0">
               <a:buNone/>
-              <a:defRPr sz="2400">
+              <a:defRPr sz="3520">
                 <a:solidFill>
-                  <a:schemeClr val="tx1">
-                    <a:tint val="75000"/>
-                  </a:schemeClr>
+                  <a:schemeClr val="tx1"/>
                 </a:solidFill>
               </a:defRPr>
             </a:lvl1pPr>
-            <a:lvl2pPr marL="457200" indent="0">
-              <a:buNone/>
-              <a:defRPr sz="2000">
+            <a:lvl2pPr marL="670575" indent="0">
+              <a:buNone/>
+              <a:defRPr sz="2933">
                 <a:solidFill>
                   <a:schemeClr val="tx1">
                     <a:tint val="75000"/>
@@ -1031,9 +911,9 @@
                 </a:solidFill>
               </a:defRPr>
             </a:lvl2pPr>
-            <a:lvl3pPr marL="914400" indent="0">
-              <a:buNone/>
-              <a:defRPr sz="1800">
+            <a:lvl3pPr marL="1341150" indent="0">
+              <a:buNone/>
+              <a:defRPr sz="2640">
                 <a:solidFill>
                   <a:schemeClr val="tx1">
                     <a:tint val="75000"/>
@@ -1041,9 +921,9 @@
                 </a:solidFill>
               </a:defRPr>
             </a:lvl3pPr>
-            <a:lvl4pPr marL="1371600" indent="0">
-              <a:buNone/>
-              <a:defRPr sz="1600">
+            <a:lvl4pPr marL="2011726" indent="0">
+              <a:buNone/>
+              <a:defRPr sz="2347">
                 <a:solidFill>
                   <a:schemeClr val="tx1">
                     <a:tint val="75000"/>
@@ -1051,9 +931,9 @@
                 </a:solidFill>
               </a:defRPr>
             </a:lvl4pPr>
-            <a:lvl5pPr marL="1828800" indent="0">
-              <a:buNone/>
-              <a:defRPr sz="1600">
+            <a:lvl5pPr marL="2682301" indent="0">
+              <a:buNone/>
+              <a:defRPr sz="2347">
                 <a:solidFill>
                   <a:schemeClr val="tx1">
                     <a:tint val="75000"/>
@@ -1061,9 +941,9 @@
                 </a:solidFill>
               </a:defRPr>
             </a:lvl5pPr>
-            <a:lvl6pPr marL="2286000" indent="0">
-              <a:buNone/>
-              <a:defRPr sz="1600">
+            <a:lvl6pPr marL="3352876" indent="0">
+              <a:buNone/>
+              <a:defRPr sz="2347">
                 <a:solidFill>
                   <a:schemeClr val="tx1">
                     <a:tint val="75000"/>
@@ -1071,9 +951,9 @@
                 </a:solidFill>
               </a:defRPr>
             </a:lvl6pPr>
-            <a:lvl7pPr marL="2743200" indent="0">
-              <a:buNone/>
-              <a:defRPr sz="1600">
+            <a:lvl7pPr marL="4023451" indent="0">
+              <a:buNone/>
+              <a:defRPr sz="2347">
                 <a:solidFill>
                   <a:schemeClr val="tx1">
                     <a:tint val="75000"/>
@@ -1081,9 +961,9 @@
                 </a:solidFill>
               </a:defRPr>
             </a:lvl7pPr>
-            <a:lvl8pPr marL="3200400" indent="0">
-              <a:buNone/>
-              <a:defRPr sz="1600">
+            <a:lvl8pPr marL="4694027" indent="0">
+              <a:buNone/>
+              <a:defRPr sz="2347">
                 <a:solidFill>
                   <a:schemeClr val="tx1">
                     <a:tint val="75000"/>
@@ -1091,9 +971,9 @@
                 </a:solidFill>
               </a:defRPr>
             </a:lvl8pPr>
-            <a:lvl9pPr marL="3657600" indent="0">
-              <a:buNone/>
-              <a:defRPr sz="1600">
+            <a:lvl9pPr marL="5364602" indent="0">
+              <a:buNone/>
+              <a:defRPr sz="2347">
                 <a:solidFill>
                   <a:schemeClr val="tx1">
                     <a:tint val="75000"/>
@@ -1113,13 +993,7 @@
       </p:sp>
       <p:sp>
         <p:nvSpPr>
-          <p:cNvPr id="4" name="Date Placeholder 3">
-            <a:extLst>
-              <a:ext uri="{FF2B5EF4-FFF2-40B4-BE49-F238E27FC236}">
-                <a16:creationId xmlns:a16="http://schemas.microsoft.com/office/drawing/2014/main" id="{7DD8BA0F-DAF6-60F8-CE6E-F3DCF8609D18}"/>
-              </a:ext>
-            </a:extLst>
-          </p:cNvPr>
+          <p:cNvPr id="4" name="Date Placeholder 3"/>
           <p:cNvSpPr>
             <a:spLocks noGrp="1"/>
           </p:cNvSpPr>
@@ -1134,7 +1008,7 @@
           <a:p>
             <a:fld id="{5F058B35-4A60-4D1F-A3FD-4F9C39F1EB3B}" type="datetimeFigureOut">
               <a:rPr lang="en-US" smtClean="0"/>
-              <a:t>3/5/2023</a:t>
+              <a:t>7/17/2023</a:t>
             </a:fld>
             <a:endParaRPr lang="en-US"/>
           </a:p>
@@ -1142,13 +1016,7 @@
       </p:sp>
       <p:sp>
         <p:nvSpPr>
-          <p:cNvPr id="5" name="Footer Placeholder 4">
-            <a:extLst>
-              <a:ext uri="{FF2B5EF4-FFF2-40B4-BE49-F238E27FC236}">
-                <a16:creationId xmlns:a16="http://schemas.microsoft.com/office/drawing/2014/main" id="{08A5E9B6-C91D-9226-7E32-9F5D42D3153B}"/>
-              </a:ext>
-            </a:extLst>
-          </p:cNvPr>
+          <p:cNvPr id="5" name="Footer Placeholder 4"/>
           <p:cNvSpPr>
             <a:spLocks noGrp="1"/>
           </p:cNvSpPr>
@@ -1167,13 +1035,7 @@
       </p:sp>
       <p:sp>
         <p:nvSpPr>
-          <p:cNvPr id="6" name="Slide Number Placeholder 5">
-            <a:extLst>
-              <a:ext uri="{FF2B5EF4-FFF2-40B4-BE49-F238E27FC236}">
-                <a16:creationId xmlns:a16="http://schemas.microsoft.com/office/drawing/2014/main" id="{F2CF0952-407F-02E1-9884-BB21BF310B43}"/>
-              </a:ext>
-            </a:extLst>
-          </p:cNvPr>
+          <p:cNvPr id="6" name="Slide Number Placeholder 5"/>
           <p:cNvSpPr>
             <a:spLocks noGrp="1"/>
           </p:cNvSpPr>
@@ -1197,7 +1059,7 @@
     </p:spTree>
     <p:extLst>
       <p:ext uri="{BB962C8B-B14F-4D97-AF65-F5344CB8AC3E}">
-        <p14:creationId xmlns:p14="http://schemas.microsoft.com/office/powerpoint/2010/main" val="313411537"/>
+        <p14:creationId xmlns:p14="http://schemas.microsoft.com/office/powerpoint/2010/main" val="3558576949"/>
       </p:ext>
     </p:extLst>
   </p:cSld>
@@ -1226,13 +1088,7 @@
       </p:grpSpPr>
       <p:sp>
         <p:nvSpPr>
-          <p:cNvPr id="2" name="Title 1">
-            <a:extLst>
-              <a:ext uri="{FF2B5EF4-FFF2-40B4-BE49-F238E27FC236}">
-                <a16:creationId xmlns:a16="http://schemas.microsoft.com/office/drawing/2014/main" id="{81AC2ABE-2BAF-8A64-BC26-1020838A50D1}"/>
-              </a:ext>
-            </a:extLst>
-          </p:cNvPr>
+          <p:cNvPr id="2" name="Title 1"/>
           <p:cNvSpPr>
             <a:spLocks noGrp="1"/>
           </p:cNvSpPr>
@@ -1249,18 +1105,13 @@
               <a:rPr lang="en-US"/>
               <a:t>Click to edit Master title style</a:t>
             </a:r>
-          </a:p>
-        </p:txBody>
-      </p:sp>
-      <p:sp>
-        <p:nvSpPr>
-          <p:cNvPr id="3" name="Content Placeholder 2">
-            <a:extLst>
-              <a:ext uri="{FF2B5EF4-FFF2-40B4-BE49-F238E27FC236}">
-                <a16:creationId xmlns:a16="http://schemas.microsoft.com/office/drawing/2014/main" id="{13D2D704-0C17-6CB9-7762-72026AA43C07}"/>
-              </a:ext>
-            </a:extLst>
-          </p:cNvPr>
+            <a:endParaRPr lang="en-US" dirty="0"/>
+          </a:p>
+        </p:txBody>
+      </p:sp>
+      <p:sp>
+        <p:nvSpPr>
+          <p:cNvPr id="3" name="Content Placeholder 2"/>
           <p:cNvSpPr>
             <a:spLocks noGrp="1"/>
           </p:cNvSpPr>
@@ -1270,8 +1121,8 @@
         </p:nvSpPr>
         <p:spPr>
           <a:xfrm>
-            <a:off x="838200" y="1825625"/>
-            <a:ext cx="5181600" cy="4351338"/>
+            <a:off x="1068705" y="2677584"/>
+            <a:ext cx="6606540" cy="6381962"/>
           </a:xfrm>
         </p:spPr>
         <p:txBody>
@@ -1311,18 +1162,13 @@
               <a:rPr lang="en-US"/>
               <a:t>Fifth level</a:t>
             </a:r>
-          </a:p>
-        </p:txBody>
-      </p:sp>
-      <p:sp>
-        <p:nvSpPr>
-          <p:cNvPr id="4" name="Content Placeholder 3">
-            <a:extLst>
-              <a:ext uri="{FF2B5EF4-FFF2-40B4-BE49-F238E27FC236}">
-                <a16:creationId xmlns:a16="http://schemas.microsoft.com/office/drawing/2014/main" id="{78351C9F-F943-DEC4-BCCC-1AC5CA84F533}"/>
-              </a:ext>
-            </a:extLst>
-          </p:cNvPr>
+            <a:endParaRPr lang="en-US" dirty="0"/>
+          </a:p>
+        </p:txBody>
+      </p:sp>
+      <p:sp>
+        <p:nvSpPr>
+          <p:cNvPr id="4" name="Content Placeholder 3"/>
           <p:cNvSpPr>
             <a:spLocks noGrp="1"/>
           </p:cNvSpPr>
@@ -1332,8 +1178,8 @@
         </p:nvSpPr>
         <p:spPr>
           <a:xfrm>
-            <a:off x="6172200" y="1825625"/>
-            <a:ext cx="5181600" cy="4351338"/>
+            <a:off x="7869555" y="2677584"/>
+            <a:ext cx="6606540" cy="6381962"/>
           </a:xfrm>
         </p:spPr>
         <p:txBody>
@@ -1373,18 +1219,13 @@
               <a:rPr lang="en-US"/>
               <a:t>Fifth level</a:t>
             </a:r>
-          </a:p>
-        </p:txBody>
-      </p:sp>
-      <p:sp>
-        <p:nvSpPr>
-          <p:cNvPr id="5" name="Date Placeholder 4">
-            <a:extLst>
-              <a:ext uri="{FF2B5EF4-FFF2-40B4-BE49-F238E27FC236}">
-                <a16:creationId xmlns:a16="http://schemas.microsoft.com/office/drawing/2014/main" id="{341EA280-2DBA-C15C-B540-22F049558D12}"/>
-              </a:ext>
-            </a:extLst>
-          </p:cNvPr>
+            <a:endParaRPr lang="en-US" dirty="0"/>
+          </a:p>
+        </p:txBody>
+      </p:sp>
+      <p:sp>
+        <p:nvSpPr>
+          <p:cNvPr id="5" name="Date Placeholder 4"/>
           <p:cNvSpPr>
             <a:spLocks noGrp="1"/>
           </p:cNvSpPr>
@@ -1399,7 +1240,7 @@
           <a:p>
             <a:fld id="{5F058B35-4A60-4D1F-A3FD-4F9C39F1EB3B}" type="datetimeFigureOut">
               <a:rPr lang="en-US" smtClean="0"/>
-              <a:t>3/5/2023</a:t>
+              <a:t>7/17/2023</a:t>
             </a:fld>
             <a:endParaRPr lang="en-US"/>
           </a:p>
@@ -1407,13 +1248,7 @@
       </p:sp>
       <p:sp>
         <p:nvSpPr>
-          <p:cNvPr id="6" name="Footer Placeholder 5">
-            <a:extLst>
-              <a:ext uri="{FF2B5EF4-FFF2-40B4-BE49-F238E27FC236}">
-                <a16:creationId xmlns:a16="http://schemas.microsoft.com/office/drawing/2014/main" id="{62F38315-BC9D-F48C-B0CA-20C6338FCBB0}"/>
-              </a:ext>
-            </a:extLst>
-          </p:cNvPr>
+          <p:cNvPr id="6" name="Footer Placeholder 5"/>
           <p:cNvSpPr>
             <a:spLocks noGrp="1"/>
           </p:cNvSpPr>
@@ -1432,13 +1267,7 @@
       </p:sp>
       <p:sp>
         <p:nvSpPr>
-          <p:cNvPr id="7" name="Slide Number Placeholder 6">
-            <a:extLst>
-              <a:ext uri="{FF2B5EF4-FFF2-40B4-BE49-F238E27FC236}">
-                <a16:creationId xmlns:a16="http://schemas.microsoft.com/office/drawing/2014/main" id="{0FC77867-6593-AC75-2B22-FF05C09469FF}"/>
-              </a:ext>
-            </a:extLst>
-          </p:cNvPr>
+          <p:cNvPr id="7" name="Slide Number Placeholder 6"/>
           <p:cNvSpPr>
             <a:spLocks noGrp="1"/>
           </p:cNvSpPr>
@@ -1462,7 +1291,7 @@
     </p:spTree>
     <p:extLst>
       <p:ext uri="{BB962C8B-B14F-4D97-AF65-F5344CB8AC3E}">
-        <p14:creationId xmlns:p14="http://schemas.microsoft.com/office/powerpoint/2010/main" val="3699771277"/>
+        <p14:creationId xmlns:p14="http://schemas.microsoft.com/office/powerpoint/2010/main" val="1601130850"/>
       </p:ext>
     </p:extLst>
   </p:cSld>
@@ -1491,13 +1320,7 @@
       </p:grpSpPr>
       <p:sp>
         <p:nvSpPr>
-          <p:cNvPr id="2" name="Title 1">
-            <a:extLst>
-              <a:ext uri="{FF2B5EF4-FFF2-40B4-BE49-F238E27FC236}">
-                <a16:creationId xmlns:a16="http://schemas.microsoft.com/office/drawing/2014/main" id="{655682F3-A6CD-C43C-2DFD-FDD0A9CD4A48}"/>
-              </a:ext>
-            </a:extLst>
-          </p:cNvPr>
+          <p:cNvPr id="2" name="Title 1"/>
           <p:cNvSpPr>
             <a:spLocks noGrp="1"/>
           </p:cNvSpPr>
@@ -1507,8 +1330,8 @@
         </p:nvSpPr>
         <p:spPr>
           <a:xfrm>
-            <a:off x="839788" y="365125"/>
-            <a:ext cx="10515600" cy="1325563"/>
+            <a:off x="1070730" y="535519"/>
+            <a:ext cx="13407390" cy="1944159"/>
           </a:xfrm>
         </p:spPr>
         <p:txBody>
@@ -1519,18 +1342,13 @@
               <a:rPr lang="en-US"/>
               <a:t>Click to edit Master title style</a:t>
             </a:r>
-          </a:p>
-        </p:txBody>
-      </p:sp>
-      <p:sp>
-        <p:nvSpPr>
-          <p:cNvPr id="3" name="Text Placeholder 2">
-            <a:extLst>
-              <a:ext uri="{FF2B5EF4-FFF2-40B4-BE49-F238E27FC236}">
-                <a16:creationId xmlns:a16="http://schemas.microsoft.com/office/drawing/2014/main" id="{124E54B5-1692-6212-645F-AD3958D716B1}"/>
-              </a:ext>
-            </a:extLst>
-          </p:cNvPr>
+            <a:endParaRPr lang="en-US" dirty="0"/>
+          </a:p>
+        </p:txBody>
+      </p:sp>
+      <p:sp>
+        <p:nvSpPr>
+          <p:cNvPr id="3" name="Text Placeholder 2"/>
           <p:cNvSpPr>
             <a:spLocks noGrp="1"/>
           </p:cNvSpPr>
@@ -1540,8 +1358,8 @@
         </p:nvSpPr>
         <p:spPr>
           <a:xfrm>
-            <a:off x="839788" y="1681163"/>
-            <a:ext cx="5157787" cy="823912"/>
+            <a:off x="1070731" y="2465706"/>
+            <a:ext cx="6576178" cy="1208404"/>
           </a:xfrm>
         </p:spPr>
         <p:txBody>
@@ -1549,39 +1367,39 @@
           <a:lstStyle>
             <a:lvl1pPr marL="0" indent="0">
               <a:buNone/>
-              <a:defRPr sz="2400" b="1"/>
+              <a:defRPr sz="3520" b="1"/>
             </a:lvl1pPr>
-            <a:lvl2pPr marL="457200" indent="0">
-              <a:buNone/>
-              <a:defRPr sz="2000" b="1"/>
+            <a:lvl2pPr marL="670575" indent="0">
+              <a:buNone/>
+              <a:defRPr sz="2933" b="1"/>
             </a:lvl2pPr>
-            <a:lvl3pPr marL="914400" indent="0">
-              <a:buNone/>
-              <a:defRPr sz="1800" b="1"/>
+            <a:lvl3pPr marL="1341150" indent="0">
+              <a:buNone/>
+              <a:defRPr sz="2640" b="1"/>
             </a:lvl3pPr>
-            <a:lvl4pPr marL="1371600" indent="0">
-              <a:buNone/>
-              <a:defRPr sz="1600" b="1"/>
+            <a:lvl4pPr marL="2011726" indent="0">
+              <a:buNone/>
+              <a:defRPr sz="2347" b="1"/>
             </a:lvl4pPr>
-            <a:lvl5pPr marL="1828800" indent="0">
-              <a:buNone/>
-              <a:defRPr sz="1600" b="1"/>
+            <a:lvl5pPr marL="2682301" indent="0">
+              <a:buNone/>
+              <a:defRPr sz="2347" b="1"/>
             </a:lvl5pPr>
-            <a:lvl6pPr marL="2286000" indent="0">
-              <a:buNone/>
-              <a:defRPr sz="1600" b="1"/>
+            <a:lvl6pPr marL="3352876" indent="0">
+              <a:buNone/>
+              <a:defRPr sz="2347" b="1"/>
             </a:lvl6pPr>
-            <a:lvl7pPr marL="2743200" indent="0">
-              <a:buNone/>
-              <a:defRPr sz="1600" b="1"/>
+            <a:lvl7pPr marL="4023451" indent="0">
+              <a:buNone/>
+              <a:defRPr sz="2347" b="1"/>
             </a:lvl7pPr>
-            <a:lvl8pPr marL="3200400" indent="0">
-              <a:buNone/>
-              <a:defRPr sz="1600" b="1"/>
+            <a:lvl8pPr marL="4694027" indent="0">
+              <a:buNone/>
+              <a:defRPr sz="2347" b="1"/>
             </a:lvl8pPr>
-            <a:lvl9pPr marL="3657600" indent="0">
-              <a:buNone/>
-              <a:defRPr sz="1600" b="1"/>
+            <a:lvl9pPr marL="5364602" indent="0">
+              <a:buNone/>
+              <a:defRPr sz="2347" b="1"/>
             </a:lvl9pPr>
           </a:lstStyle>
           <a:p>
@@ -1595,13 +1413,7 @@
       </p:sp>
       <p:sp>
         <p:nvSpPr>
-          <p:cNvPr id="4" name="Content Placeholder 3">
-            <a:extLst>
-              <a:ext uri="{FF2B5EF4-FFF2-40B4-BE49-F238E27FC236}">
-                <a16:creationId xmlns:a16="http://schemas.microsoft.com/office/drawing/2014/main" id="{38BEFFA2-9A15-1474-70BC-77B06E8AB8A9}"/>
-              </a:ext>
-            </a:extLst>
-          </p:cNvPr>
+          <p:cNvPr id="4" name="Content Placeholder 3"/>
           <p:cNvSpPr>
             <a:spLocks noGrp="1"/>
           </p:cNvSpPr>
@@ -1611,8 +1423,8 @@
         </p:nvSpPr>
         <p:spPr>
           <a:xfrm>
-            <a:off x="839788" y="2505075"/>
-            <a:ext cx="5157787" cy="3684588"/>
+            <a:off x="1070731" y="3674110"/>
+            <a:ext cx="6576178" cy="5404062"/>
           </a:xfrm>
         </p:spPr>
         <p:txBody>
@@ -1652,18 +1464,13 @@
               <a:rPr lang="en-US"/>
               <a:t>Fifth level</a:t>
             </a:r>
-          </a:p>
-        </p:txBody>
-      </p:sp>
-      <p:sp>
-        <p:nvSpPr>
-          <p:cNvPr id="5" name="Text Placeholder 4">
-            <a:extLst>
-              <a:ext uri="{FF2B5EF4-FFF2-40B4-BE49-F238E27FC236}">
-                <a16:creationId xmlns:a16="http://schemas.microsoft.com/office/drawing/2014/main" id="{DCAB5E76-2287-469D-2180-1EEF85383FC5}"/>
-              </a:ext>
-            </a:extLst>
-          </p:cNvPr>
+            <a:endParaRPr lang="en-US" dirty="0"/>
+          </a:p>
+        </p:txBody>
+      </p:sp>
+      <p:sp>
+        <p:nvSpPr>
+          <p:cNvPr id="5" name="Text Placeholder 4"/>
           <p:cNvSpPr>
             <a:spLocks noGrp="1"/>
           </p:cNvSpPr>
@@ -1673,8 +1480,8 @@
         </p:nvSpPr>
         <p:spPr>
           <a:xfrm>
-            <a:off x="6172200" y="1681163"/>
-            <a:ext cx="5183188" cy="823912"/>
+            <a:off x="7869556" y="2465706"/>
+            <a:ext cx="6608565" cy="1208404"/>
           </a:xfrm>
         </p:spPr>
         <p:txBody>
@@ -1682,39 +1489,39 @@
           <a:lstStyle>
             <a:lvl1pPr marL="0" indent="0">
               <a:buNone/>
-              <a:defRPr sz="2400" b="1"/>
+              <a:defRPr sz="3520" b="1"/>
             </a:lvl1pPr>
-            <a:lvl2pPr marL="457200" indent="0">
-              <a:buNone/>
-              <a:defRPr sz="2000" b="1"/>
+            <a:lvl2pPr marL="670575" indent="0">
+              <a:buNone/>
+              <a:defRPr sz="2933" b="1"/>
             </a:lvl2pPr>
-            <a:lvl3pPr marL="914400" indent="0">
-              <a:buNone/>
-              <a:defRPr sz="1800" b="1"/>
+            <a:lvl3pPr marL="1341150" indent="0">
+              <a:buNone/>
+              <a:defRPr sz="2640" b="1"/>
             </a:lvl3pPr>
-            <a:lvl4pPr marL="1371600" indent="0">
-              <a:buNone/>
-              <a:defRPr sz="1600" b="1"/>
+            <a:lvl4pPr marL="2011726" indent="0">
+              <a:buNone/>
+              <a:defRPr sz="2347" b="1"/>
             </a:lvl4pPr>
-            <a:lvl5pPr marL="1828800" indent="0">
-              <a:buNone/>
-              <a:defRPr sz="1600" b="1"/>
+            <a:lvl5pPr marL="2682301" indent="0">
+              <a:buNone/>
+              <a:defRPr sz="2347" b="1"/>
             </a:lvl5pPr>
-            <a:lvl6pPr marL="2286000" indent="0">
-              <a:buNone/>
-              <a:defRPr sz="1600" b="1"/>
+            <a:lvl6pPr marL="3352876" indent="0">
+              <a:buNone/>
+              <a:defRPr sz="2347" b="1"/>
             </a:lvl6pPr>
-            <a:lvl7pPr marL="2743200" indent="0">
-              <a:buNone/>
-              <a:defRPr sz="1600" b="1"/>
+            <a:lvl7pPr marL="4023451" indent="0">
+              <a:buNone/>
+              <a:defRPr sz="2347" b="1"/>
             </a:lvl7pPr>
-            <a:lvl8pPr marL="3200400" indent="0">
-              <a:buNone/>
-              <a:defRPr sz="1600" b="1"/>
+            <a:lvl8pPr marL="4694027" indent="0">
+              <a:buNone/>
+              <a:defRPr sz="2347" b="1"/>
             </a:lvl8pPr>
-            <a:lvl9pPr marL="3657600" indent="0">
-              <a:buNone/>
-              <a:defRPr sz="1600" b="1"/>
+            <a:lvl9pPr marL="5364602" indent="0">
+              <a:buNone/>
+              <a:defRPr sz="2347" b="1"/>
             </a:lvl9pPr>
           </a:lstStyle>
           <a:p>
@@ -1728,13 +1535,7 @@
       </p:sp>
       <p:sp>
         <p:nvSpPr>
-          <p:cNvPr id="6" name="Content Placeholder 5">
-            <a:extLst>
-              <a:ext uri="{FF2B5EF4-FFF2-40B4-BE49-F238E27FC236}">
-                <a16:creationId xmlns:a16="http://schemas.microsoft.com/office/drawing/2014/main" id="{2E81FF22-E721-95BC-F035-9F02DF914E31}"/>
-              </a:ext>
-            </a:extLst>
-          </p:cNvPr>
+          <p:cNvPr id="6" name="Content Placeholder 5"/>
           <p:cNvSpPr>
             <a:spLocks noGrp="1"/>
           </p:cNvSpPr>
@@ -1744,8 +1545,8 @@
         </p:nvSpPr>
         <p:spPr>
           <a:xfrm>
-            <a:off x="6172200" y="2505075"/>
-            <a:ext cx="5183188" cy="3684588"/>
+            <a:off x="7869556" y="3674110"/>
+            <a:ext cx="6608565" cy="5404062"/>
           </a:xfrm>
         </p:spPr>
         <p:txBody>
@@ -1785,18 +1586,13 @@
               <a:rPr lang="en-US"/>
               <a:t>Fifth level</a:t>
             </a:r>
-          </a:p>
-        </p:txBody>
-      </p:sp>
-      <p:sp>
-        <p:nvSpPr>
-          <p:cNvPr id="7" name="Date Placeholder 6">
-            <a:extLst>
-              <a:ext uri="{FF2B5EF4-FFF2-40B4-BE49-F238E27FC236}">
-                <a16:creationId xmlns:a16="http://schemas.microsoft.com/office/drawing/2014/main" id="{2FEB8091-A82F-C5CF-3141-81F013CCEF2F}"/>
-              </a:ext>
-            </a:extLst>
-          </p:cNvPr>
+            <a:endParaRPr lang="en-US" dirty="0"/>
+          </a:p>
+        </p:txBody>
+      </p:sp>
+      <p:sp>
+        <p:nvSpPr>
+          <p:cNvPr id="7" name="Date Placeholder 6"/>
           <p:cNvSpPr>
             <a:spLocks noGrp="1"/>
           </p:cNvSpPr>
@@ -1811,7 +1607,7 @@
           <a:p>
             <a:fld id="{5F058B35-4A60-4D1F-A3FD-4F9C39F1EB3B}" type="datetimeFigureOut">
               <a:rPr lang="en-US" smtClean="0"/>
-              <a:t>3/5/2023</a:t>
+              <a:t>7/17/2023</a:t>
             </a:fld>
             <a:endParaRPr lang="en-US"/>
           </a:p>
@@ -1819,13 +1615,7 @@
       </p:sp>
       <p:sp>
         <p:nvSpPr>
-          <p:cNvPr id="8" name="Footer Placeholder 7">
-            <a:extLst>
-              <a:ext uri="{FF2B5EF4-FFF2-40B4-BE49-F238E27FC236}">
-                <a16:creationId xmlns:a16="http://schemas.microsoft.com/office/drawing/2014/main" id="{D47BE429-D42A-43A6-4055-147BB6AECAAA}"/>
-              </a:ext>
-            </a:extLst>
-          </p:cNvPr>
+          <p:cNvPr id="8" name="Footer Placeholder 7"/>
           <p:cNvSpPr>
             <a:spLocks noGrp="1"/>
           </p:cNvSpPr>
@@ -1844,13 +1634,7 @@
       </p:sp>
       <p:sp>
         <p:nvSpPr>
-          <p:cNvPr id="9" name="Slide Number Placeholder 8">
-            <a:extLst>
-              <a:ext uri="{FF2B5EF4-FFF2-40B4-BE49-F238E27FC236}">
-                <a16:creationId xmlns:a16="http://schemas.microsoft.com/office/drawing/2014/main" id="{04F35F20-B86C-E601-D8A9-47CF7F4D28DA}"/>
-              </a:ext>
-            </a:extLst>
-          </p:cNvPr>
+          <p:cNvPr id="9" name="Slide Number Placeholder 8"/>
           <p:cNvSpPr>
             <a:spLocks noGrp="1"/>
           </p:cNvSpPr>
@@ -1874,7 +1658,7 @@
     </p:spTree>
     <p:extLst>
       <p:ext uri="{BB962C8B-B14F-4D97-AF65-F5344CB8AC3E}">
-        <p14:creationId xmlns:p14="http://schemas.microsoft.com/office/powerpoint/2010/main" val="4034450971"/>
+        <p14:creationId xmlns:p14="http://schemas.microsoft.com/office/powerpoint/2010/main" val="3666143065"/>
       </p:ext>
     </p:extLst>
   </p:cSld>
@@ -1903,13 +1687,7 @@
       </p:grpSpPr>
       <p:sp>
         <p:nvSpPr>
-          <p:cNvPr id="2" name="Title 1">
-            <a:extLst>
-              <a:ext uri="{FF2B5EF4-FFF2-40B4-BE49-F238E27FC236}">
-                <a16:creationId xmlns:a16="http://schemas.microsoft.com/office/drawing/2014/main" id="{52124147-C9E5-852E-A3DE-8F086D8D73CB}"/>
-              </a:ext>
-            </a:extLst>
-          </p:cNvPr>
+          <p:cNvPr id="2" name="Title 1"/>
           <p:cNvSpPr>
             <a:spLocks noGrp="1"/>
           </p:cNvSpPr>
@@ -1926,18 +1704,13 @@
               <a:rPr lang="en-US"/>
               <a:t>Click to edit Master title style</a:t>
             </a:r>
-          </a:p>
-        </p:txBody>
-      </p:sp>
-      <p:sp>
-        <p:nvSpPr>
-          <p:cNvPr id="3" name="Date Placeholder 2">
-            <a:extLst>
-              <a:ext uri="{FF2B5EF4-FFF2-40B4-BE49-F238E27FC236}">
-                <a16:creationId xmlns:a16="http://schemas.microsoft.com/office/drawing/2014/main" id="{6FBB0E9E-FD1B-24C8-ECAB-929A1871DF25}"/>
-              </a:ext>
-            </a:extLst>
-          </p:cNvPr>
+            <a:endParaRPr lang="en-US" dirty="0"/>
+          </a:p>
+        </p:txBody>
+      </p:sp>
+      <p:sp>
+        <p:nvSpPr>
+          <p:cNvPr id="3" name="Date Placeholder 2"/>
           <p:cNvSpPr>
             <a:spLocks noGrp="1"/>
           </p:cNvSpPr>
@@ -1952,7 +1725,7 @@
           <a:p>
             <a:fld id="{5F058B35-4A60-4D1F-A3FD-4F9C39F1EB3B}" type="datetimeFigureOut">
               <a:rPr lang="en-US" smtClean="0"/>
-              <a:t>3/5/2023</a:t>
+              <a:t>7/17/2023</a:t>
             </a:fld>
             <a:endParaRPr lang="en-US"/>
           </a:p>
@@ -1960,13 +1733,7 @@
       </p:sp>
       <p:sp>
         <p:nvSpPr>
-          <p:cNvPr id="4" name="Footer Placeholder 3">
-            <a:extLst>
-              <a:ext uri="{FF2B5EF4-FFF2-40B4-BE49-F238E27FC236}">
-                <a16:creationId xmlns:a16="http://schemas.microsoft.com/office/drawing/2014/main" id="{5C97CD1D-F5D4-BBEB-DEAA-BF099B4B5658}"/>
-              </a:ext>
-            </a:extLst>
-          </p:cNvPr>
+          <p:cNvPr id="4" name="Footer Placeholder 3"/>
           <p:cNvSpPr>
             <a:spLocks noGrp="1"/>
           </p:cNvSpPr>
@@ -1985,13 +1752,7 @@
       </p:sp>
       <p:sp>
         <p:nvSpPr>
-          <p:cNvPr id="5" name="Slide Number Placeholder 4">
-            <a:extLst>
-              <a:ext uri="{FF2B5EF4-FFF2-40B4-BE49-F238E27FC236}">
-                <a16:creationId xmlns:a16="http://schemas.microsoft.com/office/drawing/2014/main" id="{D7ADE95C-996A-035C-1E5D-66B73570080D}"/>
-              </a:ext>
-            </a:extLst>
-          </p:cNvPr>
+          <p:cNvPr id="5" name="Slide Number Placeholder 4"/>
           <p:cNvSpPr>
             <a:spLocks noGrp="1"/>
           </p:cNvSpPr>
@@ -2015,7 +1776,7 @@
     </p:spTree>
     <p:extLst>
       <p:ext uri="{BB962C8B-B14F-4D97-AF65-F5344CB8AC3E}">
-        <p14:creationId xmlns:p14="http://schemas.microsoft.com/office/powerpoint/2010/main" val="3465519452"/>
+        <p14:creationId xmlns:p14="http://schemas.microsoft.com/office/powerpoint/2010/main" val="1488696858"/>
       </p:ext>
     </p:extLst>
   </p:cSld>
@@ -2044,13 +1805,7 @@
       </p:grpSpPr>
       <p:sp>
         <p:nvSpPr>
-          <p:cNvPr id="2" name="Date Placeholder 1">
-            <a:extLst>
-              <a:ext uri="{FF2B5EF4-FFF2-40B4-BE49-F238E27FC236}">
-                <a16:creationId xmlns:a16="http://schemas.microsoft.com/office/drawing/2014/main" id="{B3DEBA38-D72A-A7ED-099F-B61B30BFA469}"/>
-              </a:ext>
-            </a:extLst>
-          </p:cNvPr>
+          <p:cNvPr id="2" name="Date Placeholder 1"/>
           <p:cNvSpPr>
             <a:spLocks noGrp="1"/>
           </p:cNvSpPr>
@@ -2065,7 +1820,7 @@
           <a:p>
             <a:fld id="{5F058B35-4A60-4D1F-A3FD-4F9C39F1EB3B}" type="datetimeFigureOut">
               <a:rPr lang="en-US" smtClean="0"/>
-              <a:t>3/5/2023</a:t>
+              <a:t>7/17/2023</a:t>
             </a:fld>
             <a:endParaRPr lang="en-US"/>
           </a:p>
@@ -2073,13 +1828,7 @@
       </p:sp>
       <p:sp>
         <p:nvSpPr>
-          <p:cNvPr id="3" name="Footer Placeholder 2">
-            <a:extLst>
-              <a:ext uri="{FF2B5EF4-FFF2-40B4-BE49-F238E27FC236}">
-                <a16:creationId xmlns:a16="http://schemas.microsoft.com/office/drawing/2014/main" id="{E5C785BC-53C2-819B-6F6A-CEF6465A0E0B}"/>
-              </a:ext>
-            </a:extLst>
-          </p:cNvPr>
+          <p:cNvPr id="3" name="Footer Placeholder 2"/>
           <p:cNvSpPr>
             <a:spLocks noGrp="1"/>
           </p:cNvSpPr>
@@ -2098,13 +1847,7 @@
       </p:sp>
       <p:sp>
         <p:nvSpPr>
-          <p:cNvPr id="4" name="Slide Number Placeholder 3">
-            <a:extLst>
-              <a:ext uri="{FF2B5EF4-FFF2-40B4-BE49-F238E27FC236}">
-                <a16:creationId xmlns:a16="http://schemas.microsoft.com/office/drawing/2014/main" id="{3418F2BC-C362-B67C-DC1A-92818614D6F8}"/>
-              </a:ext>
-            </a:extLst>
-          </p:cNvPr>
+          <p:cNvPr id="4" name="Slide Number Placeholder 3"/>
           <p:cNvSpPr>
             <a:spLocks noGrp="1"/>
           </p:cNvSpPr>
@@ -2128,7 +1871,7 @@
     </p:spTree>
     <p:extLst>
       <p:ext uri="{BB962C8B-B14F-4D97-AF65-F5344CB8AC3E}">
-        <p14:creationId xmlns:p14="http://schemas.microsoft.com/office/powerpoint/2010/main" val="1830920992"/>
+        <p14:creationId xmlns:p14="http://schemas.microsoft.com/office/powerpoint/2010/main" val="562701075"/>
       </p:ext>
     </p:extLst>
   </p:cSld>
@@ -2157,13 +1900,7 @@
       </p:grpSpPr>
       <p:sp>
         <p:nvSpPr>
-          <p:cNvPr id="2" name="Title 1">
-            <a:extLst>
-              <a:ext uri="{FF2B5EF4-FFF2-40B4-BE49-F238E27FC236}">
-                <a16:creationId xmlns:a16="http://schemas.microsoft.com/office/drawing/2014/main" id="{9C69F160-30E1-ED1D-1EC6-C48E1DD7C23D}"/>
-              </a:ext>
-            </a:extLst>
-          </p:cNvPr>
+          <p:cNvPr id="2" name="Title 1"/>
           <p:cNvSpPr>
             <a:spLocks noGrp="1"/>
           </p:cNvSpPr>
@@ -2173,15 +1910,15 @@
         </p:nvSpPr>
         <p:spPr>
           <a:xfrm>
-            <a:off x="839788" y="457200"/>
-            <a:ext cx="3932237" cy="1600200"/>
+            <a:off x="1070730" y="670560"/>
+            <a:ext cx="5013603" cy="2346960"/>
           </a:xfrm>
         </p:spPr>
         <p:txBody>
           <a:bodyPr anchor="b"/>
           <a:lstStyle>
             <a:lvl1pPr>
-              <a:defRPr sz="3200"/>
+              <a:defRPr sz="4693"/>
             </a:lvl1pPr>
           </a:lstStyle>
           <a:p>
@@ -2189,18 +1926,13 @@
               <a:rPr lang="en-US"/>
               <a:t>Click to edit Master title style</a:t>
             </a:r>
-          </a:p>
-        </p:txBody>
-      </p:sp>
-      <p:sp>
-        <p:nvSpPr>
-          <p:cNvPr id="3" name="Content Placeholder 2">
-            <a:extLst>
-              <a:ext uri="{FF2B5EF4-FFF2-40B4-BE49-F238E27FC236}">
-                <a16:creationId xmlns:a16="http://schemas.microsoft.com/office/drawing/2014/main" id="{8779B859-C311-6966-98FA-819D65D5E7BD}"/>
-              </a:ext>
-            </a:extLst>
-          </p:cNvPr>
+            <a:endParaRPr lang="en-US" dirty="0"/>
+          </a:p>
+        </p:txBody>
+      </p:sp>
+      <p:sp>
+        <p:nvSpPr>
+          <p:cNvPr id="3" name="Content Placeholder 2"/>
           <p:cNvSpPr>
             <a:spLocks noGrp="1"/>
           </p:cNvSpPr>
@@ -2210,39 +1942,39 @@
         </p:nvSpPr>
         <p:spPr>
           <a:xfrm>
-            <a:off x="5183188" y="987425"/>
-            <a:ext cx="6172200" cy="4873625"/>
+            <a:off x="6608565" y="1448226"/>
+            <a:ext cx="7869555" cy="7147983"/>
           </a:xfrm>
         </p:spPr>
         <p:txBody>
           <a:bodyPr/>
           <a:lstStyle>
             <a:lvl1pPr>
-              <a:defRPr sz="3200"/>
+              <a:defRPr sz="4693"/>
             </a:lvl1pPr>
             <a:lvl2pPr>
-              <a:defRPr sz="2800"/>
+              <a:defRPr sz="4107"/>
             </a:lvl2pPr>
             <a:lvl3pPr>
-              <a:defRPr sz="2400"/>
+              <a:defRPr sz="3520"/>
             </a:lvl3pPr>
             <a:lvl4pPr>
-              <a:defRPr sz="2000"/>
+              <a:defRPr sz="2933"/>
             </a:lvl4pPr>
             <a:lvl5pPr>
-              <a:defRPr sz="2000"/>
+              <a:defRPr sz="2933"/>
             </a:lvl5pPr>
             <a:lvl6pPr>
-              <a:defRPr sz="2000"/>
+              <a:defRPr sz="2933"/>
             </a:lvl6pPr>
             <a:lvl7pPr>
-              <a:defRPr sz="2000"/>
+              <a:defRPr sz="2933"/>
             </a:lvl7pPr>
             <a:lvl8pPr>
-              <a:defRPr sz="2000"/>
+              <a:defRPr sz="2933"/>
             </a:lvl8pPr>
             <a:lvl9pPr>
-              <a:defRPr sz="2000"/>
+              <a:defRPr sz="2933"/>
             </a:lvl9pPr>
           </a:lstStyle>
           <a:p>
@@ -2279,18 +2011,13 @@
               <a:rPr lang="en-US"/>
               <a:t>Fifth level</a:t>
             </a:r>
-          </a:p>
-        </p:txBody>
-      </p:sp>
-      <p:sp>
-        <p:nvSpPr>
-          <p:cNvPr id="4" name="Text Placeholder 3">
-            <a:extLst>
-              <a:ext uri="{FF2B5EF4-FFF2-40B4-BE49-F238E27FC236}">
-                <a16:creationId xmlns:a16="http://schemas.microsoft.com/office/drawing/2014/main" id="{F41CD9E1-A4CD-5957-CE06-0865AB63D346}"/>
-              </a:ext>
-            </a:extLst>
-          </p:cNvPr>
+            <a:endParaRPr lang="en-US" dirty="0"/>
+          </a:p>
+        </p:txBody>
+      </p:sp>
+      <p:sp>
+        <p:nvSpPr>
+          <p:cNvPr id="4" name="Text Placeholder 3"/>
           <p:cNvSpPr>
             <a:spLocks noGrp="1"/>
           </p:cNvSpPr>
@@ -2300,8 +2027,8 @@
         </p:nvSpPr>
         <p:spPr>
           <a:xfrm>
-            <a:off x="839788" y="2057400"/>
-            <a:ext cx="3932237" cy="3811588"/>
+            <a:off x="1070730" y="3017520"/>
+            <a:ext cx="5013603" cy="5590329"/>
           </a:xfrm>
         </p:spPr>
         <p:txBody>
@@ -2309,39 +2036,39 @@
           <a:lstStyle>
             <a:lvl1pPr marL="0" indent="0">
               <a:buNone/>
-              <a:defRPr sz="1600"/>
+              <a:defRPr sz="2347"/>
             </a:lvl1pPr>
-            <a:lvl2pPr marL="457200" indent="0">
-              <a:buNone/>
-              <a:defRPr sz="1400"/>
+            <a:lvl2pPr marL="670575" indent="0">
+              <a:buNone/>
+              <a:defRPr sz="2053"/>
             </a:lvl2pPr>
-            <a:lvl3pPr marL="914400" indent="0">
-              <a:buNone/>
-              <a:defRPr sz="1200"/>
+            <a:lvl3pPr marL="1341150" indent="0">
+              <a:buNone/>
+              <a:defRPr sz="1760"/>
             </a:lvl3pPr>
-            <a:lvl4pPr marL="1371600" indent="0">
-              <a:buNone/>
-              <a:defRPr sz="1000"/>
+            <a:lvl4pPr marL="2011726" indent="0">
+              <a:buNone/>
+              <a:defRPr sz="1467"/>
             </a:lvl4pPr>
-            <a:lvl5pPr marL="1828800" indent="0">
-              <a:buNone/>
-              <a:defRPr sz="1000"/>
+            <a:lvl5pPr marL="2682301" indent="0">
+              <a:buNone/>
+              <a:defRPr sz="1467"/>
             </a:lvl5pPr>
-            <a:lvl6pPr marL="2286000" indent="0">
-              <a:buNone/>
-              <a:defRPr sz="1000"/>
+            <a:lvl6pPr marL="3352876" indent="0">
+              <a:buNone/>
+              <a:defRPr sz="1467"/>
             </a:lvl6pPr>
-            <a:lvl7pPr marL="2743200" indent="0">
-              <a:buNone/>
-              <a:defRPr sz="1000"/>
+            <a:lvl7pPr marL="4023451" indent="0">
+              <a:buNone/>
+              <a:defRPr sz="1467"/>
             </a:lvl7pPr>
-            <a:lvl8pPr marL="3200400" indent="0">
-              <a:buNone/>
-              <a:defRPr sz="1000"/>
+            <a:lvl8pPr marL="4694027" indent="0">
+              <a:buNone/>
+              <a:defRPr sz="1467"/>
             </a:lvl8pPr>
-            <a:lvl9pPr marL="3657600" indent="0">
-              <a:buNone/>
-              <a:defRPr sz="1000"/>
+            <a:lvl9pPr marL="5364602" indent="0">
+              <a:buNone/>
+              <a:defRPr sz="1467"/>
             </a:lvl9pPr>
           </a:lstStyle>
           <a:p>
@@ -2355,13 +2082,7 @@
       </p:sp>
       <p:sp>
         <p:nvSpPr>
-          <p:cNvPr id="5" name="Date Placeholder 4">
-            <a:extLst>
-              <a:ext uri="{FF2B5EF4-FFF2-40B4-BE49-F238E27FC236}">
-                <a16:creationId xmlns:a16="http://schemas.microsoft.com/office/drawing/2014/main" id="{9B7BBCCD-9675-B9E1-E701-0EE31B4BED98}"/>
-              </a:ext>
-            </a:extLst>
-          </p:cNvPr>
+          <p:cNvPr id="5" name="Date Placeholder 4"/>
           <p:cNvSpPr>
             <a:spLocks noGrp="1"/>
           </p:cNvSpPr>
@@ -2376,7 +2097,7 @@
           <a:p>
             <a:fld id="{5F058B35-4A60-4D1F-A3FD-4F9C39F1EB3B}" type="datetimeFigureOut">
               <a:rPr lang="en-US" smtClean="0"/>
-              <a:t>3/5/2023</a:t>
+              <a:t>7/17/2023</a:t>
             </a:fld>
             <a:endParaRPr lang="en-US"/>
           </a:p>
@@ -2384,13 +2105,7 @@
       </p:sp>
       <p:sp>
         <p:nvSpPr>
-          <p:cNvPr id="6" name="Footer Placeholder 5">
-            <a:extLst>
-              <a:ext uri="{FF2B5EF4-FFF2-40B4-BE49-F238E27FC236}">
-                <a16:creationId xmlns:a16="http://schemas.microsoft.com/office/drawing/2014/main" id="{A3C18CED-C175-C1EB-9F0E-C36FE1DBD3D9}"/>
-              </a:ext>
-            </a:extLst>
-          </p:cNvPr>
+          <p:cNvPr id="6" name="Footer Placeholder 5"/>
           <p:cNvSpPr>
             <a:spLocks noGrp="1"/>
           </p:cNvSpPr>
@@ -2409,13 +2124,7 @@
       </p:sp>
       <p:sp>
         <p:nvSpPr>
-          <p:cNvPr id="7" name="Slide Number Placeholder 6">
-            <a:extLst>
-              <a:ext uri="{FF2B5EF4-FFF2-40B4-BE49-F238E27FC236}">
-                <a16:creationId xmlns:a16="http://schemas.microsoft.com/office/drawing/2014/main" id="{8B3F5EAC-B42B-BB44-A4A9-1F032490B5AD}"/>
-              </a:ext>
-            </a:extLst>
-          </p:cNvPr>
+          <p:cNvPr id="7" name="Slide Number Placeholder 6"/>
           <p:cNvSpPr>
             <a:spLocks noGrp="1"/>
           </p:cNvSpPr>
@@ -2439,7 +2148,7 @@
     </p:spTree>
     <p:extLst>
       <p:ext uri="{BB962C8B-B14F-4D97-AF65-F5344CB8AC3E}">
-        <p14:creationId xmlns:p14="http://schemas.microsoft.com/office/powerpoint/2010/main" val="3045399682"/>
+        <p14:creationId xmlns:p14="http://schemas.microsoft.com/office/powerpoint/2010/main" val="5423401"/>
       </p:ext>
     </p:extLst>
   </p:cSld>
@@ -2468,13 +2177,7 @@
       </p:grpSpPr>
       <p:sp>
         <p:nvSpPr>
-          <p:cNvPr id="2" name="Title 1">
-            <a:extLst>
-              <a:ext uri="{FF2B5EF4-FFF2-40B4-BE49-F238E27FC236}">
-                <a16:creationId xmlns:a16="http://schemas.microsoft.com/office/drawing/2014/main" id="{A572E64D-9A52-821F-315A-A9E5EEE29C2B}"/>
-              </a:ext>
-            </a:extLst>
-          </p:cNvPr>
+          <p:cNvPr id="2" name="Title 1"/>
           <p:cNvSpPr>
             <a:spLocks noGrp="1"/>
           </p:cNvSpPr>
@@ -2484,15 +2187,15 @@
         </p:nvSpPr>
         <p:spPr>
           <a:xfrm>
-            <a:off x="839788" y="457200"/>
-            <a:ext cx="3932237" cy="1600200"/>
+            <a:off x="1070730" y="670560"/>
+            <a:ext cx="5013603" cy="2346960"/>
           </a:xfrm>
         </p:spPr>
         <p:txBody>
           <a:bodyPr anchor="b"/>
           <a:lstStyle>
             <a:lvl1pPr>
-              <a:defRPr sz="3200"/>
+              <a:defRPr sz="4693"/>
             </a:lvl1pPr>
           </a:lstStyle>
           <a:p>
@@ -2500,20 +2203,15 @@
               <a:rPr lang="en-US"/>
               <a:t>Click to edit Master title style</a:t>
             </a:r>
-          </a:p>
-        </p:txBody>
-      </p:sp>
-      <p:sp>
-        <p:nvSpPr>
-          <p:cNvPr id="3" name="Picture Placeholder 2">
-            <a:extLst>
-              <a:ext uri="{FF2B5EF4-FFF2-40B4-BE49-F238E27FC236}">
-                <a16:creationId xmlns:a16="http://schemas.microsoft.com/office/drawing/2014/main" id="{5B2FEEB9-DAAF-95AD-0505-BB8E4566B7EE}"/>
-              </a:ext>
-            </a:extLst>
-          </p:cNvPr>
-          <p:cNvSpPr>
-            <a:spLocks noGrp="1"/>
+            <a:endParaRPr lang="en-US" dirty="0"/>
+          </a:p>
+        </p:txBody>
+      </p:sp>
+      <p:sp>
+        <p:nvSpPr>
+          <p:cNvPr id="3" name="Picture Placeholder 2"/>
+          <p:cNvSpPr>
+            <a:spLocks noGrp="1" noChangeAspect="1"/>
           </p:cNvSpPr>
           <p:nvPr>
             <p:ph type="pic" idx="1"/>
@@ -2521,8 +2219,73 @@
         </p:nvSpPr>
         <p:spPr>
           <a:xfrm>
-            <a:off x="5183188" y="987425"/>
-            <a:ext cx="6172200" cy="4873625"/>
+            <a:off x="6608565" y="1448226"/>
+            <a:ext cx="7869555" cy="7147983"/>
+          </a:xfrm>
+        </p:spPr>
+        <p:txBody>
+          <a:bodyPr anchor="t"/>
+          <a:lstStyle>
+            <a:lvl1pPr marL="0" indent="0">
+              <a:buNone/>
+              <a:defRPr sz="4693"/>
+            </a:lvl1pPr>
+            <a:lvl2pPr marL="670575" indent="0">
+              <a:buNone/>
+              <a:defRPr sz="4107"/>
+            </a:lvl2pPr>
+            <a:lvl3pPr marL="1341150" indent="0">
+              <a:buNone/>
+              <a:defRPr sz="3520"/>
+            </a:lvl3pPr>
+            <a:lvl4pPr marL="2011726" indent="0">
+              <a:buNone/>
+              <a:defRPr sz="2933"/>
+            </a:lvl4pPr>
+            <a:lvl5pPr marL="2682301" indent="0">
+              <a:buNone/>
+              <a:defRPr sz="2933"/>
+            </a:lvl5pPr>
+            <a:lvl6pPr marL="3352876" indent="0">
+              <a:buNone/>
+              <a:defRPr sz="2933"/>
+            </a:lvl6pPr>
+            <a:lvl7pPr marL="4023451" indent="0">
+              <a:buNone/>
+              <a:defRPr sz="2933"/>
+            </a:lvl7pPr>
+            <a:lvl8pPr marL="4694027" indent="0">
+              <a:buNone/>
+              <a:defRPr sz="2933"/>
+            </a:lvl8pPr>
+            <a:lvl9pPr marL="5364602" indent="0">
+              <a:buNone/>
+              <a:defRPr sz="2933"/>
+            </a:lvl9pPr>
+          </a:lstStyle>
+          <a:p>
+            <a:r>
+              <a:rPr lang="en-US"/>
+              <a:t>Click icon to add picture</a:t>
+            </a:r>
+            <a:endParaRPr lang="en-US" dirty="0"/>
+          </a:p>
+        </p:txBody>
+      </p:sp>
+      <p:sp>
+        <p:nvSpPr>
+          <p:cNvPr id="4" name="Text Placeholder 3"/>
+          <p:cNvSpPr>
+            <a:spLocks noGrp="1"/>
+          </p:cNvSpPr>
+          <p:nvPr>
+            <p:ph type="body" sz="half" idx="2"/>
+          </p:nvPr>
+        </p:nvSpPr>
+        <p:spPr>
+          <a:xfrm>
+            <a:off x="1070730" y="3017520"/>
+            <a:ext cx="5013603" cy="5590329"/>
           </a:xfrm>
         </p:spPr>
         <p:txBody>
@@ -2530,109 +2293,42 @@
           <a:lstStyle>
             <a:lvl1pPr marL="0" indent="0">
               <a:buNone/>
-              <a:defRPr sz="3200"/>
+              <a:defRPr sz="2347"/>
             </a:lvl1pPr>
-            <a:lvl2pPr marL="457200" indent="0">
-              <a:buNone/>
-              <a:defRPr sz="2800"/>
+            <a:lvl2pPr marL="670575" indent="0">
+              <a:buNone/>
+              <a:defRPr sz="2053"/>
             </a:lvl2pPr>
-            <a:lvl3pPr marL="914400" indent="0">
-              <a:buNone/>
-              <a:defRPr sz="2400"/>
+            <a:lvl3pPr marL="1341150" indent="0">
+              <a:buNone/>
+              <a:defRPr sz="1760"/>
             </a:lvl3pPr>
-            <a:lvl4pPr marL="1371600" indent="0">
-              <a:buNone/>
-              <a:defRPr sz="2000"/>
+            <a:lvl4pPr marL="2011726" indent="0">
+              <a:buNone/>
+              <a:defRPr sz="1467"/>
             </a:lvl4pPr>
-            <a:lvl5pPr marL="1828800" indent="0">
-              <a:buNone/>
-              <a:defRPr sz="2000"/>
+            <a:lvl5pPr marL="2682301" indent="0">
+              <a:buNone/>
+              <a:defRPr sz="1467"/>
             </a:lvl5pPr>
-            <a:lvl6pPr marL="2286000" indent="0">
-              <a:buNone/>
-              <a:defRPr sz="2000"/>
+            <a:lvl6pPr marL="3352876" indent="0">
+              <a:buNone/>
+              <a:defRPr sz="1467"/>
             </a:lvl6pPr>
-            <a:lvl7pPr marL="2743200" indent="0">
-              <a:buNone/>
-              <a:defRPr sz="2000"/>
+            <a:lvl7pPr marL="4023451" indent="0">
+              <a:buNone/>
+              <a:defRPr sz="1467"/>
             </a:lvl7pPr>
-            <a:lvl8pPr marL="3200400" indent="0">
-              <a:buNone/>
-              <a:defRPr sz="2000"/>
+            <a:lvl8pPr marL="4694027" indent="0">
+              <a:buNone/>
+              <a:defRPr sz="1467"/>
             </a:lvl8pPr>
-            <a:lvl9pPr marL="3657600" indent="0">
-              <a:buNone/>
-              <a:defRPr sz="2000"/>
+            <a:lvl9pPr marL="5364602" indent="0">
+              <a:buNone/>
+              <a:defRPr sz="1467"/>
             </a:lvl9pPr>
           </a:lstStyle>
           <a:p>
-            <a:endParaRPr lang="en-US"/>
-          </a:p>
-        </p:txBody>
-      </p:sp>
-      <p:sp>
-        <p:nvSpPr>
-          <p:cNvPr id="4" name="Text Placeholder 3">
-            <a:extLst>
-              <a:ext uri="{FF2B5EF4-FFF2-40B4-BE49-F238E27FC236}">
-                <a16:creationId xmlns:a16="http://schemas.microsoft.com/office/drawing/2014/main" id="{2C95029D-D2E7-8D63-520D-B20240CF64F0}"/>
-              </a:ext>
-            </a:extLst>
-          </p:cNvPr>
-          <p:cNvSpPr>
-            <a:spLocks noGrp="1"/>
-          </p:cNvSpPr>
-          <p:nvPr>
-            <p:ph type="body" sz="half" idx="2"/>
-          </p:nvPr>
-        </p:nvSpPr>
-        <p:spPr>
-          <a:xfrm>
-            <a:off x="839788" y="2057400"/>
-            <a:ext cx="3932237" cy="3811588"/>
-          </a:xfrm>
-        </p:spPr>
-        <p:txBody>
-          <a:bodyPr/>
-          <a:lstStyle>
-            <a:lvl1pPr marL="0" indent="0">
-              <a:buNone/>
-              <a:defRPr sz="1600"/>
-            </a:lvl1pPr>
-            <a:lvl2pPr marL="457200" indent="0">
-              <a:buNone/>
-              <a:defRPr sz="1400"/>
-            </a:lvl2pPr>
-            <a:lvl3pPr marL="914400" indent="0">
-              <a:buNone/>
-              <a:defRPr sz="1200"/>
-            </a:lvl3pPr>
-            <a:lvl4pPr marL="1371600" indent="0">
-              <a:buNone/>
-              <a:defRPr sz="1000"/>
-            </a:lvl4pPr>
-            <a:lvl5pPr marL="1828800" indent="0">
-              <a:buNone/>
-              <a:defRPr sz="1000"/>
-            </a:lvl5pPr>
-            <a:lvl6pPr marL="2286000" indent="0">
-              <a:buNone/>
-              <a:defRPr sz="1000"/>
-            </a:lvl6pPr>
-            <a:lvl7pPr marL="2743200" indent="0">
-              <a:buNone/>
-              <a:defRPr sz="1000"/>
-            </a:lvl7pPr>
-            <a:lvl8pPr marL="3200400" indent="0">
-              <a:buNone/>
-              <a:defRPr sz="1000"/>
-            </a:lvl8pPr>
-            <a:lvl9pPr marL="3657600" indent="0">
-              <a:buNone/>
-              <a:defRPr sz="1000"/>
-            </a:lvl9pPr>
-          </a:lstStyle>
-          <a:p>
             <a:pPr lvl="0"/>
             <a:r>
               <a:rPr lang="en-US"/>
@@ -2643,13 +2339,7 @@
       </p:sp>
       <p:sp>
         <p:nvSpPr>
-          <p:cNvPr id="5" name="Date Placeholder 4">
-            <a:extLst>
-              <a:ext uri="{FF2B5EF4-FFF2-40B4-BE49-F238E27FC236}">
-                <a16:creationId xmlns:a16="http://schemas.microsoft.com/office/drawing/2014/main" id="{B3D277F0-A57C-DEF3-7511-8933A2C705B0}"/>
-              </a:ext>
-            </a:extLst>
-          </p:cNvPr>
+          <p:cNvPr id="5" name="Date Placeholder 4"/>
           <p:cNvSpPr>
             <a:spLocks noGrp="1"/>
           </p:cNvSpPr>
@@ -2664,7 +2354,7 @@
           <a:p>
             <a:fld id="{5F058B35-4A60-4D1F-A3FD-4F9C39F1EB3B}" type="datetimeFigureOut">
               <a:rPr lang="en-US" smtClean="0"/>
-              <a:t>3/5/2023</a:t>
+              <a:t>7/17/2023</a:t>
             </a:fld>
             <a:endParaRPr lang="en-US"/>
           </a:p>
@@ -2672,13 +2362,7 @@
       </p:sp>
       <p:sp>
         <p:nvSpPr>
-          <p:cNvPr id="6" name="Footer Placeholder 5">
-            <a:extLst>
-              <a:ext uri="{FF2B5EF4-FFF2-40B4-BE49-F238E27FC236}">
-                <a16:creationId xmlns:a16="http://schemas.microsoft.com/office/drawing/2014/main" id="{95F4601C-A7EC-FE98-A145-D1BB2F3B4D5B}"/>
-              </a:ext>
-            </a:extLst>
-          </p:cNvPr>
+          <p:cNvPr id="6" name="Footer Placeholder 5"/>
           <p:cNvSpPr>
             <a:spLocks noGrp="1"/>
           </p:cNvSpPr>
@@ -2697,13 +2381,7 @@
       </p:sp>
       <p:sp>
         <p:nvSpPr>
-          <p:cNvPr id="7" name="Slide Number Placeholder 6">
-            <a:extLst>
-              <a:ext uri="{FF2B5EF4-FFF2-40B4-BE49-F238E27FC236}">
-                <a16:creationId xmlns:a16="http://schemas.microsoft.com/office/drawing/2014/main" id="{4B71A179-2012-01D1-F41D-73F1EC3046CB}"/>
-              </a:ext>
-            </a:extLst>
-          </p:cNvPr>
+          <p:cNvPr id="7" name="Slide Number Placeholder 6"/>
           <p:cNvSpPr>
             <a:spLocks noGrp="1"/>
           </p:cNvSpPr>
@@ -2727,7 +2405,7 @@
     </p:spTree>
     <p:extLst>
       <p:ext uri="{BB962C8B-B14F-4D97-AF65-F5344CB8AC3E}">
-        <p14:creationId xmlns:p14="http://schemas.microsoft.com/office/powerpoint/2010/main" val="394800533"/>
+        <p14:creationId xmlns:p14="http://schemas.microsoft.com/office/powerpoint/2010/main" val="1863387933"/>
       </p:ext>
     </p:extLst>
   </p:cSld>
@@ -2761,13 +2439,7 @@
       </p:grpSpPr>
       <p:sp>
         <p:nvSpPr>
-          <p:cNvPr id="2" name="Title Placeholder 1">
-            <a:extLst>
-              <a:ext uri="{FF2B5EF4-FFF2-40B4-BE49-F238E27FC236}">
-                <a16:creationId xmlns:a16="http://schemas.microsoft.com/office/drawing/2014/main" id="{252317EE-E0B7-9D84-0E3D-3AE93A868C77}"/>
-              </a:ext>
-            </a:extLst>
-          </p:cNvPr>
+          <p:cNvPr id="2" name="Title Placeholder 1"/>
           <p:cNvSpPr>
             <a:spLocks noGrp="1"/>
           </p:cNvSpPr>
@@ -2777,8 +2449,8 @@
         </p:nvSpPr>
         <p:spPr>
           <a:xfrm>
-            <a:off x="838200" y="365125"/>
-            <a:ext cx="10515600" cy="1325563"/>
+            <a:off x="1068705" y="535519"/>
+            <a:ext cx="13407390" cy="1944159"/>
           </a:xfrm>
           <a:prstGeom prst="rect">
             <a:avLst/>
@@ -2794,18 +2466,13 @@
               <a:rPr lang="en-US"/>
               <a:t>Click to edit Master title style</a:t>
             </a:r>
-          </a:p>
-        </p:txBody>
-      </p:sp>
-      <p:sp>
-        <p:nvSpPr>
-          <p:cNvPr id="3" name="Text Placeholder 2">
-            <a:extLst>
-              <a:ext uri="{FF2B5EF4-FFF2-40B4-BE49-F238E27FC236}">
-                <a16:creationId xmlns:a16="http://schemas.microsoft.com/office/drawing/2014/main" id="{2CCCB536-5025-8922-7C51-7B0AD3018FF6}"/>
-              </a:ext>
-            </a:extLst>
-          </p:cNvPr>
+            <a:endParaRPr lang="en-US" dirty="0"/>
+          </a:p>
+        </p:txBody>
+      </p:sp>
+      <p:sp>
+        <p:nvSpPr>
+          <p:cNvPr id="3" name="Text Placeholder 2"/>
           <p:cNvSpPr>
             <a:spLocks noGrp="1"/>
           </p:cNvSpPr>
@@ -2815,8 +2482,8 @@
         </p:nvSpPr>
         <p:spPr>
           <a:xfrm>
-            <a:off x="838200" y="1825625"/>
-            <a:ext cx="10515600" cy="4351338"/>
+            <a:off x="1068705" y="2677584"/>
+            <a:ext cx="13407390" cy="6381962"/>
           </a:xfrm>
           <a:prstGeom prst="rect">
             <a:avLst/>
@@ -2861,18 +2528,13 @@
               <a:rPr lang="en-US"/>
               <a:t>Fifth level</a:t>
             </a:r>
-          </a:p>
-        </p:txBody>
-      </p:sp>
-      <p:sp>
-        <p:nvSpPr>
-          <p:cNvPr id="4" name="Date Placeholder 3">
-            <a:extLst>
-              <a:ext uri="{FF2B5EF4-FFF2-40B4-BE49-F238E27FC236}">
-                <a16:creationId xmlns:a16="http://schemas.microsoft.com/office/drawing/2014/main" id="{C30C8335-41E7-0118-CA6E-629EBABB002F}"/>
-              </a:ext>
-            </a:extLst>
-          </p:cNvPr>
+            <a:endParaRPr lang="en-US" dirty="0"/>
+          </a:p>
+        </p:txBody>
+      </p:sp>
+      <p:sp>
+        <p:nvSpPr>
+          <p:cNvPr id="4" name="Date Placeholder 3"/>
           <p:cNvSpPr>
             <a:spLocks noGrp="1"/>
           </p:cNvSpPr>
@@ -2882,8 +2544,8 @@
         </p:nvSpPr>
         <p:spPr>
           <a:xfrm>
-            <a:off x="838200" y="6356350"/>
-            <a:ext cx="2743200" cy="365125"/>
+            <a:off x="1068705" y="9322649"/>
+            <a:ext cx="3497580" cy="535517"/>
           </a:xfrm>
           <a:prstGeom prst="rect">
             <a:avLst/>
@@ -2893,7 +2555,7 @@
           <a:bodyPr vert="horz" lIns="91440" tIns="45720" rIns="91440" bIns="45720" rtlCol="0" anchor="ctr"/>
           <a:lstStyle>
             <a:lvl1pPr algn="l">
-              <a:defRPr sz="1200">
+              <a:defRPr sz="1760">
                 <a:solidFill>
                   <a:schemeClr val="tx1">
                     <a:tint val="75000"/>
@@ -2905,7 +2567,7 @@
           <a:p>
             <a:fld id="{5F058B35-4A60-4D1F-A3FD-4F9C39F1EB3B}" type="datetimeFigureOut">
               <a:rPr lang="en-US" smtClean="0"/>
-              <a:t>3/5/2023</a:t>
+              <a:t>7/17/2023</a:t>
             </a:fld>
             <a:endParaRPr lang="en-US"/>
           </a:p>
@@ -2913,13 +2575,7 @@
       </p:sp>
       <p:sp>
         <p:nvSpPr>
-          <p:cNvPr id="5" name="Footer Placeholder 4">
-            <a:extLst>
-              <a:ext uri="{FF2B5EF4-FFF2-40B4-BE49-F238E27FC236}">
-                <a16:creationId xmlns:a16="http://schemas.microsoft.com/office/drawing/2014/main" id="{54FC33C0-2325-1E31-578F-6AA48C4EAE96}"/>
-              </a:ext>
-            </a:extLst>
-          </p:cNvPr>
+          <p:cNvPr id="5" name="Footer Placeholder 4"/>
           <p:cNvSpPr>
             <a:spLocks noGrp="1"/>
           </p:cNvSpPr>
@@ -2929,8 +2585,8 @@
         </p:nvSpPr>
         <p:spPr>
           <a:xfrm>
-            <a:off x="4038600" y="6356350"/>
-            <a:ext cx="4114800" cy="365125"/>
+            <a:off x="5149215" y="9322649"/>
+            <a:ext cx="5246370" cy="535517"/>
           </a:xfrm>
           <a:prstGeom prst="rect">
             <a:avLst/>
@@ -2940,7 +2596,7 @@
           <a:bodyPr vert="horz" lIns="91440" tIns="45720" rIns="91440" bIns="45720" rtlCol="0" anchor="ctr"/>
           <a:lstStyle>
             <a:lvl1pPr algn="ctr">
-              <a:defRPr sz="1200">
+              <a:defRPr sz="1760">
                 <a:solidFill>
                   <a:schemeClr val="tx1">
                     <a:tint val="75000"/>
@@ -2956,13 +2612,7 @@
       </p:sp>
       <p:sp>
         <p:nvSpPr>
-          <p:cNvPr id="6" name="Slide Number Placeholder 5">
-            <a:extLst>
-              <a:ext uri="{FF2B5EF4-FFF2-40B4-BE49-F238E27FC236}">
-                <a16:creationId xmlns:a16="http://schemas.microsoft.com/office/drawing/2014/main" id="{00636B57-C8DA-0491-9569-65386FE5614C}"/>
-              </a:ext>
-            </a:extLst>
-          </p:cNvPr>
+          <p:cNvPr id="6" name="Slide Number Placeholder 5"/>
           <p:cNvSpPr>
             <a:spLocks noGrp="1"/>
           </p:cNvSpPr>
@@ -2972,8 +2622,8 @@
         </p:nvSpPr>
         <p:spPr>
           <a:xfrm>
-            <a:off x="8610600" y="6356350"/>
-            <a:ext cx="2743200" cy="365125"/>
+            <a:off x="10978515" y="9322649"/>
+            <a:ext cx="3497580" cy="535517"/>
           </a:xfrm>
           <a:prstGeom prst="rect">
             <a:avLst/>
@@ -2983,7 +2633,7 @@
           <a:bodyPr vert="horz" lIns="91440" tIns="45720" rIns="91440" bIns="45720" rtlCol="0" anchor="ctr"/>
           <a:lstStyle>
             <a:lvl1pPr algn="r">
-              <a:defRPr sz="1200">
+              <a:defRPr sz="1760">
                 <a:solidFill>
                   <a:schemeClr val="tx1">
                     <a:tint val="75000"/>
@@ -3004,27 +2654,27 @@
     </p:spTree>
     <p:extLst>
       <p:ext uri="{BB962C8B-B14F-4D97-AF65-F5344CB8AC3E}">
-        <p14:creationId xmlns:p14="http://schemas.microsoft.com/office/powerpoint/2010/main" val="363642337"/>
+        <p14:creationId xmlns:p14="http://schemas.microsoft.com/office/powerpoint/2010/main" val="2916527439"/>
       </p:ext>
     </p:extLst>
   </p:cSld>
   <p:clrMap bg1="lt1" tx1="dk1" bg2="lt2" tx2="dk2" accent1="accent1" accent2="accent2" accent3="accent3" accent4="accent4" accent5="accent5" accent6="accent6" hlink="hlink" folHlink="folHlink"/>
   <p:sldLayoutIdLst>
-    <p:sldLayoutId id="2147483649" r:id="rId1"/>
-    <p:sldLayoutId id="2147483650" r:id="rId2"/>
-    <p:sldLayoutId id="2147483651" r:id="rId3"/>
-    <p:sldLayoutId id="2147483652" r:id="rId4"/>
-    <p:sldLayoutId id="2147483653" r:id="rId5"/>
-    <p:sldLayoutId id="2147483654" r:id="rId6"/>
-    <p:sldLayoutId id="2147483655" r:id="rId7"/>
-    <p:sldLayoutId id="2147483656" r:id="rId8"/>
-    <p:sldLayoutId id="2147483657" r:id="rId9"/>
-    <p:sldLayoutId id="2147483658" r:id="rId10"/>
-    <p:sldLayoutId id="2147483659" r:id="rId11"/>
+    <p:sldLayoutId id="2147483661" r:id="rId1"/>
+    <p:sldLayoutId id="2147483662" r:id="rId2"/>
+    <p:sldLayoutId id="2147483663" r:id="rId3"/>
+    <p:sldLayoutId id="2147483664" r:id="rId4"/>
+    <p:sldLayoutId id="2147483665" r:id="rId5"/>
+    <p:sldLayoutId id="2147483666" r:id="rId6"/>
+    <p:sldLayoutId id="2147483667" r:id="rId7"/>
+    <p:sldLayoutId id="2147483668" r:id="rId8"/>
+    <p:sldLayoutId id="2147483669" r:id="rId9"/>
+    <p:sldLayoutId id="2147483670" r:id="rId10"/>
+    <p:sldLayoutId id="2147483671" r:id="rId11"/>
   </p:sldLayoutIdLst>
   <p:txStyles>
     <p:titleStyle>
-      <a:lvl1pPr algn="l" defTabSz="914400" rtl="0" eaLnBrk="1" latinLnBrk="0" hangingPunct="1">
+      <a:lvl1pPr algn="l" defTabSz="1341150" rtl="0" eaLnBrk="1" latinLnBrk="0" hangingPunct="1">
         <a:lnSpc>
           <a:spcPct val="90000"/>
         </a:lnSpc>
@@ -3032,7 +2682,7 @@
           <a:spcPct val="0"/>
         </a:spcBef>
         <a:buNone/>
-        <a:defRPr sz="4400" kern="1200">
+        <a:defRPr sz="6453" kern="1200">
           <a:solidFill>
             <a:schemeClr val="tx1"/>
           </a:solidFill>
@@ -3043,16 +2693,16 @@
       </a:lvl1pPr>
     </p:titleStyle>
     <p:bodyStyle>
-      <a:lvl1pPr marL="228600" indent="-228600" algn="l" defTabSz="914400" rtl="0" eaLnBrk="1" latinLnBrk="0" hangingPunct="1">
+      <a:lvl1pPr marL="335288" indent="-335288" algn="l" defTabSz="1341150" rtl="0" eaLnBrk="1" latinLnBrk="0" hangingPunct="1">
         <a:lnSpc>
           <a:spcPct val="90000"/>
         </a:lnSpc>
         <a:spcBef>
-          <a:spcPts val="1000"/>
+          <a:spcPts val="1467"/>
         </a:spcBef>
         <a:buFont typeface="Arial" panose="020B0604020202020204" pitchFamily="34" charset="0"/>
         <a:buChar char="•"/>
-        <a:defRPr sz="2800" kern="1200">
+        <a:defRPr sz="4107" kern="1200">
           <a:solidFill>
             <a:schemeClr val="tx1"/>
           </a:solidFill>
@@ -3061,16 +2711,16 @@
           <a:cs typeface="+mn-cs"/>
         </a:defRPr>
       </a:lvl1pPr>
-      <a:lvl2pPr marL="685800" indent="-228600" algn="l" defTabSz="914400" rtl="0" eaLnBrk="1" latinLnBrk="0" hangingPunct="1">
+      <a:lvl2pPr marL="1005863" indent="-335288" algn="l" defTabSz="1341150" rtl="0" eaLnBrk="1" latinLnBrk="0" hangingPunct="1">
         <a:lnSpc>
           <a:spcPct val="90000"/>
         </a:lnSpc>
         <a:spcBef>
-          <a:spcPts val="500"/>
+          <a:spcPts val="733"/>
         </a:spcBef>
         <a:buFont typeface="Arial" panose="020B0604020202020204" pitchFamily="34" charset="0"/>
         <a:buChar char="•"/>
-        <a:defRPr sz="2400" kern="1200">
+        <a:defRPr sz="3520" kern="1200">
           <a:solidFill>
             <a:schemeClr val="tx1"/>
           </a:solidFill>
@@ -3079,16 +2729,16 @@
           <a:cs typeface="+mn-cs"/>
         </a:defRPr>
       </a:lvl2pPr>
-      <a:lvl3pPr marL="1143000" indent="-228600" algn="l" defTabSz="914400" rtl="0" eaLnBrk="1" latinLnBrk="0" hangingPunct="1">
+      <a:lvl3pPr marL="1676438" indent="-335288" algn="l" defTabSz="1341150" rtl="0" eaLnBrk="1" latinLnBrk="0" hangingPunct="1">
         <a:lnSpc>
           <a:spcPct val="90000"/>
         </a:lnSpc>
         <a:spcBef>
-          <a:spcPts val="500"/>
+          <a:spcPts val="733"/>
         </a:spcBef>
         <a:buFont typeface="Arial" panose="020B0604020202020204" pitchFamily="34" charset="0"/>
         <a:buChar char="•"/>
-        <a:defRPr sz="2000" kern="1200">
+        <a:defRPr sz="2933" kern="1200">
           <a:solidFill>
             <a:schemeClr val="tx1"/>
           </a:solidFill>
@@ -3097,16 +2747,16 @@
           <a:cs typeface="+mn-cs"/>
         </a:defRPr>
       </a:lvl3pPr>
-      <a:lvl4pPr marL="1600200" indent="-228600" algn="l" defTabSz="914400" rtl="0" eaLnBrk="1" latinLnBrk="0" hangingPunct="1">
+      <a:lvl4pPr marL="2347013" indent="-335288" algn="l" defTabSz="1341150" rtl="0" eaLnBrk="1" latinLnBrk="0" hangingPunct="1">
         <a:lnSpc>
           <a:spcPct val="90000"/>
         </a:lnSpc>
         <a:spcBef>
-          <a:spcPts val="500"/>
+          <a:spcPts val="733"/>
         </a:spcBef>
         <a:buFont typeface="Arial" panose="020B0604020202020204" pitchFamily="34" charset="0"/>
         <a:buChar char="•"/>
-        <a:defRPr sz="1800" kern="1200">
+        <a:defRPr sz="2640" kern="1200">
           <a:solidFill>
             <a:schemeClr val="tx1"/>
           </a:solidFill>
@@ -3115,16 +2765,16 @@
           <a:cs typeface="+mn-cs"/>
         </a:defRPr>
       </a:lvl4pPr>
-      <a:lvl5pPr marL="2057400" indent="-228600" algn="l" defTabSz="914400" rtl="0" eaLnBrk="1" latinLnBrk="0" hangingPunct="1">
+      <a:lvl5pPr marL="3017589" indent="-335288" algn="l" defTabSz="1341150" rtl="0" eaLnBrk="1" latinLnBrk="0" hangingPunct="1">
         <a:lnSpc>
           <a:spcPct val="90000"/>
         </a:lnSpc>
         <a:spcBef>
-          <a:spcPts val="500"/>
+          <a:spcPts val="733"/>
         </a:spcBef>
         <a:buFont typeface="Arial" panose="020B0604020202020204" pitchFamily="34" charset="0"/>
         <a:buChar char="•"/>
-        <a:defRPr sz="1800" kern="1200">
+        <a:defRPr sz="2640" kern="1200">
           <a:solidFill>
             <a:schemeClr val="tx1"/>
           </a:solidFill>
@@ -3133,16 +2783,16 @@
           <a:cs typeface="+mn-cs"/>
         </a:defRPr>
       </a:lvl5pPr>
-      <a:lvl6pPr marL="2514600" indent="-228600" algn="l" defTabSz="914400" rtl="0" eaLnBrk="1" latinLnBrk="0" hangingPunct="1">
+      <a:lvl6pPr marL="3688164" indent="-335288" algn="l" defTabSz="1341150" rtl="0" eaLnBrk="1" latinLnBrk="0" hangingPunct="1">
         <a:lnSpc>
           <a:spcPct val="90000"/>
         </a:lnSpc>
         <a:spcBef>
-          <a:spcPts val="500"/>
+          <a:spcPts val="733"/>
         </a:spcBef>
         <a:buFont typeface="Arial" panose="020B0604020202020204" pitchFamily="34" charset="0"/>
         <a:buChar char="•"/>
-        <a:defRPr sz="1800" kern="1200">
+        <a:defRPr sz="2640" kern="1200">
           <a:solidFill>
             <a:schemeClr val="tx1"/>
           </a:solidFill>
@@ -3151,16 +2801,16 @@
           <a:cs typeface="+mn-cs"/>
         </a:defRPr>
       </a:lvl6pPr>
-      <a:lvl7pPr marL="2971800" indent="-228600" algn="l" defTabSz="914400" rtl="0" eaLnBrk="1" latinLnBrk="0" hangingPunct="1">
+      <a:lvl7pPr marL="4358739" indent="-335288" algn="l" defTabSz="1341150" rtl="0" eaLnBrk="1" latinLnBrk="0" hangingPunct="1">
         <a:lnSpc>
           <a:spcPct val="90000"/>
         </a:lnSpc>
         <a:spcBef>
-          <a:spcPts val="500"/>
+          <a:spcPts val="733"/>
         </a:spcBef>
         <a:buFont typeface="Arial" panose="020B0604020202020204" pitchFamily="34" charset="0"/>
         <a:buChar char="•"/>
-        <a:defRPr sz="1800" kern="1200">
+        <a:defRPr sz="2640" kern="1200">
           <a:solidFill>
             <a:schemeClr val="tx1"/>
           </a:solidFill>
@@ -3169,16 +2819,16 @@
           <a:cs typeface="+mn-cs"/>
         </a:defRPr>
       </a:lvl7pPr>
-      <a:lvl8pPr marL="3429000" indent="-228600" algn="l" defTabSz="914400" rtl="0" eaLnBrk="1" latinLnBrk="0" hangingPunct="1">
+      <a:lvl8pPr marL="5029314" indent="-335288" algn="l" defTabSz="1341150" rtl="0" eaLnBrk="1" latinLnBrk="0" hangingPunct="1">
         <a:lnSpc>
           <a:spcPct val="90000"/>
         </a:lnSpc>
         <a:spcBef>
-          <a:spcPts val="500"/>
+          <a:spcPts val="733"/>
         </a:spcBef>
         <a:buFont typeface="Arial" panose="020B0604020202020204" pitchFamily="34" charset="0"/>
         <a:buChar char="•"/>
-        <a:defRPr sz="1800" kern="1200">
+        <a:defRPr sz="2640" kern="1200">
           <a:solidFill>
             <a:schemeClr val="tx1"/>
           </a:solidFill>
@@ -3187,16 +2837,16 @@
           <a:cs typeface="+mn-cs"/>
         </a:defRPr>
       </a:lvl8pPr>
-      <a:lvl9pPr marL="3886200" indent="-228600" algn="l" defTabSz="914400" rtl="0" eaLnBrk="1" latinLnBrk="0" hangingPunct="1">
+      <a:lvl9pPr marL="5699890" indent="-335288" algn="l" defTabSz="1341150" rtl="0" eaLnBrk="1" latinLnBrk="0" hangingPunct="1">
         <a:lnSpc>
           <a:spcPct val="90000"/>
         </a:lnSpc>
         <a:spcBef>
-          <a:spcPts val="500"/>
+          <a:spcPts val="733"/>
         </a:spcBef>
         <a:buFont typeface="Arial" panose="020B0604020202020204" pitchFamily="34" charset="0"/>
         <a:buChar char="•"/>
-        <a:defRPr sz="1800" kern="1200">
+        <a:defRPr sz="2640" kern="1200">
           <a:solidFill>
             <a:schemeClr val="tx1"/>
           </a:solidFill>
@@ -3210,8 +2860,8 @@
       <a:defPPr>
         <a:defRPr lang="en-US"/>
       </a:defPPr>
-      <a:lvl1pPr marL="0" algn="l" defTabSz="914400" rtl="0" eaLnBrk="1" latinLnBrk="0" hangingPunct="1">
-        <a:defRPr sz="1800" kern="1200">
+      <a:lvl1pPr marL="0" algn="l" defTabSz="1341150" rtl="0" eaLnBrk="1" latinLnBrk="0" hangingPunct="1">
+        <a:defRPr sz="2640" kern="1200">
           <a:solidFill>
             <a:schemeClr val="tx1"/>
           </a:solidFill>
@@ -3220,8 +2870,8 @@
           <a:cs typeface="+mn-cs"/>
         </a:defRPr>
       </a:lvl1pPr>
-      <a:lvl2pPr marL="457200" algn="l" defTabSz="914400" rtl="0" eaLnBrk="1" latinLnBrk="0" hangingPunct="1">
-        <a:defRPr sz="1800" kern="1200">
+      <a:lvl2pPr marL="670575" algn="l" defTabSz="1341150" rtl="0" eaLnBrk="1" latinLnBrk="0" hangingPunct="1">
+        <a:defRPr sz="2640" kern="1200">
           <a:solidFill>
             <a:schemeClr val="tx1"/>
           </a:solidFill>
@@ -3230,8 +2880,8 @@
           <a:cs typeface="+mn-cs"/>
         </a:defRPr>
       </a:lvl2pPr>
-      <a:lvl3pPr marL="914400" algn="l" defTabSz="914400" rtl="0" eaLnBrk="1" latinLnBrk="0" hangingPunct="1">
-        <a:defRPr sz="1800" kern="1200">
+      <a:lvl3pPr marL="1341150" algn="l" defTabSz="1341150" rtl="0" eaLnBrk="1" latinLnBrk="0" hangingPunct="1">
+        <a:defRPr sz="2640" kern="1200">
           <a:solidFill>
             <a:schemeClr val="tx1"/>
           </a:solidFill>
@@ -3240,8 +2890,8 @@
           <a:cs typeface="+mn-cs"/>
         </a:defRPr>
       </a:lvl3pPr>
-      <a:lvl4pPr marL="1371600" algn="l" defTabSz="914400" rtl="0" eaLnBrk="1" latinLnBrk="0" hangingPunct="1">
-        <a:defRPr sz="1800" kern="1200">
+      <a:lvl4pPr marL="2011726" algn="l" defTabSz="1341150" rtl="0" eaLnBrk="1" latinLnBrk="0" hangingPunct="1">
+        <a:defRPr sz="2640" kern="1200">
           <a:solidFill>
             <a:schemeClr val="tx1"/>
           </a:solidFill>
@@ -3250,8 +2900,8 @@
           <a:cs typeface="+mn-cs"/>
         </a:defRPr>
       </a:lvl4pPr>
-      <a:lvl5pPr marL="1828800" algn="l" defTabSz="914400" rtl="0" eaLnBrk="1" latinLnBrk="0" hangingPunct="1">
-        <a:defRPr sz="1800" kern="1200">
+      <a:lvl5pPr marL="2682301" algn="l" defTabSz="1341150" rtl="0" eaLnBrk="1" latinLnBrk="0" hangingPunct="1">
+        <a:defRPr sz="2640" kern="1200">
           <a:solidFill>
             <a:schemeClr val="tx1"/>
           </a:solidFill>
@@ -3260,8 +2910,8 @@
           <a:cs typeface="+mn-cs"/>
         </a:defRPr>
       </a:lvl5pPr>
-      <a:lvl6pPr marL="2286000" algn="l" defTabSz="914400" rtl="0" eaLnBrk="1" latinLnBrk="0" hangingPunct="1">
-        <a:defRPr sz="1800" kern="1200">
+      <a:lvl6pPr marL="3352876" algn="l" defTabSz="1341150" rtl="0" eaLnBrk="1" latinLnBrk="0" hangingPunct="1">
+        <a:defRPr sz="2640" kern="1200">
           <a:solidFill>
             <a:schemeClr val="tx1"/>
           </a:solidFill>
@@ -3270,8 +2920,8 @@
           <a:cs typeface="+mn-cs"/>
         </a:defRPr>
       </a:lvl6pPr>
-      <a:lvl7pPr marL="2743200" algn="l" defTabSz="914400" rtl="0" eaLnBrk="1" latinLnBrk="0" hangingPunct="1">
-        <a:defRPr sz="1800" kern="1200">
+      <a:lvl7pPr marL="4023451" algn="l" defTabSz="1341150" rtl="0" eaLnBrk="1" latinLnBrk="0" hangingPunct="1">
+        <a:defRPr sz="2640" kern="1200">
           <a:solidFill>
             <a:schemeClr val="tx1"/>
           </a:solidFill>
@@ -3280,8 +2930,8 @@
           <a:cs typeface="+mn-cs"/>
         </a:defRPr>
       </a:lvl7pPr>
-      <a:lvl8pPr marL="3200400" algn="l" defTabSz="914400" rtl="0" eaLnBrk="1" latinLnBrk="0" hangingPunct="1">
-        <a:defRPr sz="1800" kern="1200">
+      <a:lvl8pPr marL="4694027" algn="l" defTabSz="1341150" rtl="0" eaLnBrk="1" latinLnBrk="0" hangingPunct="1">
+        <a:defRPr sz="2640" kern="1200">
           <a:solidFill>
             <a:schemeClr val="tx1"/>
           </a:solidFill>
@@ -3290,8 +2940,8 @@
           <a:cs typeface="+mn-cs"/>
         </a:defRPr>
       </a:lvl8pPr>
-      <a:lvl9pPr marL="3657600" algn="l" defTabSz="914400" rtl="0" eaLnBrk="1" latinLnBrk="0" hangingPunct="1">
-        <a:defRPr sz="1800" kern="1200">
+      <a:lvl9pPr marL="5364602" algn="l" defTabSz="1341150" rtl="0" eaLnBrk="1" latinLnBrk="0" hangingPunct="1">
+        <a:defRPr sz="2640" kern="1200">
           <a:solidFill>
             <a:schemeClr val="tx1"/>
           </a:solidFill>
@@ -3322,37 +2972,436 @@
           <a:chExt cx="0" cy="0"/>
         </a:xfrm>
       </p:grpSpPr>
-      <p:sp>
-        <p:nvSpPr>
-          <p:cNvPr id="4" name="Title 3">
+      <p:grpSp>
+        <p:nvGrpSpPr>
+          <p:cNvPr id="2" name="Group 1">
             <a:extLst>
               <a:ext uri="{FF2B5EF4-FFF2-40B4-BE49-F238E27FC236}">
-                <a16:creationId xmlns:a16="http://schemas.microsoft.com/office/drawing/2014/main" id="{C37982DB-EC11-8635-9AF1-3978C87CA8DB}"/>
+                <a16:creationId xmlns:a16="http://schemas.microsoft.com/office/drawing/2014/main" id="{307A69BD-A274-3E20-1CAA-EE8D2894C64B}"/>
               </a:ext>
             </a:extLst>
           </p:cNvPr>
-          <p:cNvSpPr>
-            <a:spLocks noGrp="1"/>
-          </p:cNvSpPr>
-          <p:nvPr>
-            <p:ph type="title"/>
-          </p:nvPr>
-        </p:nvSpPr>
-        <p:spPr/>
-        <p:txBody>
-          <a:bodyPr/>
-          <a:lstStyle/>
-          <a:p>
-            <a:endParaRPr lang="en-US"/>
-          </a:p>
-        </p:txBody>
-      </p:sp>
-      <p:sp>
-        <p:nvSpPr>
-          <p:cNvPr id="5" name="Rectangle 4">
+          <p:cNvGrpSpPr/>
+          <p:nvPr/>
+        </p:nvGrpSpPr>
+        <p:grpSpPr>
+          <a:xfrm>
+            <a:off x="114300" y="114300"/>
+            <a:ext cx="15316200" cy="9829800"/>
+            <a:chOff x="114300" y="114300"/>
+            <a:chExt cx="15316200" cy="9829800"/>
+          </a:xfrm>
+        </p:grpSpPr>
+        <p:sp>
+          <p:nvSpPr>
+            <p:cNvPr id="3" name="Rectangle 2">
+              <a:extLst>
+                <a:ext uri="{FF2B5EF4-FFF2-40B4-BE49-F238E27FC236}">
+                  <a16:creationId xmlns:a16="http://schemas.microsoft.com/office/drawing/2014/main" id="{BEC105A0-258B-0D57-0A29-A91DDCBE55AE}"/>
+                </a:ext>
+              </a:extLst>
+            </p:cNvPr>
+            <p:cNvSpPr/>
+            <p:nvPr/>
+          </p:nvSpPr>
+          <p:spPr>
+            <a:xfrm>
+              <a:off x="114300" y="114300"/>
+              <a:ext cx="15316200" cy="9829800"/>
+            </a:xfrm>
+            <a:prstGeom prst="rect">
+              <a:avLst/>
+            </a:prstGeom>
+            <a:noFill/>
+          </p:spPr>
+          <p:style>
+            <a:lnRef idx="2">
+              <a:schemeClr val="dk1"/>
+            </a:lnRef>
+            <a:fillRef idx="1">
+              <a:schemeClr val="lt1"/>
+            </a:fillRef>
+            <a:effectRef idx="0">
+              <a:schemeClr val="dk1"/>
+            </a:effectRef>
+            <a:fontRef idx="minor">
+              <a:schemeClr val="dk1"/>
+            </a:fontRef>
+          </p:style>
+          <p:txBody>
+            <a:bodyPr rtlCol="0" anchor="ctr"/>
+            <a:lstStyle/>
+            <a:p>
+              <a:pPr algn="ctr"/>
+              <a:endParaRPr lang="en-US"/>
+            </a:p>
+          </p:txBody>
+        </p:sp>
+        <p:grpSp>
+          <p:nvGrpSpPr>
+            <p:cNvPr id="8" name="Group 7">
+              <a:extLst>
+                <a:ext uri="{FF2B5EF4-FFF2-40B4-BE49-F238E27FC236}">
+                  <a16:creationId xmlns:a16="http://schemas.microsoft.com/office/drawing/2014/main" id="{0F246AAA-3BEC-A382-632E-F05E1EA8697B}"/>
+                </a:ext>
+              </a:extLst>
+            </p:cNvPr>
+            <p:cNvGrpSpPr/>
+            <p:nvPr/>
+          </p:nvGrpSpPr>
+          <p:grpSpPr>
+            <a:xfrm>
+              <a:off x="11772900" y="8481060"/>
+              <a:ext cx="3657600" cy="1463040"/>
+              <a:chOff x="11772900" y="8481060"/>
+              <a:chExt cx="3657600" cy="1463040"/>
+            </a:xfrm>
+          </p:grpSpPr>
+          <p:sp>
+            <p:nvSpPr>
+              <p:cNvPr id="13" name="Rectangle 12">
+                <a:extLst>
+                  <a:ext uri="{FF2B5EF4-FFF2-40B4-BE49-F238E27FC236}">
+                    <a16:creationId xmlns:a16="http://schemas.microsoft.com/office/drawing/2014/main" id="{3583C912-2477-CF17-1AE4-503ED1C20B68}"/>
+                  </a:ext>
+                </a:extLst>
+              </p:cNvPr>
+              <p:cNvSpPr/>
+              <p:nvPr/>
+            </p:nvSpPr>
+            <p:spPr>
+              <a:xfrm>
+                <a:off x="11772900" y="9029700"/>
+                <a:ext cx="3657600" cy="914400"/>
+              </a:xfrm>
+              <a:prstGeom prst="rect">
+                <a:avLst/>
+              </a:prstGeom>
+            </p:spPr>
+            <p:style>
+              <a:lnRef idx="2">
+                <a:schemeClr val="dk1"/>
+              </a:lnRef>
+              <a:fillRef idx="1">
+                <a:schemeClr val="lt1"/>
+              </a:fillRef>
+              <a:effectRef idx="0">
+                <a:schemeClr val="dk1"/>
+              </a:effectRef>
+              <a:fontRef idx="minor">
+                <a:schemeClr val="dk1"/>
+              </a:fontRef>
+            </p:style>
+            <p:txBody>
+              <a:bodyPr rtlCol="0" anchor="ctr"/>
+              <a:lstStyle/>
+              <a:p>
+                <a:r>
+                  <a:rPr lang="en-US" dirty="0"/>
+                  <a:t>SYSTEM DIAGRAM</a:t>
+                </a:r>
+              </a:p>
+              <a:p>
+                <a:r>
+                  <a:rPr lang="en-US" dirty="0"/>
+                  <a:t>LOCAL COMPUTING MACHINE</a:t>
+                </a:r>
+              </a:p>
+              <a:p>
+                <a:r>
+                  <a:rPr lang="en-US" dirty="0"/>
+                  <a:t>AI ENABLED CAD PROJECT</a:t>
+                </a:r>
+              </a:p>
+            </p:txBody>
+          </p:sp>
+          <p:grpSp>
+            <p:nvGrpSpPr>
+              <p:cNvPr id="18" name="Group 17">
+                <a:extLst>
+                  <a:ext uri="{FF2B5EF4-FFF2-40B4-BE49-F238E27FC236}">
+                    <a16:creationId xmlns:a16="http://schemas.microsoft.com/office/drawing/2014/main" id="{19894195-7D7A-08D6-A6EB-FF0B68C9AFFF}"/>
+                  </a:ext>
+                </a:extLst>
+              </p:cNvPr>
+              <p:cNvGrpSpPr/>
+              <p:nvPr/>
+            </p:nvGrpSpPr>
+            <p:grpSpPr>
+              <a:xfrm>
+                <a:off x="11772900" y="8481060"/>
+                <a:ext cx="3657600" cy="548640"/>
+                <a:chOff x="11772900" y="8481060"/>
+                <a:chExt cx="3657600" cy="548640"/>
+              </a:xfrm>
+            </p:grpSpPr>
+            <p:sp>
+              <p:nvSpPr>
+                <p:cNvPr id="20" name="Rectangle 19">
+                  <a:extLst>
+                    <a:ext uri="{FF2B5EF4-FFF2-40B4-BE49-F238E27FC236}">
+                      <a16:creationId xmlns:a16="http://schemas.microsoft.com/office/drawing/2014/main" id="{8AA2823A-F5C2-57A2-EEE7-96D8E4230AF7}"/>
+                    </a:ext>
+                  </a:extLst>
+                </p:cNvPr>
+                <p:cNvSpPr/>
+                <p:nvPr/>
+              </p:nvSpPr>
+              <p:spPr>
+                <a:xfrm>
+                  <a:off x="11772900" y="8481060"/>
+                  <a:ext cx="3657600" cy="548640"/>
+                </a:xfrm>
+                <a:prstGeom prst="rect">
+                  <a:avLst/>
+                </a:prstGeom>
+              </p:spPr>
+              <p:style>
+                <a:lnRef idx="2">
+                  <a:schemeClr val="dk1"/>
+                </a:lnRef>
+                <a:fillRef idx="1">
+                  <a:schemeClr val="lt1"/>
+                </a:fillRef>
+                <a:effectRef idx="0">
+                  <a:schemeClr val="dk1"/>
+                </a:effectRef>
+                <a:fontRef idx="minor">
+                  <a:schemeClr val="dk1"/>
+                </a:fontRef>
+              </p:style>
+              <p:txBody>
+                <a:bodyPr rtlCol="0" anchor="ctr"/>
+                <a:lstStyle/>
+                <a:p>
+                  <a:pPr algn="ctr"/>
+                  <a:endParaRPr lang="en-US" dirty="0"/>
+                </a:p>
+              </p:txBody>
+            </p:sp>
+            <p:grpSp>
+              <p:nvGrpSpPr>
+                <p:cNvPr id="21" name="Group 20">
+                  <a:extLst>
+                    <a:ext uri="{FF2B5EF4-FFF2-40B4-BE49-F238E27FC236}">
+                      <a16:creationId xmlns:a16="http://schemas.microsoft.com/office/drawing/2014/main" id="{586ACAA5-A20F-42E5-C1E5-A0A7CE67154E}"/>
+                    </a:ext>
+                  </a:extLst>
+                </p:cNvPr>
+                <p:cNvGrpSpPr/>
+                <p:nvPr/>
+              </p:nvGrpSpPr>
+              <p:grpSpPr>
+                <a:xfrm>
+                  <a:off x="11865102" y="8555325"/>
+                  <a:ext cx="3528783" cy="400110"/>
+                  <a:chOff x="11865102" y="8555325"/>
+                  <a:chExt cx="3528783" cy="400110"/>
+                </a:xfrm>
+              </p:grpSpPr>
+              <p:grpSp>
+                <p:nvGrpSpPr>
+                  <p:cNvPr id="22" name="Group 21">
+                    <a:extLst>
+                      <a:ext uri="{FF2B5EF4-FFF2-40B4-BE49-F238E27FC236}">
+                        <a16:creationId xmlns:a16="http://schemas.microsoft.com/office/drawing/2014/main" id="{71D4C819-2939-9C11-F5A0-D854D52131DD}"/>
+                      </a:ext>
+                    </a:extLst>
+                  </p:cNvPr>
+                  <p:cNvGrpSpPr/>
+                  <p:nvPr/>
+                </p:nvGrpSpPr>
+                <p:grpSpPr>
+                  <a:xfrm>
+                    <a:off x="11865102" y="8572500"/>
+                    <a:ext cx="2057158" cy="365760"/>
+                    <a:chOff x="12001500" y="8555098"/>
+                    <a:chExt cx="2057158" cy="365760"/>
+                  </a:xfrm>
+                </p:grpSpPr>
+                <p:pic>
+                  <p:nvPicPr>
+                    <p:cNvPr id="24" name="Picture 23">
+                      <a:extLst>
+                        <a:ext uri="{FF2B5EF4-FFF2-40B4-BE49-F238E27FC236}">
+                          <a16:creationId xmlns:a16="http://schemas.microsoft.com/office/drawing/2014/main" id="{B6636CE9-344A-92B9-C624-4CF5DD1DE710}"/>
+                        </a:ext>
+                      </a:extLst>
+                    </p:cNvPr>
+                    <p:cNvPicPr>
+                      <a:picLocks noChangeAspect="1"/>
+                    </p:cNvPicPr>
+                    <p:nvPr/>
+                  </p:nvPicPr>
+                  <p:blipFill>
+                    <a:blip r:embed="rId2">
+                      <a:extLst>
+                        <a:ext uri="{28A0092B-C50C-407E-A947-70E740481C1C}">
+                          <a14:useLocalDpi xmlns:a14="http://schemas.microsoft.com/office/drawing/2010/main" val="0"/>
+                        </a:ext>
+                      </a:extLst>
+                    </a:blip>
+                    <a:stretch>
+                      <a:fillRect/>
+                    </a:stretch>
+                  </p:blipFill>
+                  <p:spPr>
+                    <a:xfrm>
+                      <a:off x="12001500" y="8555098"/>
+                      <a:ext cx="1142758" cy="365760"/>
+                    </a:xfrm>
+                    <a:prstGeom prst="rect">
+                      <a:avLst/>
+                    </a:prstGeom>
+                  </p:spPr>
+                </p:pic>
+                <p:grpSp>
+                  <p:nvGrpSpPr>
+                    <p:cNvPr id="25" name="Group 24">
+                      <a:extLst>
+                        <a:ext uri="{FF2B5EF4-FFF2-40B4-BE49-F238E27FC236}">
+                          <a16:creationId xmlns:a16="http://schemas.microsoft.com/office/drawing/2014/main" id="{E173F522-233F-E7EB-1A33-79DE8417BA3D}"/>
+                        </a:ext>
+                      </a:extLst>
+                    </p:cNvPr>
+                    <p:cNvGrpSpPr/>
+                    <p:nvPr/>
+                  </p:nvGrpSpPr>
+                  <p:grpSpPr>
+                    <a:xfrm>
+                      <a:off x="13235698" y="8555098"/>
+                      <a:ext cx="822960" cy="365760"/>
+                      <a:chOff x="10904220" y="9510241"/>
+                      <a:chExt cx="822960" cy="365760"/>
+                    </a:xfrm>
+                  </p:grpSpPr>
+                  <p:pic>
+                    <p:nvPicPr>
+                      <p:cNvPr id="26" name="Picture 25">
+                        <a:extLst>
+                          <a:ext uri="{FF2B5EF4-FFF2-40B4-BE49-F238E27FC236}">
+                            <a16:creationId xmlns:a16="http://schemas.microsoft.com/office/drawing/2014/main" id="{FE367345-7CE8-06B7-A5D4-75DC39DE4738}"/>
+                          </a:ext>
+                        </a:extLst>
+                      </p:cNvPr>
+                      <p:cNvPicPr>
+                        <a:picLocks noChangeAspect="1"/>
+                      </p:cNvPicPr>
+                      <p:nvPr/>
+                    </p:nvPicPr>
+                    <p:blipFill>
+                      <a:blip r:embed="rId3">
+                        <a:extLst>
+                          <a:ext uri="{28A0092B-C50C-407E-A947-70E740481C1C}">
+                            <a14:useLocalDpi xmlns:a14="http://schemas.microsoft.com/office/drawing/2010/main" val="0"/>
+                          </a:ext>
+                        </a:extLst>
+                      </a:blip>
+                      <a:stretch>
+                        <a:fillRect/>
+                      </a:stretch>
+                    </p:blipFill>
+                    <p:spPr>
+                      <a:xfrm>
+                        <a:off x="10904220" y="9510724"/>
+                        <a:ext cx="365760" cy="364795"/>
+                      </a:xfrm>
+                      <a:prstGeom prst="rect">
+                        <a:avLst/>
+                      </a:prstGeom>
+                    </p:spPr>
+                  </p:pic>
+                  <p:pic>
+                    <p:nvPicPr>
+                      <p:cNvPr id="27" name="Picture 26">
+                        <a:extLst>
+                          <a:ext uri="{FF2B5EF4-FFF2-40B4-BE49-F238E27FC236}">
+                            <a16:creationId xmlns:a16="http://schemas.microsoft.com/office/drawing/2014/main" id="{9B7790C1-F5C8-0CEF-3CD9-6E2FC666F5B5}"/>
+                          </a:ext>
+                        </a:extLst>
+                      </p:cNvPr>
+                      <p:cNvPicPr>
+                        <a:picLocks noChangeAspect="1"/>
+                      </p:cNvPicPr>
+                      <p:nvPr/>
+                    </p:nvPicPr>
+                    <p:blipFill>
+                      <a:blip r:embed="rId4">
+                        <a:extLst>
+                          <a:ext uri="{28A0092B-C50C-407E-A947-70E740481C1C}">
+                            <a14:useLocalDpi xmlns:a14="http://schemas.microsoft.com/office/drawing/2010/main" val="0"/>
+                          </a:ext>
+                        </a:extLst>
+                      </a:blip>
+                      <a:stretch>
+                        <a:fillRect/>
+                      </a:stretch>
+                    </p:blipFill>
+                    <p:spPr>
+                      <a:xfrm>
+                        <a:off x="11361420" y="9510241"/>
+                        <a:ext cx="365760" cy="365760"/>
+                      </a:xfrm>
+                      <a:prstGeom prst="rect">
+                        <a:avLst/>
+                      </a:prstGeom>
+                    </p:spPr>
+                  </p:pic>
+                </p:grpSp>
+              </p:grpSp>
+              <p:sp>
+                <p:nvSpPr>
+                  <p:cNvPr id="23" name="TextBox 22">
+                    <a:extLst>
+                      <a:ext uri="{FF2B5EF4-FFF2-40B4-BE49-F238E27FC236}">
+                        <a16:creationId xmlns:a16="http://schemas.microsoft.com/office/drawing/2014/main" id="{054D2690-D57D-74C3-A083-E0CD06B1E618}"/>
+                      </a:ext>
+                    </a:extLst>
+                  </p:cNvPr>
+                  <p:cNvSpPr txBox="1"/>
+                  <p:nvPr/>
+                </p:nvSpPr>
+                <p:spPr>
+                  <a:xfrm>
+                    <a:off x="13958877" y="8555325"/>
+                    <a:ext cx="1435008" cy="400110"/>
+                  </a:xfrm>
+                  <a:prstGeom prst="rect">
+                    <a:avLst/>
+                  </a:prstGeom>
+                  <a:noFill/>
+                </p:spPr>
+                <p:txBody>
+                  <a:bodyPr wrap="none" rtlCol="0">
+                    <a:spAutoFit/>
+                  </a:bodyPr>
+                  <a:lstStyle/>
+                  <a:p>
+                    <a:pPr algn="ctr"/>
+                    <a:r>
+                      <a:rPr lang="en-US" sz="1000" b="1" dirty="0"/>
+                      <a:t>MINIPCB.COM</a:t>
+                    </a:r>
+                    <a:br>
+                      <a:rPr lang="en-US" sz="1000" b="1" dirty="0"/>
+                    </a:br>
+                    <a:r>
+                      <a:rPr lang="en-US" sz="1000" b="1" dirty="0"/>
+                      <a:t>SAN ANTONIO, TX, USA</a:t>
+                    </a:r>
+                  </a:p>
+                </p:txBody>
+              </p:sp>
+            </p:grpSp>
+          </p:grpSp>
+        </p:grpSp>
+      </p:grpSp>
+      <p:sp>
+        <p:nvSpPr>
+          <p:cNvPr id="11" name="Rectangle 10">
             <a:extLst>
               <a:ext uri="{FF2B5EF4-FFF2-40B4-BE49-F238E27FC236}">
-                <a16:creationId xmlns:a16="http://schemas.microsoft.com/office/drawing/2014/main" id="{31541414-07A2-1DF6-F4CB-4E687C703521}"/>
+                <a16:creationId xmlns:a16="http://schemas.microsoft.com/office/drawing/2014/main" id="{9380A339-D3A8-8014-F21F-203948A172B1}"/>
               </a:ext>
             </a:extLst>
           </p:cNvPr>
@@ -3361,8 +3410,8 @@
         </p:nvSpPr>
         <p:spPr>
           <a:xfrm>
-            <a:off x="2000642" y="3776565"/>
-            <a:ext cx="1143000" cy="457200"/>
+            <a:off x="7043738" y="5119863"/>
+            <a:ext cx="1457325" cy="849117"/>
           </a:xfrm>
           <a:prstGeom prst="rect">
             <a:avLst/>
@@ -3390,470 +3439,22 @@
           <a:p>
             <a:pPr algn="ctr"/>
             <a:r>
-              <a:rPr lang="en-US" sz="1200" dirty="0"/>
-              <a:t>KEYBOARD</a:t>
-            </a:r>
-          </a:p>
-        </p:txBody>
-      </p:sp>
-      <p:sp>
-        <p:nvSpPr>
-          <p:cNvPr id="6" name="Rectangle 5">
-            <a:extLst>
-              <a:ext uri="{FF2B5EF4-FFF2-40B4-BE49-F238E27FC236}">
-                <a16:creationId xmlns:a16="http://schemas.microsoft.com/office/drawing/2014/main" id="{C03E9108-634F-DC5F-4C36-D334476B97D1}"/>
-              </a:ext>
-            </a:extLst>
-          </p:cNvPr>
-          <p:cNvSpPr/>
-          <p:nvPr/>
-        </p:nvSpPr>
-        <p:spPr>
-          <a:xfrm>
-            <a:off x="2000642" y="4359730"/>
-            <a:ext cx="1143000" cy="457200"/>
-          </a:xfrm>
-          <a:prstGeom prst="rect">
-            <a:avLst/>
-          </a:prstGeom>
-        </p:spPr>
-        <p:style>
-          <a:lnRef idx="2">
-            <a:schemeClr val="accent1">
-              <a:shade val="50000"/>
-            </a:schemeClr>
-          </a:lnRef>
-          <a:fillRef idx="1">
-            <a:schemeClr val="accent1"/>
-          </a:fillRef>
-          <a:effectRef idx="0">
-            <a:schemeClr val="accent1"/>
-          </a:effectRef>
-          <a:fontRef idx="minor">
-            <a:schemeClr val="lt1"/>
-          </a:fontRef>
-        </p:style>
-        <p:txBody>
-          <a:bodyPr rtlCol="0" anchor="ctr"/>
-          <a:lstStyle/>
+              <a:rPr lang="en-US" sz="1530" dirty="0"/>
+              <a:t>PRIVATE</a:t>
+            </a:r>
+          </a:p>
           <a:p>
             <a:pPr algn="ctr"/>
             <a:r>
-              <a:rPr lang="en-US" sz="1200" dirty="0"/>
-              <a:t>MICROPHONE</a:t>
-            </a:r>
-          </a:p>
-        </p:txBody>
-      </p:sp>
-      <p:sp>
-        <p:nvSpPr>
-          <p:cNvPr id="7" name="Rectangle 6">
-            <a:extLst>
-              <a:ext uri="{FF2B5EF4-FFF2-40B4-BE49-F238E27FC236}">
-                <a16:creationId xmlns:a16="http://schemas.microsoft.com/office/drawing/2014/main" id="{BAE36925-C7C6-933D-C408-64AB6B63DB8E}"/>
-              </a:ext>
-            </a:extLst>
-          </p:cNvPr>
-          <p:cNvSpPr/>
-          <p:nvPr/>
-        </p:nvSpPr>
-        <p:spPr>
-          <a:xfrm>
-            <a:off x="2000642" y="4942895"/>
-            <a:ext cx="1143000" cy="457200"/>
-          </a:xfrm>
-          <a:prstGeom prst="rect">
-            <a:avLst/>
-          </a:prstGeom>
-        </p:spPr>
-        <p:style>
-          <a:lnRef idx="2">
-            <a:schemeClr val="accent1">
-              <a:shade val="50000"/>
-            </a:schemeClr>
-          </a:lnRef>
-          <a:fillRef idx="1">
-            <a:schemeClr val="accent1"/>
-          </a:fillRef>
-          <a:effectRef idx="0">
-            <a:schemeClr val="accent1"/>
-          </a:effectRef>
-          <a:fontRef idx="minor">
-            <a:schemeClr val="lt1"/>
-          </a:fontRef>
-        </p:style>
-        <p:txBody>
-          <a:bodyPr rtlCol="0" anchor="ctr"/>
-          <a:lstStyle/>
+              <a:rPr lang="en-US" sz="1530" dirty="0"/>
+              <a:t>LOCAL</a:t>
+            </a:r>
+          </a:p>
           <a:p>
             <a:pPr algn="ctr"/>
             <a:r>
-              <a:rPr lang="en-US" sz="1200" dirty="0"/>
-              <a:t>MOUSE</a:t>
-            </a:r>
-          </a:p>
-        </p:txBody>
-      </p:sp>
-      <p:sp>
-        <p:nvSpPr>
-          <p:cNvPr id="9" name="Rectangle 8">
-            <a:extLst>
-              <a:ext uri="{FF2B5EF4-FFF2-40B4-BE49-F238E27FC236}">
-                <a16:creationId xmlns:a16="http://schemas.microsoft.com/office/drawing/2014/main" id="{63089BAA-2C2D-1AEF-9FA0-CE15FF3505B3}"/>
-              </a:ext>
-            </a:extLst>
-          </p:cNvPr>
-          <p:cNvSpPr/>
-          <p:nvPr/>
-        </p:nvSpPr>
-        <p:spPr>
-          <a:xfrm>
-            <a:off x="3428223" y="4359730"/>
-            <a:ext cx="1466461" cy="914400"/>
-          </a:xfrm>
-          <a:prstGeom prst="rect">
-            <a:avLst/>
-          </a:prstGeom>
-        </p:spPr>
-        <p:style>
-          <a:lnRef idx="2">
-            <a:schemeClr val="accent1">
-              <a:shade val="50000"/>
-            </a:schemeClr>
-          </a:lnRef>
-          <a:fillRef idx="1">
-            <a:schemeClr val="accent1"/>
-          </a:fillRef>
-          <a:effectRef idx="0">
-            <a:schemeClr val="accent1"/>
-          </a:effectRef>
-          <a:fontRef idx="minor">
-            <a:schemeClr val="lt1"/>
-          </a:fontRef>
-        </p:style>
-        <p:txBody>
-          <a:bodyPr rtlCol="0" anchor="ctr"/>
-          <a:lstStyle/>
-          <a:p>
-            <a:pPr algn="ctr"/>
-            <a:r>
-              <a:rPr lang="en-US" dirty="0"/>
-              <a:t>WORKSHOP</a:t>
-            </a:r>
-          </a:p>
-          <a:p>
-            <a:pPr algn="ctr"/>
-            <a:r>
-              <a:rPr lang="en-US" dirty="0"/>
-              <a:t>COMPUTER</a:t>
-            </a:r>
-          </a:p>
-        </p:txBody>
-      </p:sp>
-      <p:sp>
-        <p:nvSpPr>
-          <p:cNvPr id="10" name="Rectangle 9">
-            <a:extLst>
-              <a:ext uri="{FF2B5EF4-FFF2-40B4-BE49-F238E27FC236}">
-                <a16:creationId xmlns:a16="http://schemas.microsoft.com/office/drawing/2014/main" id="{F826A606-61FF-7AFB-FC64-D6427F9B7FA0}"/>
-              </a:ext>
-            </a:extLst>
-          </p:cNvPr>
-          <p:cNvSpPr/>
-          <p:nvPr/>
-        </p:nvSpPr>
-        <p:spPr>
-          <a:xfrm>
-            <a:off x="2000642" y="3193400"/>
-            <a:ext cx="1143000" cy="457200"/>
-          </a:xfrm>
-          <a:prstGeom prst="rect">
-            <a:avLst/>
-          </a:prstGeom>
-        </p:spPr>
-        <p:style>
-          <a:lnRef idx="2">
-            <a:schemeClr val="accent1">
-              <a:shade val="50000"/>
-            </a:schemeClr>
-          </a:lnRef>
-          <a:fillRef idx="1">
-            <a:schemeClr val="accent1"/>
-          </a:fillRef>
-          <a:effectRef idx="0">
-            <a:schemeClr val="accent1"/>
-          </a:effectRef>
-          <a:fontRef idx="minor">
-            <a:schemeClr val="lt1"/>
-          </a:fontRef>
-        </p:style>
-        <p:txBody>
-          <a:bodyPr rtlCol="0" anchor="ctr"/>
-          <a:lstStyle/>
-          <a:p>
-            <a:pPr algn="ctr"/>
-            <a:r>
-              <a:rPr lang="en-US" sz="1200" dirty="0"/>
-              <a:t>DISPLAY</a:t>
-            </a:r>
-          </a:p>
-        </p:txBody>
-      </p:sp>
-      <p:sp>
-        <p:nvSpPr>
-          <p:cNvPr id="11" name="Rectangle 10">
-            <a:extLst>
-              <a:ext uri="{FF2B5EF4-FFF2-40B4-BE49-F238E27FC236}">
-                <a16:creationId xmlns:a16="http://schemas.microsoft.com/office/drawing/2014/main" id="{9380A339-D3A8-8014-F21F-203948A172B1}"/>
-              </a:ext>
-            </a:extLst>
-          </p:cNvPr>
-          <p:cNvSpPr/>
-          <p:nvPr/>
-        </p:nvSpPr>
-        <p:spPr>
-          <a:xfrm>
-            <a:off x="5250413" y="4068146"/>
-            <a:ext cx="1143000" cy="457200"/>
-          </a:xfrm>
-          <a:prstGeom prst="rect">
-            <a:avLst/>
-          </a:prstGeom>
-        </p:spPr>
-        <p:style>
-          <a:lnRef idx="2">
-            <a:schemeClr val="accent1">
-              <a:shade val="50000"/>
-            </a:schemeClr>
-          </a:lnRef>
-          <a:fillRef idx="1">
-            <a:schemeClr val="accent1"/>
-          </a:fillRef>
-          <a:effectRef idx="0">
-            <a:schemeClr val="accent1"/>
-          </a:effectRef>
-          <a:fontRef idx="minor">
-            <a:schemeClr val="lt1"/>
-          </a:fontRef>
-        </p:style>
-        <p:txBody>
-          <a:bodyPr rtlCol="0" anchor="ctr"/>
-          <a:lstStyle/>
-          <a:p>
-            <a:pPr algn="ctr"/>
-            <a:r>
-              <a:rPr lang="en-US" sz="1200" dirty="0"/>
-              <a:t>LOCAL</a:t>
-            </a:r>
-          </a:p>
-          <a:p>
-            <a:pPr algn="ctr"/>
-            <a:r>
-              <a:rPr lang="en-US" sz="1200" dirty="0"/>
+              <a:rPr lang="en-US" sz="1530" dirty="0"/>
               <a:t>NETWORK</a:t>
-            </a:r>
-          </a:p>
-        </p:txBody>
-      </p:sp>
-      <p:sp>
-        <p:nvSpPr>
-          <p:cNvPr id="12" name="Rectangle 11">
-            <a:extLst>
-              <a:ext uri="{FF2B5EF4-FFF2-40B4-BE49-F238E27FC236}">
-                <a16:creationId xmlns:a16="http://schemas.microsoft.com/office/drawing/2014/main" id="{15087EF7-397B-1345-8EBE-28E559980293}"/>
-              </a:ext>
-            </a:extLst>
-          </p:cNvPr>
-          <p:cNvSpPr/>
-          <p:nvPr/>
-        </p:nvSpPr>
-        <p:spPr>
-          <a:xfrm>
-            <a:off x="6749143" y="3193399"/>
-            <a:ext cx="1466461" cy="2206695"/>
-          </a:xfrm>
-          <a:prstGeom prst="rect">
-            <a:avLst/>
-          </a:prstGeom>
-        </p:spPr>
-        <p:style>
-          <a:lnRef idx="2">
-            <a:schemeClr val="accent1">
-              <a:shade val="50000"/>
-            </a:schemeClr>
-          </a:lnRef>
-          <a:fillRef idx="1">
-            <a:schemeClr val="accent1"/>
-          </a:fillRef>
-          <a:effectRef idx="0">
-            <a:schemeClr val="accent1"/>
-          </a:effectRef>
-          <a:fontRef idx="minor">
-            <a:schemeClr val="lt1"/>
-          </a:fontRef>
-        </p:style>
-        <p:txBody>
-          <a:bodyPr rtlCol="0" anchor="ctr"/>
-          <a:lstStyle/>
-          <a:p>
-            <a:pPr algn="ctr"/>
-            <a:r>
-              <a:rPr lang="en-US" dirty="0"/>
-              <a:t>AI</a:t>
-            </a:r>
-          </a:p>
-          <a:p>
-            <a:pPr algn="ctr"/>
-            <a:r>
-              <a:rPr lang="en-US" dirty="0"/>
-              <a:t>COMPUTER</a:t>
-            </a:r>
-          </a:p>
-        </p:txBody>
-      </p:sp>
-      <p:sp>
-        <p:nvSpPr>
-          <p:cNvPr id="14" name="Rectangle 13">
-            <a:extLst>
-              <a:ext uri="{FF2B5EF4-FFF2-40B4-BE49-F238E27FC236}">
-                <a16:creationId xmlns:a16="http://schemas.microsoft.com/office/drawing/2014/main" id="{9B17C1B5-3244-85EE-B613-1B30F6CB06AD}"/>
-              </a:ext>
-            </a:extLst>
-          </p:cNvPr>
-          <p:cNvSpPr/>
-          <p:nvPr/>
-        </p:nvSpPr>
-        <p:spPr>
-          <a:xfrm>
-            <a:off x="8441875" y="4359730"/>
-            <a:ext cx="1143000" cy="457200"/>
-          </a:xfrm>
-          <a:prstGeom prst="rect">
-            <a:avLst/>
-          </a:prstGeom>
-        </p:spPr>
-        <p:style>
-          <a:lnRef idx="2">
-            <a:schemeClr val="accent1">
-              <a:shade val="50000"/>
-            </a:schemeClr>
-          </a:lnRef>
-          <a:fillRef idx="1">
-            <a:schemeClr val="accent1"/>
-          </a:fillRef>
-          <a:effectRef idx="0">
-            <a:schemeClr val="accent1"/>
-          </a:effectRef>
-          <a:fontRef idx="minor">
-            <a:schemeClr val="lt1"/>
-          </a:fontRef>
-        </p:style>
-        <p:txBody>
-          <a:bodyPr rtlCol="0" anchor="ctr"/>
-          <a:lstStyle/>
-          <a:p>
-            <a:pPr algn="ctr"/>
-            <a:r>
-              <a:rPr lang="en-US" sz="1200" dirty="0"/>
-              <a:t>POWER OUTLET</a:t>
-            </a:r>
-          </a:p>
-        </p:txBody>
-      </p:sp>
-      <p:sp>
-        <p:nvSpPr>
-          <p:cNvPr id="15" name="Rectangle 14">
-            <a:extLst>
-              <a:ext uri="{FF2B5EF4-FFF2-40B4-BE49-F238E27FC236}">
-                <a16:creationId xmlns:a16="http://schemas.microsoft.com/office/drawing/2014/main" id="{B8EE80CD-60EF-661A-5497-5FA949F8E078}"/>
-              </a:ext>
-            </a:extLst>
-          </p:cNvPr>
-          <p:cNvSpPr/>
-          <p:nvPr/>
-        </p:nvSpPr>
-        <p:spPr>
-          <a:xfrm>
-            <a:off x="8441875" y="4942895"/>
-            <a:ext cx="1143000" cy="457200"/>
-          </a:xfrm>
-          <a:prstGeom prst="rect">
-            <a:avLst/>
-          </a:prstGeom>
-        </p:spPr>
-        <p:style>
-          <a:lnRef idx="2">
-            <a:schemeClr val="accent1">
-              <a:shade val="50000"/>
-            </a:schemeClr>
-          </a:lnRef>
-          <a:fillRef idx="1">
-            <a:schemeClr val="accent1"/>
-          </a:fillRef>
-          <a:effectRef idx="0">
-            <a:schemeClr val="accent1"/>
-          </a:effectRef>
-          <a:fontRef idx="minor">
-            <a:schemeClr val="lt1"/>
-          </a:fontRef>
-        </p:style>
-        <p:txBody>
-          <a:bodyPr rtlCol="0" anchor="ctr"/>
-          <a:lstStyle/>
-          <a:p>
-            <a:pPr algn="ctr"/>
-            <a:r>
-              <a:rPr lang="en-US" sz="1200" dirty="0"/>
-              <a:t>COMPUTER CHASSIS</a:t>
-            </a:r>
-          </a:p>
-        </p:txBody>
-      </p:sp>
-      <p:sp>
-        <p:nvSpPr>
-          <p:cNvPr id="16" name="Rectangle 15">
-            <a:extLst>
-              <a:ext uri="{FF2B5EF4-FFF2-40B4-BE49-F238E27FC236}">
-                <a16:creationId xmlns:a16="http://schemas.microsoft.com/office/drawing/2014/main" id="{22684361-42F1-D38C-E2E2-FF22E351C5D7}"/>
-              </a:ext>
-            </a:extLst>
-          </p:cNvPr>
-          <p:cNvSpPr/>
-          <p:nvPr/>
-        </p:nvSpPr>
-        <p:spPr>
-          <a:xfrm>
-            <a:off x="8441875" y="3776565"/>
-            <a:ext cx="1143000" cy="457200"/>
-          </a:xfrm>
-          <a:prstGeom prst="rect">
-            <a:avLst/>
-          </a:prstGeom>
-        </p:spPr>
-        <p:style>
-          <a:lnRef idx="2">
-            <a:schemeClr val="accent1">
-              <a:shade val="50000"/>
-            </a:schemeClr>
-          </a:lnRef>
-          <a:fillRef idx="1">
-            <a:schemeClr val="accent1"/>
-          </a:fillRef>
-          <a:effectRef idx="0">
-            <a:schemeClr val="accent1"/>
-          </a:effectRef>
-          <a:fontRef idx="minor">
-            <a:schemeClr val="lt1"/>
-          </a:fontRef>
-        </p:style>
-        <p:txBody>
-          <a:bodyPr rtlCol="0" anchor="ctr"/>
-          <a:lstStyle/>
-          <a:p>
-            <a:pPr algn="ctr"/>
-            <a:r>
-              <a:rPr lang="en-US" sz="1200" dirty="0"/>
-              <a:t>AIR CONDITIONER</a:t>
             </a:r>
           </a:p>
         </p:txBody>
@@ -3872,8 +3473,8 @@
         </p:nvSpPr>
         <p:spPr>
           <a:xfrm>
-            <a:off x="5250413" y="3559635"/>
-            <a:ext cx="1143000" cy="457200"/>
+            <a:off x="4677815" y="2793064"/>
+            <a:ext cx="1457325" cy="582930"/>
           </a:xfrm>
           <a:prstGeom prst="rect">
             <a:avLst/>
@@ -3881,88 +3482,1262 @@
         </p:spPr>
         <p:style>
           <a:lnRef idx="2">
-            <a:schemeClr val="accent1">
-              <a:shade val="50000"/>
-            </a:schemeClr>
+            <a:schemeClr val="dk1"/>
           </a:lnRef>
           <a:fillRef idx="1">
+            <a:schemeClr val="lt1"/>
+          </a:fillRef>
+          <a:effectRef idx="0">
+            <a:schemeClr val="dk1"/>
+          </a:effectRef>
+          <a:fontRef idx="minor">
+            <a:schemeClr val="dk1"/>
+          </a:fontRef>
+        </p:style>
+        <p:txBody>
+          <a:bodyPr rtlCol="0" anchor="ctr"/>
+          <a:lstStyle/>
+          <a:p>
+            <a:pPr algn="ctr"/>
+            <a:r>
+              <a:rPr lang="en-US" sz="1530" dirty="0"/>
+              <a:t>INTERNET</a:t>
+            </a:r>
+          </a:p>
+        </p:txBody>
+      </p:sp>
+      <p:grpSp>
+        <p:nvGrpSpPr>
+          <p:cNvPr id="52" name="Group 51">
+            <a:extLst>
+              <a:ext uri="{FF2B5EF4-FFF2-40B4-BE49-F238E27FC236}">
+                <a16:creationId xmlns:a16="http://schemas.microsoft.com/office/drawing/2014/main" id="{9915D3A9-81D8-8E07-95B2-06159B50F3C3}"/>
+              </a:ext>
+            </a:extLst>
+          </p:cNvPr>
+          <p:cNvGrpSpPr/>
+          <p:nvPr/>
+        </p:nvGrpSpPr>
+        <p:grpSpPr>
+          <a:xfrm>
+            <a:off x="9042839" y="3823505"/>
+            <a:ext cx="2190969" cy="3441832"/>
+            <a:chOff x="8444542" y="4392498"/>
+            <a:chExt cx="2190969" cy="3441832"/>
+          </a:xfrm>
+        </p:grpSpPr>
+        <p:sp>
+          <p:nvSpPr>
+            <p:cNvPr id="30" name="Rectangle 29">
+              <a:extLst>
+                <a:ext uri="{FF2B5EF4-FFF2-40B4-BE49-F238E27FC236}">
+                  <a16:creationId xmlns:a16="http://schemas.microsoft.com/office/drawing/2014/main" id="{2BDC606C-B727-6FB7-FFE4-CA9722BD2C19}"/>
+                </a:ext>
+              </a:extLst>
+            </p:cNvPr>
+            <p:cNvSpPr/>
+            <p:nvPr/>
+          </p:nvSpPr>
+          <p:spPr>
+            <a:xfrm>
+              <a:off x="8444542" y="4392498"/>
+              <a:ext cx="2190969" cy="3441832"/>
+            </a:xfrm>
+            <a:prstGeom prst="rect">
+              <a:avLst/>
+            </a:prstGeom>
+          </p:spPr>
+          <p:style>
+            <a:lnRef idx="2">
+              <a:schemeClr val="accent1"/>
+            </a:lnRef>
+            <a:fillRef idx="1">
+              <a:schemeClr val="lt1"/>
+            </a:fillRef>
+            <a:effectRef idx="0">
+              <a:schemeClr val="accent1"/>
+            </a:effectRef>
+            <a:fontRef idx="minor">
+              <a:schemeClr val="dk1"/>
+            </a:fontRef>
+          </p:style>
+          <p:txBody>
+            <a:bodyPr rtlCol="0" anchor="t"/>
+            <a:lstStyle/>
+            <a:p>
+              <a:pPr algn="ctr"/>
+              <a:r>
+                <a:rPr lang="en-US" dirty="0"/>
+                <a:t>CAD MACHINE</a:t>
+              </a:r>
+            </a:p>
+          </p:txBody>
+        </p:sp>
+        <p:grpSp>
+          <p:nvGrpSpPr>
+            <p:cNvPr id="34" name="Group 33">
+              <a:extLst>
+                <a:ext uri="{FF2B5EF4-FFF2-40B4-BE49-F238E27FC236}">
+                  <a16:creationId xmlns:a16="http://schemas.microsoft.com/office/drawing/2014/main" id="{0F39D6D0-3C86-2681-8E65-170E888E5448}"/>
+                </a:ext>
+              </a:extLst>
+            </p:cNvPr>
+            <p:cNvGrpSpPr/>
+            <p:nvPr/>
+          </p:nvGrpSpPr>
+          <p:grpSpPr>
+            <a:xfrm>
+              <a:off x="8605157" y="4942142"/>
+              <a:ext cx="1869738" cy="2326316"/>
+              <a:chOff x="8605157" y="4942142"/>
+              <a:chExt cx="1869738" cy="2326316"/>
+            </a:xfrm>
+          </p:grpSpPr>
+          <p:sp>
+            <p:nvSpPr>
+              <p:cNvPr id="12" name="Rectangle 11">
+                <a:extLst>
+                  <a:ext uri="{FF2B5EF4-FFF2-40B4-BE49-F238E27FC236}">
+                    <a16:creationId xmlns:a16="http://schemas.microsoft.com/office/drawing/2014/main" id="{15087EF7-397B-1345-8EBE-28E559980293}"/>
+                  </a:ext>
+                </a:extLst>
+              </p:cNvPr>
+              <p:cNvSpPr/>
+              <p:nvPr/>
+            </p:nvSpPr>
+            <p:spPr>
+              <a:xfrm>
+                <a:off x="8605157" y="4942142"/>
+                <a:ext cx="1869738" cy="530203"/>
+              </a:xfrm>
+              <a:prstGeom prst="rect">
+                <a:avLst/>
+              </a:prstGeom>
+            </p:spPr>
+            <p:style>
+              <a:lnRef idx="2">
+                <a:schemeClr val="accent1">
+                  <a:shade val="50000"/>
+                </a:schemeClr>
+              </a:lnRef>
+              <a:fillRef idx="1">
+                <a:schemeClr val="accent1"/>
+              </a:fillRef>
+              <a:effectRef idx="0">
+                <a:schemeClr val="accent1"/>
+              </a:effectRef>
+              <a:fontRef idx="minor">
+                <a:schemeClr val="lt1"/>
+              </a:fontRef>
+            </p:style>
+            <p:txBody>
+              <a:bodyPr rtlCol="0" anchor="ctr"/>
+              <a:lstStyle/>
+              <a:p>
+                <a:pPr algn="ctr"/>
+                <a:r>
+                  <a:rPr lang="en-US" dirty="0"/>
+                  <a:t>HARDWARE</a:t>
+                </a:r>
+              </a:p>
+            </p:txBody>
+          </p:sp>
+          <p:sp>
+            <p:nvSpPr>
+              <p:cNvPr id="31" name="Rectangle 30">
+                <a:extLst>
+                  <a:ext uri="{FF2B5EF4-FFF2-40B4-BE49-F238E27FC236}">
+                    <a16:creationId xmlns:a16="http://schemas.microsoft.com/office/drawing/2014/main" id="{82F4A9C2-1CA2-23CF-07E9-FC5463380914}"/>
+                  </a:ext>
+                </a:extLst>
+              </p:cNvPr>
+              <p:cNvSpPr/>
+              <p:nvPr/>
+            </p:nvSpPr>
+            <p:spPr>
+              <a:xfrm>
+                <a:off x="8605157" y="5540845"/>
+                <a:ext cx="1869738" cy="530204"/>
+              </a:xfrm>
+              <a:prstGeom prst="rect">
+                <a:avLst/>
+              </a:prstGeom>
+            </p:spPr>
+            <p:style>
+              <a:lnRef idx="2">
+                <a:schemeClr val="accent1">
+                  <a:shade val="50000"/>
+                </a:schemeClr>
+              </a:lnRef>
+              <a:fillRef idx="1">
+                <a:schemeClr val="accent1"/>
+              </a:fillRef>
+              <a:effectRef idx="0">
+                <a:schemeClr val="accent1"/>
+              </a:effectRef>
+              <a:fontRef idx="minor">
+                <a:schemeClr val="lt1"/>
+              </a:fontRef>
+            </p:style>
+            <p:txBody>
+              <a:bodyPr rtlCol="0" anchor="ctr"/>
+              <a:lstStyle/>
+              <a:p>
+                <a:pPr algn="ctr"/>
+                <a:r>
+                  <a:rPr lang="en-US" dirty="0"/>
+                  <a:t>SOFTWARE</a:t>
+                </a:r>
+              </a:p>
+            </p:txBody>
+          </p:sp>
+          <p:sp>
+            <p:nvSpPr>
+              <p:cNvPr id="32" name="Rectangle 31">
+                <a:extLst>
+                  <a:ext uri="{FF2B5EF4-FFF2-40B4-BE49-F238E27FC236}">
+                    <a16:creationId xmlns:a16="http://schemas.microsoft.com/office/drawing/2014/main" id="{40CB7101-F778-2B9C-5794-C025A976A1C9}"/>
+                  </a:ext>
+                </a:extLst>
+              </p:cNvPr>
+              <p:cNvSpPr/>
+              <p:nvPr/>
+            </p:nvSpPr>
+            <p:spPr>
+              <a:xfrm>
+                <a:off x="8605157" y="6139549"/>
+                <a:ext cx="1869738" cy="530204"/>
+              </a:xfrm>
+              <a:prstGeom prst="rect">
+                <a:avLst/>
+              </a:prstGeom>
+            </p:spPr>
+            <p:style>
+              <a:lnRef idx="2">
+                <a:schemeClr val="accent1">
+                  <a:shade val="50000"/>
+                </a:schemeClr>
+              </a:lnRef>
+              <a:fillRef idx="1">
+                <a:schemeClr val="accent1"/>
+              </a:fillRef>
+              <a:effectRef idx="0">
+                <a:schemeClr val="accent1"/>
+              </a:effectRef>
+              <a:fontRef idx="minor">
+                <a:schemeClr val="lt1"/>
+              </a:fontRef>
+            </p:style>
+            <p:txBody>
+              <a:bodyPr rtlCol="0" anchor="ctr"/>
+              <a:lstStyle/>
+              <a:p>
+                <a:pPr algn="ctr"/>
+                <a:r>
+                  <a:rPr lang="en-US" dirty="0"/>
+                  <a:t>MEMORY</a:t>
+                </a:r>
+              </a:p>
+            </p:txBody>
+          </p:sp>
+          <p:sp>
+            <p:nvSpPr>
+              <p:cNvPr id="33" name="Rectangle 32">
+                <a:extLst>
+                  <a:ext uri="{FF2B5EF4-FFF2-40B4-BE49-F238E27FC236}">
+                    <a16:creationId xmlns:a16="http://schemas.microsoft.com/office/drawing/2014/main" id="{39891884-344D-E5AE-5441-87A5484465B6}"/>
+                  </a:ext>
+                </a:extLst>
+              </p:cNvPr>
+              <p:cNvSpPr/>
+              <p:nvPr/>
+            </p:nvSpPr>
+            <p:spPr>
+              <a:xfrm>
+                <a:off x="8605157" y="6738254"/>
+                <a:ext cx="1869738" cy="530204"/>
+              </a:xfrm>
+              <a:prstGeom prst="rect">
+                <a:avLst/>
+              </a:prstGeom>
+            </p:spPr>
+            <p:style>
+              <a:lnRef idx="2">
+                <a:schemeClr val="accent1">
+                  <a:shade val="50000"/>
+                </a:schemeClr>
+              </a:lnRef>
+              <a:fillRef idx="1">
+                <a:schemeClr val="accent1"/>
+              </a:fillRef>
+              <a:effectRef idx="0">
+                <a:schemeClr val="accent1"/>
+              </a:effectRef>
+              <a:fontRef idx="minor">
+                <a:schemeClr val="lt1"/>
+              </a:fontRef>
+            </p:style>
+            <p:txBody>
+              <a:bodyPr rtlCol="0" anchor="ctr"/>
+              <a:lstStyle/>
+              <a:p>
+                <a:pPr algn="ctr"/>
+                <a:r>
+                  <a:rPr lang="en-US" dirty="0"/>
+                  <a:t>POWER</a:t>
+                </a:r>
+              </a:p>
+            </p:txBody>
+          </p:sp>
+        </p:grpSp>
+      </p:grpSp>
+      <p:grpSp>
+        <p:nvGrpSpPr>
+          <p:cNvPr id="51" name="Group 50">
+            <a:extLst>
+              <a:ext uri="{FF2B5EF4-FFF2-40B4-BE49-F238E27FC236}">
+                <a16:creationId xmlns:a16="http://schemas.microsoft.com/office/drawing/2014/main" id="{E61F9BB5-9029-1DD9-50AD-D768075A07DA}"/>
+              </a:ext>
+            </a:extLst>
+          </p:cNvPr>
+          <p:cNvGrpSpPr/>
+          <p:nvPr/>
+        </p:nvGrpSpPr>
+        <p:grpSpPr>
+          <a:xfrm>
+            <a:off x="4310993" y="3823505"/>
+            <a:ext cx="2190969" cy="3441832"/>
+            <a:chOff x="4214813" y="4392498"/>
+            <a:chExt cx="2190969" cy="3441832"/>
+          </a:xfrm>
+        </p:grpSpPr>
+        <p:sp>
+          <p:nvSpPr>
+            <p:cNvPr id="28" name="Rectangle 27">
+              <a:extLst>
+                <a:ext uri="{FF2B5EF4-FFF2-40B4-BE49-F238E27FC236}">
+                  <a16:creationId xmlns:a16="http://schemas.microsoft.com/office/drawing/2014/main" id="{0AC96CA2-4F2F-F6EC-B096-8B99FB63F1B6}"/>
+                </a:ext>
+              </a:extLst>
+            </p:cNvPr>
+            <p:cNvSpPr/>
+            <p:nvPr/>
+          </p:nvSpPr>
+          <p:spPr>
+            <a:xfrm>
+              <a:off x="4214813" y="4392498"/>
+              <a:ext cx="2190969" cy="3441832"/>
+            </a:xfrm>
+            <a:prstGeom prst="rect">
+              <a:avLst/>
+            </a:prstGeom>
+          </p:spPr>
+          <p:style>
+            <a:lnRef idx="2">
+              <a:schemeClr val="accent1"/>
+            </a:lnRef>
+            <a:fillRef idx="1">
+              <a:schemeClr val="lt1"/>
+            </a:fillRef>
+            <a:effectRef idx="0">
+              <a:schemeClr val="accent1"/>
+            </a:effectRef>
+            <a:fontRef idx="minor">
+              <a:schemeClr val="dk1"/>
+            </a:fontRef>
+          </p:style>
+          <p:txBody>
+            <a:bodyPr rtlCol="0" anchor="t"/>
+            <a:lstStyle/>
+            <a:p>
+              <a:pPr algn="ctr"/>
+              <a:r>
+                <a:rPr lang="en-US" dirty="0"/>
+                <a:t>TRUSTED MACHINE</a:t>
+              </a:r>
+            </a:p>
+          </p:txBody>
+        </p:sp>
+        <p:sp>
+          <p:nvSpPr>
+            <p:cNvPr id="9" name="Rectangle 8">
+              <a:extLst>
+                <a:ext uri="{FF2B5EF4-FFF2-40B4-BE49-F238E27FC236}">
+                  <a16:creationId xmlns:a16="http://schemas.microsoft.com/office/drawing/2014/main" id="{63089BAA-2C2D-1AEF-9FA0-CE15FF3505B3}"/>
+                </a:ext>
+              </a:extLst>
+            </p:cNvPr>
+            <p:cNvSpPr/>
+            <p:nvPr/>
+          </p:nvSpPr>
+          <p:spPr>
+            <a:xfrm>
+              <a:off x="4375428" y="6533709"/>
+              <a:ext cx="1869738" cy="530203"/>
+            </a:xfrm>
+            <a:prstGeom prst="rect">
+              <a:avLst/>
+            </a:prstGeom>
+          </p:spPr>
+          <p:style>
+            <a:lnRef idx="2">
+              <a:schemeClr val="accent1">
+                <a:shade val="50000"/>
+              </a:schemeClr>
+            </a:lnRef>
+            <a:fillRef idx="1">
+              <a:schemeClr val="accent1"/>
+            </a:fillRef>
+            <a:effectRef idx="0">
+              <a:schemeClr val="accent1"/>
+            </a:effectRef>
+            <a:fontRef idx="minor">
+              <a:schemeClr val="lt1"/>
+            </a:fontRef>
+          </p:style>
+          <p:txBody>
+            <a:bodyPr rtlCol="0" anchor="ctr"/>
+            <a:lstStyle/>
+            <a:p>
+              <a:pPr algn="ctr"/>
+              <a:r>
+                <a:rPr lang="en-US" dirty="0"/>
+                <a:t>WORKSTATION</a:t>
+              </a:r>
+            </a:p>
+          </p:txBody>
+        </p:sp>
+        <p:sp>
+          <p:nvSpPr>
+            <p:cNvPr id="19" name="Rectangle 18">
+              <a:extLst>
+                <a:ext uri="{FF2B5EF4-FFF2-40B4-BE49-F238E27FC236}">
+                  <a16:creationId xmlns:a16="http://schemas.microsoft.com/office/drawing/2014/main" id="{D71A43DD-8C3D-3E34-A4DE-485F70C78C98}"/>
+                </a:ext>
+              </a:extLst>
+            </p:cNvPr>
+            <p:cNvSpPr/>
+            <p:nvPr/>
+          </p:nvSpPr>
+          <p:spPr>
+            <a:xfrm>
+              <a:off x="4375428" y="5857261"/>
+              <a:ext cx="1869738" cy="530203"/>
+            </a:xfrm>
+            <a:prstGeom prst="rect">
+              <a:avLst/>
+            </a:prstGeom>
+          </p:spPr>
+          <p:style>
+            <a:lnRef idx="2">
+              <a:schemeClr val="accent1">
+                <a:shade val="50000"/>
+              </a:schemeClr>
+            </a:lnRef>
+            <a:fillRef idx="1">
+              <a:schemeClr val="accent1"/>
+            </a:fillRef>
+            <a:effectRef idx="0">
+              <a:schemeClr val="accent1"/>
+            </a:effectRef>
+            <a:fontRef idx="minor">
+              <a:schemeClr val="lt1"/>
+            </a:fontRef>
+          </p:style>
+          <p:txBody>
+            <a:bodyPr rtlCol="0" anchor="ctr"/>
+            <a:lstStyle/>
+            <a:p>
+              <a:pPr algn="ctr"/>
+              <a:r>
+                <a:rPr lang="en-US" dirty="0"/>
+                <a:t>HANDHELD</a:t>
+              </a:r>
+            </a:p>
+          </p:txBody>
+        </p:sp>
+        <p:sp>
+          <p:nvSpPr>
+            <p:cNvPr id="35" name="Rectangle 34">
+              <a:extLst>
+                <a:ext uri="{FF2B5EF4-FFF2-40B4-BE49-F238E27FC236}">
+                  <a16:creationId xmlns:a16="http://schemas.microsoft.com/office/drawing/2014/main" id="{9557BF7F-C987-C419-497A-9B1D6105D0DC}"/>
+                </a:ext>
+              </a:extLst>
+            </p:cNvPr>
+            <p:cNvSpPr/>
+            <p:nvPr/>
+          </p:nvSpPr>
+          <p:spPr>
+            <a:xfrm>
+              <a:off x="4375428" y="5180814"/>
+              <a:ext cx="1869738" cy="530203"/>
+            </a:xfrm>
+            <a:prstGeom prst="rect">
+              <a:avLst/>
+            </a:prstGeom>
+          </p:spPr>
+          <p:style>
+            <a:lnRef idx="2">
+              <a:schemeClr val="accent1">
+                <a:shade val="50000"/>
+              </a:schemeClr>
+            </a:lnRef>
+            <a:fillRef idx="1">
+              <a:schemeClr val="accent1"/>
+            </a:fillRef>
+            <a:effectRef idx="0">
+              <a:schemeClr val="accent1"/>
+            </a:effectRef>
+            <a:fontRef idx="minor">
+              <a:schemeClr val="lt1"/>
+            </a:fontRef>
+          </p:style>
+          <p:txBody>
+            <a:bodyPr rtlCol="0" anchor="ctr"/>
+            <a:lstStyle/>
+            <a:p>
+              <a:pPr algn="ctr"/>
+              <a:r>
+                <a:rPr lang="en-US" dirty="0"/>
+                <a:t>HANDFREE</a:t>
+              </a:r>
+            </a:p>
+          </p:txBody>
+        </p:sp>
+      </p:grpSp>
+      <p:cxnSp>
+        <p:nvCxnSpPr>
+          <p:cNvPr id="37" name="Straight Connector 36">
+            <a:extLst>
+              <a:ext uri="{FF2B5EF4-FFF2-40B4-BE49-F238E27FC236}">
+                <a16:creationId xmlns:a16="http://schemas.microsoft.com/office/drawing/2014/main" id="{8D3215F5-5288-F56C-D10A-BF609B121E03}"/>
+              </a:ext>
+            </a:extLst>
+          </p:cNvPr>
+          <p:cNvCxnSpPr>
+            <a:stCxn id="17" idx="2"/>
+            <a:endCxn id="28" idx="0"/>
+          </p:cNvCxnSpPr>
+          <p:nvPr/>
+        </p:nvCxnSpPr>
+        <p:spPr>
+          <a:xfrm>
+            <a:off x="5406478" y="3375994"/>
+            <a:ext cx="0" cy="447511"/>
+          </a:xfrm>
+          <a:prstGeom prst="line">
+            <a:avLst/>
+          </a:prstGeom>
+          <a:ln w="38100"/>
+        </p:spPr>
+        <p:style>
+          <a:lnRef idx="3">
+            <a:schemeClr val="accent1"/>
+          </a:lnRef>
+          <a:fillRef idx="0">
             <a:schemeClr val="accent1"/>
           </a:fillRef>
-          <a:effectRef idx="0">
+          <a:effectRef idx="2">
             <a:schemeClr val="accent1"/>
           </a:effectRef>
           <a:fontRef idx="minor">
-            <a:schemeClr val="lt1"/>
+            <a:schemeClr val="tx1"/>
           </a:fontRef>
         </p:style>
-        <p:txBody>
-          <a:bodyPr rtlCol="0" anchor="ctr"/>
-          <a:lstStyle/>
-          <a:p>
-            <a:pPr algn="ctr"/>
-            <a:r>
-              <a:rPr lang="en-US" sz="1200" dirty="0"/>
-              <a:t>INTERNET</a:t>
-            </a:r>
-          </a:p>
-        </p:txBody>
-      </p:sp>
-      <p:sp>
-        <p:nvSpPr>
-          <p:cNvPr id="19" name="Rectangle 18">
+      </p:cxnSp>
+      <p:cxnSp>
+        <p:nvCxnSpPr>
+          <p:cNvPr id="38" name="Straight Connector 37">
             <a:extLst>
               <a:ext uri="{FF2B5EF4-FFF2-40B4-BE49-F238E27FC236}">
-                <a16:creationId xmlns:a16="http://schemas.microsoft.com/office/drawing/2014/main" id="{D71A43DD-8C3D-3E34-A4DE-485F70C78C98}"/>
+                <a16:creationId xmlns:a16="http://schemas.microsoft.com/office/drawing/2014/main" id="{EA5EA0DC-6BD2-552A-BB83-6DE3A574539B}"/>
               </a:ext>
             </a:extLst>
           </p:cNvPr>
-          <p:cNvSpPr/>
+          <p:cNvCxnSpPr>
+            <a:cxnSpLocks/>
+            <a:stCxn id="28" idx="3"/>
+            <a:endCxn id="11" idx="1"/>
+          </p:cNvCxnSpPr>
           <p:nvPr/>
-        </p:nvSpPr>
+        </p:nvCxnSpPr>
         <p:spPr>
           <a:xfrm>
-            <a:off x="3428223" y="3319365"/>
-            <a:ext cx="1466461" cy="914400"/>
+            <a:off x="6501962" y="5544421"/>
+            <a:ext cx="541776" cy="1"/>
           </a:xfrm>
-          <a:prstGeom prst="rect">
+          <a:prstGeom prst="line">
             <a:avLst/>
           </a:prstGeom>
+          <a:ln w="38100"/>
         </p:spPr>
         <p:style>
-          <a:lnRef idx="2">
-            <a:schemeClr val="accent1">
-              <a:shade val="50000"/>
-            </a:schemeClr>
+          <a:lnRef idx="3">
+            <a:schemeClr val="accent1"/>
           </a:lnRef>
-          <a:fillRef idx="1">
+          <a:fillRef idx="0">
             <a:schemeClr val="accent1"/>
           </a:fillRef>
-          <a:effectRef idx="0">
+          <a:effectRef idx="2">
             <a:schemeClr val="accent1"/>
           </a:effectRef>
           <a:fontRef idx="minor">
-            <a:schemeClr val="lt1"/>
+            <a:schemeClr val="tx1"/>
           </a:fontRef>
         </p:style>
-        <p:txBody>
-          <a:bodyPr rtlCol="0" anchor="ctr"/>
-          <a:lstStyle/>
-          <a:p>
-            <a:pPr algn="ctr"/>
-            <a:r>
-              <a:rPr lang="en-US" dirty="0"/>
-              <a:t>HANDHELD</a:t>
-            </a:r>
-          </a:p>
-          <a:p>
-            <a:pPr algn="ctr"/>
-            <a:r>
-              <a:rPr lang="en-US" dirty="0"/>
-              <a:t>COMPUTER</a:t>
-            </a:r>
-          </a:p>
-        </p:txBody>
-      </p:sp>
+      </p:cxnSp>
+      <p:cxnSp>
+        <p:nvCxnSpPr>
+          <p:cNvPr id="41" name="Straight Connector 40">
+            <a:extLst>
+              <a:ext uri="{FF2B5EF4-FFF2-40B4-BE49-F238E27FC236}">
+                <a16:creationId xmlns:a16="http://schemas.microsoft.com/office/drawing/2014/main" id="{586718D5-8F5E-677D-684D-003E046CEBB0}"/>
+              </a:ext>
+            </a:extLst>
+          </p:cNvPr>
+          <p:cNvCxnSpPr>
+            <a:cxnSpLocks/>
+            <a:stCxn id="11" idx="3"/>
+            <a:endCxn id="30" idx="1"/>
+          </p:cNvCxnSpPr>
+          <p:nvPr/>
+        </p:nvCxnSpPr>
+        <p:spPr>
+          <a:xfrm flipV="1">
+            <a:off x="8501063" y="5544421"/>
+            <a:ext cx="541776" cy="1"/>
+          </a:xfrm>
+          <a:prstGeom prst="line">
+            <a:avLst/>
+          </a:prstGeom>
+          <a:ln w="38100"/>
+        </p:spPr>
+        <p:style>
+          <a:lnRef idx="3">
+            <a:schemeClr val="accent1"/>
+          </a:lnRef>
+          <a:fillRef idx="0">
+            <a:schemeClr val="accent1"/>
+          </a:fillRef>
+          <a:effectRef idx="2">
+            <a:schemeClr val="accent1"/>
+          </a:effectRef>
+          <a:fontRef idx="minor">
+            <a:schemeClr val="tx1"/>
+          </a:fontRef>
+        </p:style>
+      </p:cxnSp>
+      <p:grpSp>
+        <p:nvGrpSpPr>
+          <p:cNvPr id="53" name="Group 52">
+            <a:extLst>
+              <a:ext uri="{FF2B5EF4-FFF2-40B4-BE49-F238E27FC236}">
+                <a16:creationId xmlns:a16="http://schemas.microsoft.com/office/drawing/2014/main" id="{CD9A674E-F70B-E713-DA30-1FB19C061E6C}"/>
+              </a:ext>
+            </a:extLst>
+          </p:cNvPr>
+          <p:cNvGrpSpPr/>
+          <p:nvPr/>
+        </p:nvGrpSpPr>
+        <p:grpSpPr>
+          <a:xfrm>
+            <a:off x="11775583" y="3823505"/>
+            <a:ext cx="2190969" cy="3441832"/>
+            <a:chOff x="11492053" y="4392498"/>
+            <a:chExt cx="2190969" cy="3441832"/>
+          </a:xfrm>
+        </p:grpSpPr>
+        <p:sp>
+          <p:nvSpPr>
+            <p:cNvPr id="46" name="Rectangle 45">
+              <a:extLst>
+                <a:ext uri="{FF2B5EF4-FFF2-40B4-BE49-F238E27FC236}">
+                  <a16:creationId xmlns:a16="http://schemas.microsoft.com/office/drawing/2014/main" id="{61609485-FEBA-209E-B8D4-B8769C726CD8}"/>
+                </a:ext>
+              </a:extLst>
+            </p:cNvPr>
+            <p:cNvSpPr/>
+            <p:nvPr/>
+          </p:nvSpPr>
+          <p:spPr>
+            <a:xfrm>
+              <a:off x="11492053" y="4392498"/>
+              <a:ext cx="2190969" cy="3441832"/>
+            </a:xfrm>
+            <a:prstGeom prst="rect">
+              <a:avLst/>
+            </a:prstGeom>
+          </p:spPr>
+          <p:style>
+            <a:lnRef idx="2">
+              <a:schemeClr val="accent1"/>
+            </a:lnRef>
+            <a:fillRef idx="1">
+              <a:schemeClr val="lt1"/>
+            </a:fillRef>
+            <a:effectRef idx="0">
+              <a:schemeClr val="accent1"/>
+            </a:effectRef>
+            <a:fontRef idx="minor">
+              <a:schemeClr val="dk1"/>
+            </a:fontRef>
+          </p:style>
+          <p:txBody>
+            <a:bodyPr rtlCol="0" anchor="t"/>
+            <a:lstStyle/>
+            <a:p>
+              <a:pPr algn="ctr"/>
+              <a:r>
+                <a:rPr lang="en-US" dirty="0"/>
+                <a:t>MACHINE INTERFACE</a:t>
+              </a:r>
+            </a:p>
+          </p:txBody>
+        </p:sp>
+        <p:grpSp>
+          <p:nvGrpSpPr>
+            <p:cNvPr id="47" name="Group 46">
+              <a:extLst>
+                <a:ext uri="{FF2B5EF4-FFF2-40B4-BE49-F238E27FC236}">
+                  <a16:creationId xmlns:a16="http://schemas.microsoft.com/office/drawing/2014/main" id="{C4AF90CF-F751-2BC9-4E11-B9EC9A198AA2}"/>
+                </a:ext>
+              </a:extLst>
+            </p:cNvPr>
+            <p:cNvGrpSpPr/>
+            <p:nvPr/>
+          </p:nvGrpSpPr>
+          <p:grpSpPr>
+            <a:xfrm>
+              <a:off x="11858875" y="5078414"/>
+              <a:ext cx="1457325" cy="2070001"/>
+              <a:chOff x="11945608" y="5199362"/>
+              <a:chExt cx="1457325" cy="2070001"/>
+            </a:xfrm>
+          </p:grpSpPr>
+          <p:sp>
+            <p:nvSpPr>
+              <p:cNvPr id="14" name="Rectangle 13">
+                <a:extLst>
+                  <a:ext uri="{FF2B5EF4-FFF2-40B4-BE49-F238E27FC236}">
+                    <a16:creationId xmlns:a16="http://schemas.microsoft.com/office/drawing/2014/main" id="{9B17C1B5-3244-85EE-B613-1B30F6CB06AD}"/>
+                  </a:ext>
+                </a:extLst>
+              </p:cNvPr>
+              <p:cNvSpPr/>
+              <p:nvPr/>
+            </p:nvSpPr>
+            <p:spPr>
+              <a:xfrm>
+                <a:off x="11945608" y="5942898"/>
+                <a:ext cx="1457325" cy="582930"/>
+              </a:xfrm>
+              <a:prstGeom prst="rect">
+                <a:avLst/>
+              </a:prstGeom>
+            </p:spPr>
+            <p:style>
+              <a:lnRef idx="2">
+                <a:schemeClr val="accent1">
+                  <a:shade val="50000"/>
+                </a:schemeClr>
+              </a:lnRef>
+              <a:fillRef idx="1">
+                <a:schemeClr val="accent1"/>
+              </a:fillRef>
+              <a:effectRef idx="0">
+                <a:schemeClr val="accent1"/>
+              </a:effectRef>
+              <a:fontRef idx="minor">
+                <a:schemeClr val="lt1"/>
+              </a:fontRef>
+            </p:style>
+            <p:txBody>
+              <a:bodyPr rtlCol="0" anchor="ctr"/>
+              <a:lstStyle/>
+              <a:p>
+                <a:pPr algn="ctr"/>
+                <a:r>
+                  <a:rPr lang="en-US" sz="1530" dirty="0"/>
+                  <a:t>FACILITY POWER</a:t>
+                </a:r>
+              </a:p>
+            </p:txBody>
+          </p:sp>
+          <p:sp>
+            <p:nvSpPr>
+              <p:cNvPr id="15" name="Rectangle 14">
+                <a:extLst>
+                  <a:ext uri="{FF2B5EF4-FFF2-40B4-BE49-F238E27FC236}">
+                    <a16:creationId xmlns:a16="http://schemas.microsoft.com/office/drawing/2014/main" id="{B8EE80CD-60EF-661A-5497-5FA949F8E078}"/>
+                  </a:ext>
+                </a:extLst>
+              </p:cNvPr>
+              <p:cNvSpPr/>
+              <p:nvPr/>
+            </p:nvSpPr>
+            <p:spPr>
+              <a:xfrm>
+                <a:off x="11945608" y="6686433"/>
+                <a:ext cx="1457325" cy="582930"/>
+              </a:xfrm>
+              <a:prstGeom prst="rect">
+                <a:avLst/>
+              </a:prstGeom>
+            </p:spPr>
+            <p:style>
+              <a:lnRef idx="2">
+                <a:schemeClr val="accent1">
+                  <a:shade val="50000"/>
+                </a:schemeClr>
+              </a:lnRef>
+              <a:fillRef idx="1">
+                <a:schemeClr val="accent1"/>
+              </a:fillRef>
+              <a:effectRef idx="0">
+                <a:schemeClr val="accent1"/>
+              </a:effectRef>
+              <a:fontRef idx="minor">
+                <a:schemeClr val="lt1"/>
+              </a:fontRef>
+            </p:style>
+            <p:txBody>
+              <a:bodyPr rtlCol="0" anchor="ctr"/>
+              <a:lstStyle/>
+              <a:p>
+                <a:pPr algn="ctr"/>
+                <a:r>
+                  <a:rPr lang="en-US" sz="1530" dirty="0"/>
+                  <a:t>COMPUTER CHASSIS</a:t>
+                </a:r>
+              </a:p>
+            </p:txBody>
+          </p:sp>
+          <p:sp>
+            <p:nvSpPr>
+              <p:cNvPr id="16" name="Rectangle 15">
+                <a:extLst>
+                  <a:ext uri="{FF2B5EF4-FFF2-40B4-BE49-F238E27FC236}">
+                    <a16:creationId xmlns:a16="http://schemas.microsoft.com/office/drawing/2014/main" id="{22684361-42F1-D38C-E2E2-FF22E351C5D7}"/>
+                  </a:ext>
+                </a:extLst>
+              </p:cNvPr>
+              <p:cNvSpPr/>
+              <p:nvPr/>
+            </p:nvSpPr>
+            <p:spPr>
+              <a:xfrm>
+                <a:off x="11945608" y="5199362"/>
+                <a:ext cx="1457325" cy="582930"/>
+              </a:xfrm>
+              <a:prstGeom prst="rect">
+                <a:avLst/>
+              </a:prstGeom>
+            </p:spPr>
+            <p:style>
+              <a:lnRef idx="2">
+                <a:schemeClr val="accent1">
+                  <a:shade val="50000"/>
+                </a:schemeClr>
+              </a:lnRef>
+              <a:fillRef idx="1">
+                <a:schemeClr val="accent1"/>
+              </a:fillRef>
+              <a:effectRef idx="0">
+                <a:schemeClr val="accent1"/>
+              </a:effectRef>
+              <a:fontRef idx="minor">
+                <a:schemeClr val="lt1"/>
+              </a:fontRef>
+            </p:style>
+            <p:txBody>
+              <a:bodyPr rtlCol="0" anchor="ctr"/>
+              <a:lstStyle/>
+              <a:p>
+                <a:pPr algn="ctr"/>
+                <a:r>
+                  <a:rPr lang="en-US" sz="1530" dirty="0"/>
+                  <a:t>COOLING</a:t>
+                </a:r>
+                <a:br>
+                  <a:rPr lang="en-US" sz="1530" dirty="0"/>
+                </a:br>
+                <a:r>
+                  <a:rPr lang="en-US" sz="1530" dirty="0"/>
+                  <a:t>SYSTEM</a:t>
+                </a:r>
+              </a:p>
+            </p:txBody>
+          </p:sp>
+        </p:grpSp>
+      </p:grpSp>
+      <p:grpSp>
+        <p:nvGrpSpPr>
+          <p:cNvPr id="50" name="Group 49">
+            <a:extLst>
+              <a:ext uri="{FF2B5EF4-FFF2-40B4-BE49-F238E27FC236}">
+                <a16:creationId xmlns:a16="http://schemas.microsoft.com/office/drawing/2014/main" id="{E48E6260-29C5-88E9-3142-84AC8AC952CB}"/>
+              </a:ext>
+            </a:extLst>
+          </p:cNvPr>
+          <p:cNvGrpSpPr/>
+          <p:nvPr/>
+        </p:nvGrpSpPr>
+        <p:grpSpPr>
+          <a:xfrm>
+            <a:off x="1578248" y="3823505"/>
+            <a:ext cx="2190969" cy="3441832"/>
+            <a:chOff x="1294718" y="4392498"/>
+            <a:chExt cx="2190969" cy="3441832"/>
+          </a:xfrm>
+        </p:grpSpPr>
+        <p:sp>
+          <p:nvSpPr>
+            <p:cNvPr id="45" name="Rectangle 44">
+              <a:extLst>
+                <a:ext uri="{FF2B5EF4-FFF2-40B4-BE49-F238E27FC236}">
+                  <a16:creationId xmlns:a16="http://schemas.microsoft.com/office/drawing/2014/main" id="{393FE101-9071-BD2E-DFE1-4B15C983B43C}"/>
+                </a:ext>
+              </a:extLst>
+            </p:cNvPr>
+            <p:cNvSpPr/>
+            <p:nvPr/>
+          </p:nvSpPr>
+          <p:spPr>
+            <a:xfrm>
+              <a:off x="1294718" y="4392498"/>
+              <a:ext cx="2190969" cy="3441832"/>
+            </a:xfrm>
+            <a:prstGeom prst="rect">
+              <a:avLst/>
+            </a:prstGeom>
+          </p:spPr>
+          <p:style>
+            <a:lnRef idx="2">
+              <a:schemeClr val="accent1"/>
+            </a:lnRef>
+            <a:fillRef idx="1">
+              <a:schemeClr val="lt1"/>
+            </a:fillRef>
+            <a:effectRef idx="0">
+              <a:schemeClr val="accent1"/>
+            </a:effectRef>
+            <a:fontRef idx="minor">
+              <a:schemeClr val="dk1"/>
+            </a:fontRef>
+          </p:style>
+          <p:txBody>
+            <a:bodyPr rtlCol="0" anchor="t"/>
+            <a:lstStyle/>
+            <a:p>
+              <a:pPr algn="ctr"/>
+              <a:r>
+                <a:rPr lang="en-US" dirty="0"/>
+                <a:t>USER INTERFACE</a:t>
+              </a:r>
+            </a:p>
+          </p:txBody>
+        </p:sp>
+        <p:grpSp>
+          <p:nvGrpSpPr>
+            <p:cNvPr id="49" name="Group 48">
+              <a:extLst>
+                <a:ext uri="{FF2B5EF4-FFF2-40B4-BE49-F238E27FC236}">
+                  <a16:creationId xmlns:a16="http://schemas.microsoft.com/office/drawing/2014/main" id="{FCECDFD5-3A4C-A3F0-FD5C-C61D8B1336BD}"/>
+                </a:ext>
+              </a:extLst>
+            </p:cNvPr>
+            <p:cNvGrpSpPr/>
+            <p:nvPr/>
+          </p:nvGrpSpPr>
+          <p:grpSpPr>
+            <a:xfrm>
+              <a:off x="1661540" y="4942142"/>
+              <a:ext cx="1457325" cy="2657197"/>
+              <a:chOff x="1661540" y="4942142"/>
+              <a:chExt cx="1457325" cy="2657197"/>
+            </a:xfrm>
+          </p:grpSpPr>
+          <p:sp>
+            <p:nvSpPr>
+              <p:cNvPr id="5" name="Rectangle 4">
+                <a:extLst>
+                  <a:ext uri="{FF2B5EF4-FFF2-40B4-BE49-F238E27FC236}">
+                    <a16:creationId xmlns:a16="http://schemas.microsoft.com/office/drawing/2014/main" id="{31541414-07A2-1DF6-F4CB-4E687C703521}"/>
+                  </a:ext>
+                </a:extLst>
+              </p:cNvPr>
+              <p:cNvSpPr/>
+              <p:nvPr/>
+            </p:nvSpPr>
+            <p:spPr>
+              <a:xfrm>
+                <a:off x="1661540" y="5633564"/>
+                <a:ext cx="1457325" cy="582930"/>
+              </a:xfrm>
+              <a:prstGeom prst="rect">
+                <a:avLst/>
+              </a:prstGeom>
+            </p:spPr>
+            <p:style>
+              <a:lnRef idx="2">
+                <a:schemeClr val="accent1">
+                  <a:shade val="50000"/>
+                </a:schemeClr>
+              </a:lnRef>
+              <a:fillRef idx="1">
+                <a:schemeClr val="accent1"/>
+              </a:fillRef>
+              <a:effectRef idx="0">
+                <a:schemeClr val="accent1"/>
+              </a:effectRef>
+              <a:fontRef idx="minor">
+                <a:schemeClr val="lt1"/>
+              </a:fontRef>
+            </p:style>
+            <p:txBody>
+              <a:bodyPr rtlCol="0" anchor="ctr"/>
+              <a:lstStyle/>
+              <a:p>
+                <a:pPr algn="ctr"/>
+                <a:r>
+                  <a:rPr lang="en-US" sz="1530" dirty="0"/>
+                  <a:t>KEYBOARD</a:t>
+                </a:r>
+              </a:p>
+            </p:txBody>
+          </p:sp>
+          <p:sp>
+            <p:nvSpPr>
+              <p:cNvPr id="6" name="Rectangle 5">
+                <a:extLst>
+                  <a:ext uri="{FF2B5EF4-FFF2-40B4-BE49-F238E27FC236}">
+                    <a16:creationId xmlns:a16="http://schemas.microsoft.com/office/drawing/2014/main" id="{C03E9108-634F-DC5F-4C36-D334476B97D1}"/>
+                  </a:ext>
+                </a:extLst>
+              </p:cNvPr>
+              <p:cNvSpPr/>
+              <p:nvPr/>
+            </p:nvSpPr>
+            <p:spPr>
+              <a:xfrm>
+                <a:off x="1661540" y="6324986"/>
+                <a:ext cx="1457325" cy="582930"/>
+              </a:xfrm>
+              <a:prstGeom prst="rect">
+                <a:avLst/>
+              </a:prstGeom>
+            </p:spPr>
+            <p:style>
+              <a:lnRef idx="2">
+                <a:schemeClr val="accent1">
+                  <a:shade val="50000"/>
+                </a:schemeClr>
+              </a:lnRef>
+              <a:fillRef idx="1">
+                <a:schemeClr val="accent1"/>
+              </a:fillRef>
+              <a:effectRef idx="0">
+                <a:schemeClr val="accent1"/>
+              </a:effectRef>
+              <a:fontRef idx="minor">
+                <a:schemeClr val="lt1"/>
+              </a:fontRef>
+            </p:style>
+            <p:txBody>
+              <a:bodyPr rtlCol="0" anchor="ctr"/>
+              <a:lstStyle/>
+              <a:p>
+                <a:pPr algn="ctr"/>
+                <a:r>
+                  <a:rPr lang="en-US" sz="1530" dirty="0"/>
+                  <a:t>MICROPHONE</a:t>
+                </a:r>
+              </a:p>
+            </p:txBody>
+          </p:sp>
+          <p:sp>
+            <p:nvSpPr>
+              <p:cNvPr id="7" name="Rectangle 6">
+                <a:extLst>
+                  <a:ext uri="{FF2B5EF4-FFF2-40B4-BE49-F238E27FC236}">
+                    <a16:creationId xmlns:a16="http://schemas.microsoft.com/office/drawing/2014/main" id="{BAE36925-C7C6-933D-C408-64AB6B63DB8E}"/>
+                  </a:ext>
+                </a:extLst>
+              </p:cNvPr>
+              <p:cNvSpPr/>
+              <p:nvPr/>
+            </p:nvSpPr>
+            <p:spPr>
+              <a:xfrm>
+                <a:off x="1661540" y="7016409"/>
+                <a:ext cx="1457325" cy="582930"/>
+              </a:xfrm>
+              <a:prstGeom prst="rect">
+                <a:avLst/>
+              </a:prstGeom>
+            </p:spPr>
+            <p:style>
+              <a:lnRef idx="2">
+                <a:schemeClr val="accent1">
+                  <a:shade val="50000"/>
+                </a:schemeClr>
+              </a:lnRef>
+              <a:fillRef idx="1">
+                <a:schemeClr val="accent1"/>
+              </a:fillRef>
+              <a:effectRef idx="0">
+                <a:schemeClr val="accent1"/>
+              </a:effectRef>
+              <a:fontRef idx="minor">
+                <a:schemeClr val="lt1"/>
+              </a:fontRef>
+            </p:style>
+            <p:txBody>
+              <a:bodyPr rtlCol="0" anchor="ctr"/>
+              <a:lstStyle/>
+              <a:p>
+                <a:pPr algn="ctr"/>
+                <a:r>
+                  <a:rPr lang="en-US" sz="1530" dirty="0"/>
+                  <a:t>MOUSE</a:t>
+                </a:r>
+              </a:p>
+            </p:txBody>
+          </p:sp>
+          <p:sp>
+            <p:nvSpPr>
+              <p:cNvPr id="10" name="Rectangle 9">
+                <a:extLst>
+                  <a:ext uri="{FF2B5EF4-FFF2-40B4-BE49-F238E27FC236}">
+                    <a16:creationId xmlns:a16="http://schemas.microsoft.com/office/drawing/2014/main" id="{F826A606-61FF-7AFB-FC64-D6427F9B7FA0}"/>
+                  </a:ext>
+                </a:extLst>
+              </p:cNvPr>
+              <p:cNvSpPr/>
+              <p:nvPr/>
+            </p:nvSpPr>
+            <p:spPr>
+              <a:xfrm>
+                <a:off x="1661540" y="4942142"/>
+                <a:ext cx="1457325" cy="582930"/>
+              </a:xfrm>
+              <a:prstGeom prst="rect">
+                <a:avLst/>
+              </a:prstGeom>
+            </p:spPr>
+            <p:style>
+              <a:lnRef idx="2">
+                <a:schemeClr val="accent1">
+                  <a:shade val="50000"/>
+                </a:schemeClr>
+              </a:lnRef>
+              <a:fillRef idx="1">
+                <a:schemeClr val="accent1"/>
+              </a:fillRef>
+              <a:effectRef idx="0">
+                <a:schemeClr val="accent1"/>
+              </a:effectRef>
+              <a:fontRef idx="minor">
+                <a:schemeClr val="lt1"/>
+              </a:fontRef>
+            </p:style>
+            <p:txBody>
+              <a:bodyPr rtlCol="0" anchor="ctr"/>
+              <a:lstStyle/>
+              <a:p>
+                <a:pPr algn="ctr"/>
+                <a:r>
+                  <a:rPr lang="en-US" sz="1530" dirty="0"/>
+                  <a:t>DISPLAY</a:t>
+                </a:r>
+              </a:p>
+            </p:txBody>
+          </p:sp>
+        </p:grpSp>
+      </p:grpSp>
+      <p:cxnSp>
+        <p:nvCxnSpPr>
+          <p:cNvPr id="54" name="Straight Connector 53">
+            <a:extLst>
+              <a:ext uri="{FF2B5EF4-FFF2-40B4-BE49-F238E27FC236}">
+                <a16:creationId xmlns:a16="http://schemas.microsoft.com/office/drawing/2014/main" id="{1B740C9E-C8C9-8226-FEAC-E16938CFBA0B}"/>
+              </a:ext>
+            </a:extLst>
+          </p:cNvPr>
+          <p:cNvCxnSpPr>
+            <a:cxnSpLocks/>
+            <a:stCxn id="45" idx="3"/>
+            <a:endCxn id="28" idx="1"/>
+          </p:cNvCxnSpPr>
+          <p:nvPr/>
+        </p:nvCxnSpPr>
+        <p:spPr>
+          <a:xfrm>
+            <a:off x="3769217" y="5544421"/>
+            <a:ext cx="541776" cy="0"/>
+          </a:xfrm>
+          <a:prstGeom prst="line">
+            <a:avLst/>
+          </a:prstGeom>
+          <a:ln w="38100"/>
+        </p:spPr>
+        <p:style>
+          <a:lnRef idx="3">
+            <a:schemeClr val="accent1"/>
+          </a:lnRef>
+          <a:fillRef idx="0">
+            <a:schemeClr val="accent1"/>
+          </a:fillRef>
+          <a:effectRef idx="2">
+            <a:schemeClr val="accent1"/>
+          </a:effectRef>
+          <a:fontRef idx="minor">
+            <a:schemeClr val="tx1"/>
+          </a:fontRef>
+        </p:style>
+      </p:cxnSp>
+      <p:cxnSp>
+        <p:nvCxnSpPr>
+          <p:cNvPr id="57" name="Straight Connector 56">
+            <a:extLst>
+              <a:ext uri="{FF2B5EF4-FFF2-40B4-BE49-F238E27FC236}">
+                <a16:creationId xmlns:a16="http://schemas.microsoft.com/office/drawing/2014/main" id="{F8AA9DCB-73AF-1BDB-A6A9-0778BE0DBE5E}"/>
+              </a:ext>
+            </a:extLst>
+          </p:cNvPr>
+          <p:cNvCxnSpPr>
+            <a:cxnSpLocks/>
+            <a:stCxn id="30" idx="3"/>
+            <a:endCxn id="46" idx="1"/>
+          </p:cNvCxnSpPr>
+          <p:nvPr/>
+        </p:nvCxnSpPr>
+        <p:spPr>
+          <a:xfrm>
+            <a:off x="11233808" y="5544421"/>
+            <a:ext cx="541775" cy="0"/>
+          </a:xfrm>
+          <a:prstGeom prst="line">
+            <a:avLst/>
+          </a:prstGeom>
+          <a:ln w="38100"/>
+        </p:spPr>
+        <p:style>
+          <a:lnRef idx="3">
+            <a:schemeClr val="accent1"/>
+          </a:lnRef>
+          <a:fillRef idx="0">
+            <a:schemeClr val="accent1"/>
+          </a:fillRef>
+          <a:effectRef idx="2">
+            <a:schemeClr val="accent1"/>
+          </a:effectRef>
+          <a:fontRef idx="minor">
+            <a:schemeClr val="tx1"/>
+          </a:fontRef>
+        </p:style>
+      </p:cxnSp>
     </p:spTree>
     <p:extLst>
       <p:ext uri="{BB962C8B-B14F-4D97-AF65-F5344CB8AC3E}">
@@ -3993,35 +4768,1051 @@
           <a:chExt cx="0" cy="0"/>
         </a:xfrm>
       </p:grpSpPr>
-      <p:sp>
-        <p:nvSpPr>
-          <p:cNvPr id="2" name="Title 1">
+      <p:grpSp>
+        <p:nvGrpSpPr>
+          <p:cNvPr id="2" name="Group 1">
             <a:extLst>
               <a:ext uri="{FF2B5EF4-FFF2-40B4-BE49-F238E27FC236}">
-                <a16:creationId xmlns:a16="http://schemas.microsoft.com/office/drawing/2014/main" id="{F857A2D6-903F-C39E-CEF1-A9275F13ABEE}"/>
+                <a16:creationId xmlns:a16="http://schemas.microsoft.com/office/drawing/2014/main" id="{307A69BD-A274-3E20-1CAA-EE8D2894C64B}"/>
               </a:ext>
             </a:extLst>
           </p:cNvPr>
-          <p:cNvSpPr>
-            <a:spLocks noGrp="1"/>
-          </p:cNvSpPr>
-          <p:nvPr>
-            <p:ph type="title"/>
-          </p:nvPr>
-        </p:nvSpPr>
-        <p:spPr/>
-        <p:txBody>
-          <a:bodyPr/>
+          <p:cNvGrpSpPr/>
+          <p:nvPr/>
+        </p:nvGrpSpPr>
+        <p:grpSpPr>
+          <a:xfrm>
+            <a:off x="114300" y="114300"/>
+            <a:ext cx="15316200" cy="9829800"/>
+            <a:chOff x="114300" y="114300"/>
+            <a:chExt cx="15316200" cy="9829800"/>
+          </a:xfrm>
+        </p:grpSpPr>
+        <p:sp>
+          <p:nvSpPr>
+            <p:cNvPr id="3" name="Rectangle 2">
+              <a:extLst>
+                <a:ext uri="{FF2B5EF4-FFF2-40B4-BE49-F238E27FC236}">
+                  <a16:creationId xmlns:a16="http://schemas.microsoft.com/office/drawing/2014/main" id="{BEC105A0-258B-0D57-0A29-A91DDCBE55AE}"/>
+                </a:ext>
+              </a:extLst>
+            </p:cNvPr>
+            <p:cNvSpPr/>
+            <p:nvPr/>
+          </p:nvSpPr>
+          <p:spPr>
+            <a:xfrm>
+              <a:off x="114300" y="114300"/>
+              <a:ext cx="15316200" cy="9829800"/>
+            </a:xfrm>
+            <a:prstGeom prst="rect">
+              <a:avLst/>
+            </a:prstGeom>
+            <a:noFill/>
+          </p:spPr>
+          <p:style>
+            <a:lnRef idx="2">
+              <a:schemeClr val="dk1"/>
+            </a:lnRef>
+            <a:fillRef idx="1">
+              <a:schemeClr val="lt1"/>
+            </a:fillRef>
+            <a:effectRef idx="0">
+              <a:schemeClr val="dk1"/>
+            </a:effectRef>
+            <a:fontRef idx="minor">
+              <a:schemeClr val="dk1"/>
+            </a:fontRef>
+          </p:style>
+          <p:txBody>
+            <a:bodyPr rtlCol="0" anchor="ctr"/>
+            <a:lstStyle/>
+            <a:p>
+              <a:pPr algn="ctr"/>
+              <a:endParaRPr lang="en-US"/>
+            </a:p>
+          </p:txBody>
+        </p:sp>
+        <p:grpSp>
+          <p:nvGrpSpPr>
+            <p:cNvPr id="8" name="Group 7">
+              <a:extLst>
+                <a:ext uri="{FF2B5EF4-FFF2-40B4-BE49-F238E27FC236}">
+                  <a16:creationId xmlns:a16="http://schemas.microsoft.com/office/drawing/2014/main" id="{0F246AAA-3BEC-A382-632E-F05E1EA8697B}"/>
+                </a:ext>
+              </a:extLst>
+            </p:cNvPr>
+            <p:cNvGrpSpPr/>
+            <p:nvPr/>
+          </p:nvGrpSpPr>
+          <p:grpSpPr>
+            <a:xfrm>
+              <a:off x="11772900" y="8481060"/>
+              <a:ext cx="3657600" cy="1463040"/>
+              <a:chOff x="11772900" y="8481060"/>
+              <a:chExt cx="3657600" cy="1463040"/>
+            </a:xfrm>
+          </p:grpSpPr>
+          <p:sp>
+            <p:nvSpPr>
+              <p:cNvPr id="13" name="Rectangle 12">
+                <a:extLst>
+                  <a:ext uri="{FF2B5EF4-FFF2-40B4-BE49-F238E27FC236}">
+                    <a16:creationId xmlns:a16="http://schemas.microsoft.com/office/drawing/2014/main" id="{3583C912-2477-CF17-1AE4-503ED1C20B68}"/>
+                  </a:ext>
+                </a:extLst>
+              </p:cNvPr>
+              <p:cNvSpPr/>
+              <p:nvPr/>
+            </p:nvSpPr>
+            <p:spPr>
+              <a:xfrm>
+                <a:off x="11772900" y="9029700"/>
+                <a:ext cx="3657600" cy="914400"/>
+              </a:xfrm>
+              <a:prstGeom prst="rect">
+                <a:avLst/>
+              </a:prstGeom>
+            </p:spPr>
+            <p:style>
+              <a:lnRef idx="2">
+                <a:schemeClr val="dk1"/>
+              </a:lnRef>
+              <a:fillRef idx="1">
+                <a:schemeClr val="lt1"/>
+              </a:fillRef>
+              <a:effectRef idx="0">
+                <a:schemeClr val="dk1"/>
+              </a:effectRef>
+              <a:fontRef idx="minor">
+                <a:schemeClr val="dk1"/>
+              </a:fontRef>
+            </p:style>
+            <p:txBody>
+              <a:bodyPr rtlCol="0" anchor="ctr"/>
+              <a:lstStyle/>
+              <a:p>
+                <a:r>
+                  <a:rPr lang="en-US" dirty="0"/>
+                  <a:t>GENERAL SPECIFICATIONS</a:t>
+                </a:r>
+              </a:p>
+              <a:p>
+                <a:r>
+                  <a:rPr lang="en-US" dirty="0"/>
+                  <a:t>LOCAL COMPUTING MACHINE</a:t>
+                </a:r>
+              </a:p>
+              <a:p>
+                <a:r>
+                  <a:rPr lang="en-US" dirty="0"/>
+                  <a:t>AI ENABLED CAD PROJECT</a:t>
+                </a:r>
+              </a:p>
+            </p:txBody>
+          </p:sp>
+          <p:grpSp>
+            <p:nvGrpSpPr>
+              <p:cNvPr id="18" name="Group 17">
+                <a:extLst>
+                  <a:ext uri="{FF2B5EF4-FFF2-40B4-BE49-F238E27FC236}">
+                    <a16:creationId xmlns:a16="http://schemas.microsoft.com/office/drawing/2014/main" id="{19894195-7D7A-08D6-A6EB-FF0B68C9AFFF}"/>
+                  </a:ext>
+                </a:extLst>
+              </p:cNvPr>
+              <p:cNvGrpSpPr/>
+              <p:nvPr/>
+            </p:nvGrpSpPr>
+            <p:grpSpPr>
+              <a:xfrm>
+                <a:off x="11772900" y="8481060"/>
+                <a:ext cx="3657600" cy="548640"/>
+                <a:chOff x="11772900" y="8481060"/>
+                <a:chExt cx="3657600" cy="548640"/>
+              </a:xfrm>
+            </p:grpSpPr>
+            <p:sp>
+              <p:nvSpPr>
+                <p:cNvPr id="20" name="Rectangle 19">
+                  <a:extLst>
+                    <a:ext uri="{FF2B5EF4-FFF2-40B4-BE49-F238E27FC236}">
+                      <a16:creationId xmlns:a16="http://schemas.microsoft.com/office/drawing/2014/main" id="{8AA2823A-F5C2-57A2-EEE7-96D8E4230AF7}"/>
+                    </a:ext>
+                  </a:extLst>
+                </p:cNvPr>
+                <p:cNvSpPr/>
+                <p:nvPr/>
+              </p:nvSpPr>
+              <p:spPr>
+                <a:xfrm>
+                  <a:off x="11772900" y="8481060"/>
+                  <a:ext cx="3657600" cy="548640"/>
+                </a:xfrm>
+                <a:prstGeom prst="rect">
+                  <a:avLst/>
+                </a:prstGeom>
+              </p:spPr>
+              <p:style>
+                <a:lnRef idx="2">
+                  <a:schemeClr val="dk1"/>
+                </a:lnRef>
+                <a:fillRef idx="1">
+                  <a:schemeClr val="lt1"/>
+                </a:fillRef>
+                <a:effectRef idx="0">
+                  <a:schemeClr val="dk1"/>
+                </a:effectRef>
+                <a:fontRef idx="minor">
+                  <a:schemeClr val="dk1"/>
+                </a:fontRef>
+              </p:style>
+              <p:txBody>
+                <a:bodyPr rtlCol="0" anchor="ctr"/>
+                <a:lstStyle/>
+                <a:p>
+                  <a:pPr algn="ctr"/>
+                  <a:endParaRPr lang="en-US" dirty="0"/>
+                </a:p>
+              </p:txBody>
+            </p:sp>
+            <p:grpSp>
+              <p:nvGrpSpPr>
+                <p:cNvPr id="21" name="Group 20">
+                  <a:extLst>
+                    <a:ext uri="{FF2B5EF4-FFF2-40B4-BE49-F238E27FC236}">
+                      <a16:creationId xmlns:a16="http://schemas.microsoft.com/office/drawing/2014/main" id="{586ACAA5-A20F-42E5-C1E5-A0A7CE67154E}"/>
+                    </a:ext>
+                  </a:extLst>
+                </p:cNvPr>
+                <p:cNvGrpSpPr/>
+                <p:nvPr/>
+              </p:nvGrpSpPr>
+              <p:grpSpPr>
+                <a:xfrm>
+                  <a:off x="11865102" y="8555325"/>
+                  <a:ext cx="3528783" cy="400110"/>
+                  <a:chOff x="11865102" y="8555325"/>
+                  <a:chExt cx="3528783" cy="400110"/>
+                </a:xfrm>
+              </p:grpSpPr>
+              <p:grpSp>
+                <p:nvGrpSpPr>
+                  <p:cNvPr id="22" name="Group 21">
+                    <a:extLst>
+                      <a:ext uri="{FF2B5EF4-FFF2-40B4-BE49-F238E27FC236}">
+                        <a16:creationId xmlns:a16="http://schemas.microsoft.com/office/drawing/2014/main" id="{71D4C819-2939-9C11-F5A0-D854D52131DD}"/>
+                      </a:ext>
+                    </a:extLst>
+                  </p:cNvPr>
+                  <p:cNvGrpSpPr/>
+                  <p:nvPr/>
+                </p:nvGrpSpPr>
+                <p:grpSpPr>
+                  <a:xfrm>
+                    <a:off x="11865102" y="8572500"/>
+                    <a:ext cx="2057158" cy="365760"/>
+                    <a:chOff x="12001500" y="8555098"/>
+                    <a:chExt cx="2057158" cy="365760"/>
+                  </a:xfrm>
+                </p:grpSpPr>
+                <p:pic>
+                  <p:nvPicPr>
+                    <p:cNvPr id="24" name="Picture 23">
+                      <a:extLst>
+                        <a:ext uri="{FF2B5EF4-FFF2-40B4-BE49-F238E27FC236}">
+                          <a16:creationId xmlns:a16="http://schemas.microsoft.com/office/drawing/2014/main" id="{B6636CE9-344A-92B9-C624-4CF5DD1DE710}"/>
+                        </a:ext>
+                      </a:extLst>
+                    </p:cNvPr>
+                    <p:cNvPicPr>
+                      <a:picLocks noChangeAspect="1"/>
+                    </p:cNvPicPr>
+                    <p:nvPr/>
+                  </p:nvPicPr>
+                  <p:blipFill>
+                    <a:blip r:embed="rId2">
+                      <a:extLst>
+                        <a:ext uri="{28A0092B-C50C-407E-A947-70E740481C1C}">
+                          <a14:useLocalDpi xmlns:a14="http://schemas.microsoft.com/office/drawing/2010/main" val="0"/>
+                        </a:ext>
+                      </a:extLst>
+                    </a:blip>
+                    <a:stretch>
+                      <a:fillRect/>
+                    </a:stretch>
+                  </p:blipFill>
+                  <p:spPr>
+                    <a:xfrm>
+                      <a:off x="12001500" y="8555098"/>
+                      <a:ext cx="1142758" cy="365760"/>
+                    </a:xfrm>
+                    <a:prstGeom prst="rect">
+                      <a:avLst/>
+                    </a:prstGeom>
+                  </p:spPr>
+                </p:pic>
+                <p:grpSp>
+                  <p:nvGrpSpPr>
+                    <p:cNvPr id="25" name="Group 24">
+                      <a:extLst>
+                        <a:ext uri="{FF2B5EF4-FFF2-40B4-BE49-F238E27FC236}">
+                          <a16:creationId xmlns:a16="http://schemas.microsoft.com/office/drawing/2014/main" id="{E173F522-233F-E7EB-1A33-79DE8417BA3D}"/>
+                        </a:ext>
+                      </a:extLst>
+                    </p:cNvPr>
+                    <p:cNvGrpSpPr/>
+                    <p:nvPr/>
+                  </p:nvGrpSpPr>
+                  <p:grpSpPr>
+                    <a:xfrm>
+                      <a:off x="13235698" y="8555098"/>
+                      <a:ext cx="822960" cy="365760"/>
+                      <a:chOff x="10904220" y="9510241"/>
+                      <a:chExt cx="822960" cy="365760"/>
+                    </a:xfrm>
+                  </p:grpSpPr>
+                  <p:pic>
+                    <p:nvPicPr>
+                      <p:cNvPr id="26" name="Picture 25">
+                        <a:extLst>
+                          <a:ext uri="{FF2B5EF4-FFF2-40B4-BE49-F238E27FC236}">
+                            <a16:creationId xmlns:a16="http://schemas.microsoft.com/office/drawing/2014/main" id="{FE367345-7CE8-06B7-A5D4-75DC39DE4738}"/>
+                          </a:ext>
+                        </a:extLst>
+                      </p:cNvPr>
+                      <p:cNvPicPr>
+                        <a:picLocks noChangeAspect="1"/>
+                      </p:cNvPicPr>
+                      <p:nvPr/>
+                    </p:nvPicPr>
+                    <p:blipFill>
+                      <a:blip r:embed="rId3">
+                        <a:extLst>
+                          <a:ext uri="{28A0092B-C50C-407E-A947-70E740481C1C}">
+                            <a14:useLocalDpi xmlns:a14="http://schemas.microsoft.com/office/drawing/2010/main" val="0"/>
+                          </a:ext>
+                        </a:extLst>
+                      </a:blip>
+                      <a:stretch>
+                        <a:fillRect/>
+                      </a:stretch>
+                    </p:blipFill>
+                    <p:spPr>
+                      <a:xfrm>
+                        <a:off x="10904220" y="9510724"/>
+                        <a:ext cx="365760" cy="364795"/>
+                      </a:xfrm>
+                      <a:prstGeom prst="rect">
+                        <a:avLst/>
+                      </a:prstGeom>
+                    </p:spPr>
+                  </p:pic>
+                  <p:pic>
+                    <p:nvPicPr>
+                      <p:cNvPr id="27" name="Picture 26">
+                        <a:extLst>
+                          <a:ext uri="{FF2B5EF4-FFF2-40B4-BE49-F238E27FC236}">
+                            <a16:creationId xmlns:a16="http://schemas.microsoft.com/office/drawing/2014/main" id="{9B7790C1-F5C8-0CEF-3CD9-6E2FC666F5B5}"/>
+                          </a:ext>
+                        </a:extLst>
+                      </p:cNvPr>
+                      <p:cNvPicPr>
+                        <a:picLocks noChangeAspect="1"/>
+                      </p:cNvPicPr>
+                      <p:nvPr/>
+                    </p:nvPicPr>
+                    <p:blipFill>
+                      <a:blip r:embed="rId4">
+                        <a:extLst>
+                          <a:ext uri="{28A0092B-C50C-407E-A947-70E740481C1C}">
+                            <a14:useLocalDpi xmlns:a14="http://schemas.microsoft.com/office/drawing/2010/main" val="0"/>
+                          </a:ext>
+                        </a:extLst>
+                      </a:blip>
+                      <a:stretch>
+                        <a:fillRect/>
+                      </a:stretch>
+                    </p:blipFill>
+                    <p:spPr>
+                      <a:xfrm>
+                        <a:off x="11361420" y="9510241"/>
+                        <a:ext cx="365760" cy="365760"/>
+                      </a:xfrm>
+                      <a:prstGeom prst="rect">
+                        <a:avLst/>
+                      </a:prstGeom>
+                    </p:spPr>
+                  </p:pic>
+                </p:grpSp>
+              </p:grpSp>
+              <p:sp>
+                <p:nvSpPr>
+                  <p:cNvPr id="23" name="TextBox 22">
+                    <a:extLst>
+                      <a:ext uri="{FF2B5EF4-FFF2-40B4-BE49-F238E27FC236}">
+                        <a16:creationId xmlns:a16="http://schemas.microsoft.com/office/drawing/2014/main" id="{054D2690-D57D-74C3-A083-E0CD06B1E618}"/>
+                      </a:ext>
+                    </a:extLst>
+                  </p:cNvPr>
+                  <p:cNvSpPr txBox="1"/>
+                  <p:nvPr/>
+                </p:nvSpPr>
+                <p:spPr>
+                  <a:xfrm>
+                    <a:off x="13958877" y="8555325"/>
+                    <a:ext cx="1435008" cy="400110"/>
+                  </a:xfrm>
+                  <a:prstGeom prst="rect">
+                    <a:avLst/>
+                  </a:prstGeom>
+                  <a:noFill/>
+                </p:spPr>
+                <p:txBody>
+                  <a:bodyPr wrap="none" rtlCol="0">
+                    <a:spAutoFit/>
+                  </a:bodyPr>
+                  <a:lstStyle/>
+                  <a:p>
+                    <a:pPr algn="ctr"/>
+                    <a:r>
+                      <a:rPr lang="en-US" sz="1000" b="1" dirty="0"/>
+                      <a:t>MINIPCB.COM</a:t>
+                    </a:r>
+                    <a:br>
+                      <a:rPr lang="en-US" sz="1000" b="1" dirty="0"/>
+                    </a:br>
+                    <a:r>
+                      <a:rPr lang="en-US" sz="1000" b="1" dirty="0"/>
+                      <a:t>SAN ANTONIO, TX, USA</a:t>
+                    </a:r>
+                  </a:p>
+                </p:txBody>
+              </p:sp>
+            </p:grpSp>
+          </p:grpSp>
+        </p:grpSp>
+      </p:grpSp>
+      <p:sp>
+        <p:nvSpPr>
+          <p:cNvPr id="4" name="TextBox 3">
+            <a:extLst>
+              <a:ext uri="{FF2B5EF4-FFF2-40B4-BE49-F238E27FC236}">
+                <a16:creationId xmlns:a16="http://schemas.microsoft.com/office/drawing/2014/main" id="{E293EF01-F7FC-E133-8B23-90C21EE38049}"/>
+              </a:ext>
+            </a:extLst>
+          </p:cNvPr>
+          <p:cNvSpPr txBox="1"/>
+          <p:nvPr/>
+        </p:nvSpPr>
+        <p:spPr>
+          <a:xfrm>
+            <a:off x="2079740" y="828050"/>
+            <a:ext cx="4097532" cy="8402300"/>
+          </a:xfrm>
+          <a:prstGeom prst="rect">
+            <a:avLst/>
+          </a:prstGeom>
+          <a:noFill/>
+        </p:spPr>
+        <p:txBody>
+          <a:bodyPr wrap="none" rtlCol="0">
+            <a:spAutoFit/>
+          </a:bodyPr>
           <a:lstStyle/>
           <a:p>
-            <a:endParaRPr lang="en-US"/>
-          </a:p>
-        </p:txBody>
-      </p:sp>
+            <a:r>
+              <a:rPr lang="en-US" b="1" dirty="0"/>
+              <a:t>COMPUTING</a:t>
+            </a:r>
+          </a:p>
+          <a:p>
+            <a:pPr marL="742950" lvl="1" indent="-285750">
+              <a:buFont typeface="Arial" panose="020B0604020202020204" pitchFamily="34" charset="0"/>
+              <a:buChar char="•"/>
+            </a:pPr>
+            <a:r>
+              <a:rPr lang="en-US" dirty="0"/>
+              <a:t>MODE: DIGITAL | ANALOG</a:t>
+            </a:r>
+          </a:p>
+          <a:p>
+            <a:pPr marL="742950" lvl="1" indent="-285750">
+              <a:buFont typeface="Arial" panose="020B0604020202020204" pitchFamily="34" charset="0"/>
+              <a:buChar char="•"/>
+            </a:pPr>
+            <a:r>
+              <a:rPr lang="en-US" dirty="0"/>
+              <a:t>PERFORMANCE: FLOPS | OPAMPS</a:t>
+            </a:r>
+          </a:p>
+          <a:p>
+            <a:pPr marL="285750" indent="-285750">
+              <a:buFont typeface="Arial" panose="020B0604020202020204" pitchFamily="34" charset="0"/>
+              <a:buChar char="•"/>
+            </a:pPr>
+            <a:endParaRPr lang="en-US" dirty="0"/>
+          </a:p>
+          <a:p>
+            <a:r>
+              <a:rPr lang="en-US" b="1" dirty="0"/>
+              <a:t>SOFTWARE</a:t>
+            </a:r>
+          </a:p>
+          <a:p>
+            <a:pPr marL="742950" lvl="1" indent="-285750">
+              <a:buFont typeface="Arial" panose="020B0604020202020204" pitchFamily="34" charset="0"/>
+              <a:buChar char="•"/>
+            </a:pPr>
+            <a:r>
+              <a:rPr lang="en-US" dirty="0"/>
+              <a:t>HARDWARE SPECIFIC | AGNOSTIC</a:t>
+            </a:r>
+          </a:p>
+          <a:p>
+            <a:pPr marL="742950" lvl="1" indent="-285750">
+              <a:buFont typeface="Arial" panose="020B0604020202020204" pitchFamily="34" charset="0"/>
+              <a:buChar char="•"/>
+            </a:pPr>
+            <a:r>
+              <a:rPr lang="en-US" dirty="0"/>
+              <a:t>OPEN | CLOSED</a:t>
+            </a:r>
+          </a:p>
+          <a:p>
+            <a:pPr marL="742950" lvl="1" indent="-285750">
+              <a:buFont typeface="Arial" panose="020B0604020202020204" pitchFamily="34" charset="0"/>
+              <a:buChar char="•"/>
+            </a:pPr>
+            <a:r>
+              <a:rPr lang="en-US" dirty="0"/>
+              <a:t>OWNED | LISCENSED</a:t>
+            </a:r>
+          </a:p>
+          <a:p>
+            <a:pPr marL="285750" indent="-285750">
+              <a:buFont typeface="Arial" panose="020B0604020202020204" pitchFamily="34" charset="0"/>
+              <a:buChar char="•"/>
+            </a:pPr>
+            <a:endParaRPr lang="en-US" dirty="0"/>
+          </a:p>
+          <a:p>
+            <a:r>
+              <a:rPr lang="en-US" b="1" dirty="0"/>
+              <a:t>ELECTRICAL</a:t>
+            </a:r>
+          </a:p>
+          <a:p>
+            <a:pPr marL="742950" lvl="1" indent="-285750">
+              <a:buFont typeface="Arial" panose="020B0604020202020204" pitchFamily="34" charset="0"/>
+              <a:buChar char="•"/>
+            </a:pPr>
+            <a:r>
+              <a:rPr lang="en-US" dirty="0"/>
+              <a:t>120 VAC, 60 Hz, 10 A</a:t>
+            </a:r>
+          </a:p>
+          <a:p>
+            <a:pPr marL="742950" lvl="1" indent="-285750">
+              <a:buFont typeface="Arial" panose="020B0604020202020204" pitchFamily="34" charset="0"/>
+              <a:buChar char="•"/>
+            </a:pPr>
+            <a:r>
+              <a:rPr lang="en-US" dirty="0"/>
+              <a:t>240 VAC 50/60 Hz, 10 A</a:t>
+            </a:r>
+          </a:p>
+          <a:p>
+            <a:pPr marL="285750" indent="-285750">
+              <a:buFont typeface="Arial" panose="020B0604020202020204" pitchFamily="34" charset="0"/>
+              <a:buChar char="•"/>
+            </a:pPr>
+            <a:endParaRPr lang="en-US" dirty="0"/>
+          </a:p>
+          <a:p>
+            <a:r>
+              <a:rPr lang="en-US" b="1" dirty="0"/>
+              <a:t>MECHANICAL</a:t>
+            </a:r>
+          </a:p>
+          <a:p>
+            <a:pPr marL="742950" lvl="1" indent="-285750">
+              <a:buFont typeface="Arial" panose="020B0604020202020204" pitchFamily="34" charset="0"/>
+              <a:buChar char="•"/>
+            </a:pPr>
+            <a:r>
+              <a:rPr lang="en-US" dirty="0"/>
+              <a:t>ENCLOSURE WITH SHELVES</a:t>
+            </a:r>
+          </a:p>
+          <a:p>
+            <a:pPr marL="742950" lvl="1" indent="-285750">
+              <a:buFont typeface="Arial" panose="020B0604020202020204" pitchFamily="34" charset="0"/>
+              <a:buChar char="•"/>
+            </a:pPr>
+            <a:r>
+              <a:rPr lang="en-US" dirty="0"/>
+              <a:t>LOAD CAPACITY: 300 kg</a:t>
+            </a:r>
+          </a:p>
+          <a:p>
+            <a:endParaRPr lang="en-US" dirty="0"/>
+          </a:p>
+          <a:p>
+            <a:r>
+              <a:rPr lang="en-US" b="1" dirty="0"/>
+              <a:t>COOLING</a:t>
+            </a:r>
+          </a:p>
+          <a:p>
+            <a:pPr marL="742950" lvl="1" indent="-285750">
+              <a:buFont typeface="Arial" panose="020B0604020202020204" pitchFamily="34" charset="0"/>
+              <a:buChar char="•"/>
+            </a:pPr>
+            <a:r>
+              <a:rPr lang="en-US" dirty="0"/>
+              <a:t>FORCED AIR</a:t>
+            </a:r>
+          </a:p>
+          <a:p>
+            <a:pPr marL="742950" lvl="1" indent="-285750">
+              <a:buFont typeface="Arial" panose="020B0604020202020204" pitchFamily="34" charset="0"/>
+              <a:buChar char="•"/>
+            </a:pPr>
+            <a:r>
+              <a:rPr lang="en-US" dirty="0"/>
+              <a:t>HEATPIPES</a:t>
+            </a:r>
+          </a:p>
+          <a:p>
+            <a:pPr marL="742950" lvl="1" indent="-285750">
+              <a:buFont typeface="Arial" panose="020B0604020202020204" pitchFamily="34" charset="0"/>
+              <a:buChar char="•"/>
+            </a:pPr>
+            <a:r>
+              <a:rPr lang="en-US" dirty="0"/>
+              <a:t>LIQUID</a:t>
+            </a:r>
+          </a:p>
+          <a:p>
+            <a:pPr marL="742950" lvl="1" indent="-285750">
+              <a:buFont typeface="Arial" panose="020B0604020202020204" pitchFamily="34" charset="0"/>
+              <a:buChar char="•"/>
+            </a:pPr>
+            <a:r>
+              <a:rPr lang="en-US" dirty="0"/>
+              <a:t>REFRIGERANT</a:t>
+            </a:r>
+          </a:p>
+          <a:p>
+            <a:pPr marL="285750" indent="-285750">
+              <a:buFont typeface="Arial" panose="020B0604020202020204" pitchFamily="34" charset="0"/>
+              <a:buChar char="•"/>
+            </a:pPr>
+            <a:endParaRPr lang="en-US" dirty="0"/>
+          </a:p>
+          <a:p>
+            <a:r>
+              <a:rPr lang="en-US" b="1" dirty="0"/>
+              <a:t>TARGET CAD PROGRAMS</a:t>
+            </a:r>
+          </a:p>
+          <a:p>
+            <a:pPr marL="742950" lvl="1" indent="-285750">
+              <a:buFont typeface="Arial" panose="020B0604020202020204" pitchFamily="34" charset="0"/>
+              <a:buChar char="•"/>
+            </a:pPr>
+            <a:r>
+              <a:rPr lang="en-US" dirty="0"/>
+              <a:t>PRINTED CIRCUIT BOARDS</a:t>
+            </a:r>
+          </a:p>
+          <a:p>
+            <a:pPr marL="742950" lvl="1" indent="-285750">
+              <a:buFont typeface="Arial" panose="020B0604020202020204" pitchFamily="34" charset="0"/>
+              <a:buChar char="•"/>
+            </a:pPr>
+            <a:r>
+              <a:rPr lang="en-US" dirty="0">
+                <a:solidFill>
+                  <a:schemeClr val="bg1">
+                    <a:lumMod val="75000"/>
+                  </a:schemeClr>
+                </a:solidFill>
+              </a:rPr>
+              <a:t>INTEGRATED CIRCUITS</a:t>
+            </a:r>
+          </a:p>
+          <a:p>
+            <a:pPr marL="742950" lvl="1" indent="-285750">
+              <a:buFont typeface="Arial" panose="020B0604020202020204" pitchFamily="34" charset="0"/>
+              <a:buChar char="•"/>
+            </a:pPr>
+            <a:r>
+              <a:rPr lang="en-US" dirty="0">
+                <a:solidFill>
+                  <a:schemeClr val="bg1">
+                    <a:lumMod val="75000"/>
+                  </a:schemeClr>
+                </a:solidFill>
+              </a:rPr>
+              <a:t>WIRE HARNESSES</a:t>
+            </a:r>
+          </a:p>
+          <a:p>
+            <a:pPr marL="742950" lvl="1" indent="-285750">
+              <a:buFont typeface="Arial" panose="020B0604020202020204" pitchFamily="34" charset="0"/>
+              <a:buChar char="•"/>
+            </a:pPr>
+            <a:r>
+              <a:rPr lang="en-US" dirty="0">
+                <a:solidFill>
+                  <a:schemeClr val="bg1">
+                    <a:lumMod val="75000"/>
+                  </a:schemeClr>
+                </a:solidFill>
+              </a:rPr>
+              <a:t>ENCLOSURES</a:t>
+            </a:r>
+          </a:p>
+          <a:p>
+            <a:pPr marL="742950" lvl="1" indent="-285750">
+              <a:buFont typeface="Arial" panose="020B0604020202020204" pitchFamily="34" charset="0"/>
+              <a:buChar char="•"/>
+            </a:pPr>
+            <a:r>
+              <a:rPr lang="en-US" dirty="0">
+                <a:solidFill>
+                  <a:schemeClr val="bg1">
+                    <a:lumMod val="75000"/>
+                  </a:schemeClr>
+                </a:solidFill>
+              </a:rPr>
+              <a:t>MECHANISMS</a:t>
+            </a:r>
+          </a:p>
+          <a:p>
+            <a:pPr marL="742950" lvl="1" indent="-285750">
+              <a:buFont typeface="Arial" panose="020B0604020202020204" pitchFamily="34" charset="0"/>
+              <a:buChar char="•"/>
+            </a:pPr>
+            <a:r>
+              <a:rPr lang="en-US" dirty="0">
+                <a:solidFill>
+                  <a:schemeClr val="bg1">
+                    <a:lumMod val="75000"/>
+                  </a:schemeClr>
+                </a:solidFill>
+              </a:rPr>
+              <a:t>COMPLEX MACHINES</a:t>
+            </a:r>
+          </a:p>
+        </p:txBody>
+      </p:sp>
+      <p:grpSp>
+        <p:nvGrpSpPr>
+          <p:cNvPr id="28" name="Group 27">
+            <a:extLst>
+              <a:ext uri="{FF2B5EF4-FFF2-40B4-BE49-F238E27FC236}">
+                <a16:creationId xmlns:a16="http://schemas.microsoft.com/office/drawing/2014/main" id="{9F366064-8B17-78B7-ECCC-1D5776F0241B}"/>
+              </a:ext>
+            </a:extLst>
+          </p:cNvPr>
+          <p:cNvGrpSpPr/>
+          <p:nvPr/>
+        </p:nvGrpSpPr>
+        <p:grpSpPr>
+          <a:xfrm>
+            <a:off x="7772400" y="1600200"/>
+            <a:ext cx="5778709" cy="5430766"/>
+            <a:chOff x="4367321" y="2044454"/>
+            <a:chExt cx="5778709" cy="5430766"/>
+          </a:xfrm>
+        </p:grpSpPr>
+        <p:grpSp>
+          <p:nvGrpSpPr>
+            <p:cNvPr id="29" name="Group 28">
+              <a:extLst>
+                <a:ext uri="{FF2B5EF4-FFF2-40B4-BE49-F238E27FC236}">
+                  <a16:creationId xmlns:a16="http://schemas.microsoft.com/office/drawing/2014/main" id="{749102A8-B4F8-CAB6-8969-476D3F69B701}"/>
+                </a:ext>
+              </a:extLst>
+            </p:cNvPr>
+            <p:cNvGrpSpPr/>
+            <p:nvPr/>
+          </p:nvGrpSpPr>
+          <p:grpSpPr>
+            <a:xfrm>
+              <a:off x="5398770" y="2583180"/>
+              <a:ext cx="4747260" cy="4892040"/>
+              <a:chOff x="5654040" y="1767840"/>
+              <a:chExt cx="4747260" cy="4892040"/>
+            </a:xfrm>
+          </p:grpSpPr>
+          <p:sp>
+            <p:nvSpPr>
+              <p:cNvPr id="33" name="Rectangle 32">
+                <a:extLst>
+                  <a:ext uri="{FF2B5EF4-FFF2-40B4-BE49-F238E27FC236}">
+                    <a16:creationId xmlns:a16="http://schemas.microsoft.com/office/drawing/2014/main" id="{6556F2E5-4E89-2F11-06F0-33D74B22E0F7}"/>
+                  </a:ext>
+                </a:extLst>
+              </p:cNvPr>
+              <p:cNvSpPr/>
+              <p:nvPr/>
+            </p:nvSpPr>
+            <p:spPr>
+              <a:xfrm>
+                <a:off x="5654040" y="4236720"/>
+                <a:ext cx="1828800" cy="2423160"/>
+              </a:xfrm>
+              <a:prstGeom prst="rect">
+                <a:avLst/>
+              </a:prstGeom>
+            </p:spPr>
+            <p:style>
+              <a:lnRef idx="2">
+                <a:schemeClr val="dk1">
+                  <a:shade val="15000"/>
+                </a:schemeClr>
+              </a:lnRef>
+              <a:fillRef idx="1">
+                <a:schemeClr val="dk1"/>
+              </a:fillRef>
+              <a:effectRef idx="0">
+                <a:schemeClr val="dk1"/>
+              </a:effectRef>
+              <a:fontRef idx="minor">
+                <a:schemeClr val="lt1"/>
+              </a:fontRef>
+            </p:style>
+            <p:txBody>
+              <a:bodyPr rtlCol="0" anchor="ctr"/>
+              <a:lstStyle/>
+              <a:p>
+                <a:pPr algn="ctr"/>
+                <a:r>
+                  <a:rPr lang="en-US" dirty="0"/>
+                  <a:t>FRONT VIEW</a:t>
+                </a:r>
+              </a:p>
+            </p:txBody>
+          </p:sp>
+          <p:sp>
+            <p:nvSpPr>
+              <p:cNvPr id="34" name="Rectangle 33">
+                <a:extLst>
+                  <a:ext uri="{FF2B5EF4-FFF2-40B4-BE49-F238E27FC236}">
+                    <a16:creationId xmlns:a16="http://schemas.microsoft.com/office/drawing/2014/main" id="{7F61962D-CBB9-D06F-BF37-EDCD24991B43}"/>
+                  </a:ext>
+                </a:extLst>
+              </p:cNvPr>
+              <p:cNvSpPr/>
+              <p:nvPr/>
+            </p:nvSpPr>
+            <p:spPr>
+              <a:xfrm>
+                <a:off x="8572500" y="4236720"/>
+                <a:ext cx="1828800" cy="2423160"/>
+              </a:xfrm>
+              <a:prstGeom prst="rect">
+                <a:avLst/>
+              </a:prstGeom>
+            </p:spPr>
+            <p:style>
+              <a:lnRef idx="2">
+                <a:schemeClr val="dk1">
+                  <a:shade val="15000"/>
+                </a:schemeClr>
+              </a:lnRef>
+              <a:fillRef idx="1">
+                <a:schemeClr val="dk1"/>
+              </a:fillRef>
+              <a:effectRef idx="0">
+                <a:schemeClr val="dk1"/>
+              </a:effectRef>
+              <a:fontRef idx="minor">
+                <a:schemeClr val="lt1"/>
+              </a:fontRef>
+            </p:style>
+            <p:txBody>
+              <a:bodyPr rtlCol="0" anchor="ctr"/>
+              <a:lstStyle/>
+              <a:p>
+                <a:pPr algn="ctr"/>
+                <a:r>
+                  <a:rPr lang="en-US" dirty="0"/>
+                  <a:t>RIGHT</a:t>
+                </a:r>
+              </a:p>
+              <a:p>
+                <a:pPr algn="ctr"/>
+                <a:r>
+                  <a:rPr lang="en-US" dirty="0"/>
+                  <a:t>SIDE VIEW</a:t>
+                </a:r>
+              </a:p>
+            </p:txBody>
+          </p:sp>
+          <p:sp>
+            <p:nvSpPr>
+              <p:cNvPr id="35" name="Rectangle 34">
+                <a:extLst>
+                  <a:ext uri="{FF2B5EF4-FFF2-40B4-BE49-F238E27FC236}">
+                    <a16:creationId xmlns:a16="http://schemas.microsoft.com/office/drawing/2014/main" id="{D0DBB012-9B3A-E04C-A475-457EE526DAF3}"/>
+                  </a:ext>
+                </a:extLst>
+              </p:cNvPr>
+              <p:cNvSpPr/>
+              <p:nvPr/>
+            </p:nvSpPr>
+            <p:spPr>
+              <a:xfrm>
+                <a:off x="5654040" y="1767840"/>
+                <a:ext cx="1828800" cy="1828800"/>
+              </a:xfrm>
+              <a:prstGeom prst="rect">
+                <a:avLst/>
+              </a:prstGeom>
+            </p:spPr>
+            <p:style>
+              <a:lnRef idx="2">
+                <a:schemeClr val="dk1">
+                  <a:shade val="15000"/>
+                </a:schemeClr>
+              </a:lnRef>
+              <a:fillRef idx="1">
+                <a:schemeClr val="dk1"/>
+              </a:fillRef>
+              <a:effectRef idx="0">
+                <a:schemeClr val="dk1"/>
+              </a:effectRef>
+              <a:fontRef idx="minor">
+                <a:schemeClr val="lt1"/>
+              </a:fontRef>
+            </p:style>
+            <p:txBody>
+              <a:bodyPr rtlCol="0" anchor="ctr"/>
+              <a:lstStyle/>
+              <a:p>
+                <a:pPr algn="ctr"/>
+                <a:r>
+                  <a:rPr lang="en-US" dirty="0"/>
+                  <a:t>TOP VIEW</a:t>
+                </a:r>
+              </a:p>
+            </p:txBody>
+          </p:sp>
+        </p:grpSp>
+        <p:sp>
+          <p:nvSpPr>
+            <p:cNvPr id="30" name="TextBox 29">
+              <a:extLst>
+                <a:ext uri="{FF2B5EF4-FFF2-40B4-BE49-F238E27FC236}">
+                  <a16:creationId xmlns:a16="http://schemas.microsoft.com/office/drawing/2014/main" id="{36C58720-8589-C726-6DC1-F7CA97E1EFC2}"/>
+                </a:ext>
+              </a:extLst>
+            </p:cNvPr>
+            <p:cNvSpPr txBox="1"/>
+            <p:nvPr/>
+          </p:nvSpPr>
+          <p:spPr>
+            <a:xfrm>
+              <a:off x="5848138" y="2044454"/>
+              <a:ext cx="930063" cy="369332"/>
+            </a:xfrm>
+            <a:prstGeom prst="rect">
+              <a:avLst/>
+            </a:prstGeom>
+            <a:noFill/>
+          </p:spPr>
+          <p:txBody>
+            <a:bodyPr wrap="none" rtlCol="0">
+              <a:spAutoFit/>
+            </a:bodyPr>
+            <a:lstStyle/>
+            <a:p>
+              <a:r>
+                <a:rPr lang="en-US" dirty="0"/>
+                <a:t>?’ WIDE</a:t>
+              </a:r>
+            </a:p>
+          </p:txBody>
+        </p:sp>
+        <p:sp>
+          <p:nvSpPr>
+            <p:cNvPr id="31" name="TextBox 30">
+              <a:extLst>
+                <a:ext uri="{FF2B5EF4-FFF2-40B4-BE49-F238E27FC236}">
+                  <a16:creationId xmlns:a16="http://schemas.microsoft.com/office/drawing/2014/main" id="{6B7F838F-CF38-6C01-8D39-182DE8D98123}"/>
+                </a:ext>
+              </a:extLst>
+            </p:cNvPr>
+            <p:cNvSpPr txBox="1"/>
+            <p:nvPr/>
+          </p:nvSpPr>
+          <p:spPr>
+            <a:xfrm>
+              <a:off x="4367321" y="3312914"/>
+              <a:ext cx="898003" cy="369332"/>
+            </a:xfrm>
+            <a:prstGeom prst="rect">
+              <a:avLst/>
+            </a:prstGeom>
+            <a:noFill/>
+          </p:spPr>
+          <p:txBody>
+            <a:bodyPr wrap="none" rtlCol="0">
+              <a:spAutoFit/>
+            </a:bodyPr>
+            <a:lstStyle/>
+            <a:p>
+              <a:r>
+                <a:rPr lang="en-US" dirty="0"/>
+                <a:t>?’ DEEP</a:t>
+              </a:r>
+            </a:p>
+          </p:txBody>
+        </p:sp>
+        <p:sp>
+          <p:nvSpPr>
+            <p:cNvPr id="32" name="TextBox 31">
+              <a:extLst>
+                <a:ext uri="{FF2B5EF4-FFF2-40B4-BE49-F238E27FC236}">
+                  <a16:creationId xmlns:a16="http://schemas.microsoft.com/office/drawing/2014/main" id="{C209FE18-5B97-85F8-4508-B246C15A435B}"/>
+                </a:ext>
+              </a:extLst>
+            </p:cNvPr>
+            <p:cNvSpPr txBox="1"/>
+            <p:nvPr/>
+          </p:nvSpPr>
+          <p:spPr>
+            <a:xfrm>
+              <a:off x="4439211" y="6078974"/>
+              <a:ext cx="829458" cy="369332"/>
+            </a:xfrm>
+            <a:prstGeom prst="rect">
+              <a:avLst/>
+            </a:prstGeom>
+            <a:noFill/>
+          </p:spPr>
+          <p:txBody>
+            <a:bodyPr wrap="none" rtlCol="0">
+              <a:spAutoFit/>
+            </a:bodyPr>
+            <a:lstStyle/>
+            <a:p>
+              <a:r>
+                <a:rPr lang="en-US" dirty="0"/>
+                <a:t>?’ TALL</a:t>
+              </a:r>
+            </a:p>
+          </p:txBody>
+        </p:sp>
+      </p:grpSp>
     </p:spTree>
     <p:extLst>
       <p:ext uri="{BB962C8B-B14F-4D97-AF65-F5344CB8AC3E}">
-        <p14:creationId xmlns:p14="http://schemas.microsoft.com/office/powerpoint/2010/main" val="2478741946"/>
+        <p14:creationId xmlns:p14="http://schemas.microsoft.com/office/powerpoint/2010/main" val="1765306830"/>
       </p:ext>
     </p:extLst>
   </p:cSld>
@@ -4034,7 +5825,7 @@
 <file path=ppt/theme/theme1.xml><?xml version="1.0" encoding="utf-8"?>
 <a:theme xmlns:a="http://schemas.openxmlformats.org/drawingml/2006/main" name="Office Theme">
   <a:themeElements>
-    <a:clrScheme name="Office">
+    <a:clrScheme name="Office Theme">
       <a:dk1>
         <a:sysClr val="windowText" lastClr="000000"/>
       </a:dk1>
@@ -4072,7 +5863,7 @@
         <a:srgbClr val="954F72"/>
       </a:folHlink>
     </a:clrScheme>
-    <a:fontScheme name="Office">
+    <a:fontScheme name="Office Theme">
       <a:majorFont>
         <a:latin typeface="Calibri Light" panose="020F0302020204030204"/>
         <a:ea typeface=""/>
@@ -4107,23 +5898,6 @@
         <a:font script="Viet" typeface="Times New Roman"/>
         <a:font script="Uigh" typeface="Microsoft Uighur"/>
         <a:font script="Geor" typeface="Sylfaen"/>
-        <a:font script="Armn" typeface="Arial"/>
-        <a:font script="Bugi" typeface="Leelawadee UI"/>
-        <a:font script="Bopo" typeface="Microsoft JhengHei"/>
-        <a:font script="Java" typeface="Javanese Text"/>
-        <a:font script="Lisu" typeface="Segoe UI"/>
-        <a:font script="Mymr" typeface="Myanmar Text"/>
-        <a:font script="Nkoo" typeface="Ebrima"/>
-        <a:font script="Olck" typeface="Nirmala UI"/>
-        <a:font script="Osma" typeface="Ebrima"/>
-        <a:font script="Phag" typeface="Phagspa"/>
-        <a:font script="Syrn" typeface="Estrangelo Edessa"/>
-        <a:font script="Syrj" typeface="Estrangelo Edessa"/>
-        <a:font script="Syre" typeface="Estrangelo Edessa"/>
-        <a:font script="Sora" typeface="Nirmala UI"/>
-        <a:font script="Tale" typeface="Microsoft Tai Le"/>
-        <a:font script="Talu" typeface="Microsoft New Tai Lue"/>
-        <a:font script="Tfng" typeface="Ebrima"/>
       </a:majorFont>
       <a:minorFont>
         <a:latin typeface="Calibri" panose="020F0502020204030204"/>
@@ -4159,26 +5933,9 @@
         <a:font script="Viet" typeface="Arial"/>
         <a:font script="Uigh" typeface="Microsoft Uighur"/>
         <a:font script="Geor" typeface="Sylfaen"/>
-        <a:font script="Armn" typeface="Arial"/>
-        <a:font script="Bugi" typeface="Leelawadee UI"/>
-        <a:font script="Bopo" typeface="Microsoft JhengHei"/>
-        <a:font script="Java" typeface="Javanese Text"/>
-        <a:font script="Lisu" typeface="Segoe UI"/>
-        <a:font script="Mymr" typeface="Myanmar Text"/>
-        <a:font script="Nkoo" typeface="Ebrima"/>
-        <a:font script="Olck" typeface="Nirmala UI"/>
-        <a:font script="Osma" typeface="Ebrima"/>
-        <a:font script="Phag" typeface="Phagspa"/>
-        <a:font script="Syrn" typeface="Estrangelo Edessa"/>
-        <a:font script="Syrj" typeface="Estrangelo Edessa"/>
-        <a:font script="Syre" typeface="Estrangelo Edessa"/>
-        <a:font script="Sora" typeface="Nirmala UI"/>
-        <a:font script="Tale" typeface="Microsoft Tai Le"/>
-        <a:font script="Talu" typeface="Microsoft New Tai Lue"/>
-        <a:font script="Tfng" typeface="Ebrima"/>
       </a:minorFont>
     </a:fontScheme>
-    <a:fmtScheme name="Office">
+    <a:fmtScheme name="Office Theme">
       <a:fillStyleLst>
         <a:solidFill>
           <a:schemeClr val="phClr"/>
@@ -4320,7 +6077,7 @@
   <a:extraClrSchemeLst/>
   <a:extLst>
     <a:ext uri="{05A4C25C-085E-4340-85A3-A5531E510DB2}">
-      <thm15:themeFamily xmlns:thm15="http://schemas.microsoft.com/office/thememl/2012/main" name="Office Theme" id="{62F939B6-93AF-4DB8-9C6B-D6C7DFDC589F}" vid="{4A3C46E8-61CC-4603-A589-7422A47A8E4A}"/>
+      <thm15:themeFamily xmlns:thm15="http://schemas.microsoft.com/office/thememl/2012/main" name="Office Theme 2013 - 2022" id="{62F939B6-93AF-4DB8-9C6B-D6C7DFDC589F}" vid="{4A3C46E8-61CC-4603-A589-7422A47A8E4A}"/>
     </a:ext>
   </a:extLst>
 </a:theme>
